--- a/pptx/pentagon.pptx
+++ b/pptx/pentagon.pptx
@@ -22,7 +22,9 @@
     <p:sldId id="280" r:id="rId16"/>
     <p:sldId id="281" r:id="rId17"/>
     <p:sldId id="282" r:id="rId18"/>
-    <p:sldId id="283" r:id="rId19"/>
+    <p:sldId id="284" r:id="rId19"/>
+    <p:sldId id="285" r:id="rId20"/>
+    <p:sldId id="286" r:id="rId21"/>
   </p:sldIdLst>
   <p:sldSz cx="12192000" cy="6858000"/>
   <p:notesSz cx="6858000" cy="9144000"/>
@@ -258,7 +260,7 @@
           <a:p>
             <a:fld id="{7C646FE5-4C54-49A0-A728-7E280FF13932}" type="datetimeFigureOut">
               <a:rPr kumimoji="1" lang="ja-JP" altLang="en-US" smtClean="0"/>
-              <a:t>2023/2/26</a:t>
+              <a:t>2023/2/27</a:t>
             </a:fld>
             <a:endParaRPr kumimoji="1" lang="ja-JP" altLang="en-US"/>
           </a:p>
@@ -458,7 +460,7 @@
           <a:p>
             <a:fld id="{7C646FE5-4C54-49A0-A728-7E280FF13932}" type="datetimeFigureOut">
               <a:rPr kumimoji="1" lang="ja-JP" altLang="en-US" smtClean="0"/>
-              <a:t>2023/2/26</a:t>
+              <a:t>2023/2/27</a:t>
             </a:fld>
             <a:endParaRPr kumimoji="1" lang="ja-JP" altLang="en-US"/>
           </a:p>
@@ -701,7 +703,7 @@
           <a:p>
             <a:fld id="{7C646FE5-4C54-49A0-A728-7E280FF13932}" type="datetimeFigureOut">
               <a:rPr kumimoji="1" lang="ja-JP" altLang="en-US" smtClean="0"/>
-              <a:t>2023/2/26</a:t>
+              <a:t>2023/2/27</a:t>
             </a:fld>
             <a:endParaRPr kumimoji="1" lang="ja-JP" altLang="en-US"/>
           </a:p>
@@ -1377,6 +1379,114 @@
           </a:p>
         </p:txBody>
       </p:sp>
+      <p:sp>
+        <p:nvSpPr>
+          <p:cNvPr id="4" name="楕円 3">
+            <a:extLst>
+              <a:ext uri="{FF2B5EF4-FFF2-40B4-BE49-F238E27FC236}">
+                <a16:creationId xmlns:a16="http://schemas.microsoft.com/office/drawing/2014/main" id="{938DB9FA-60BC-2DF2-85FA-31DA5A7B87A0}"/>
+              </a:ext>
+            </a:extLst>
+          </p:cNvPr>
+          <p:cNvSpPr/>
+          <p:nvPr/>
+        </p:nvSpPr>
+        <p:spPr>
+          <a:xfrm>
+            <a:off x="4719371" y="5426436"/>
+            <a:ext cx="97536" cy="97536"/>
+          </a:xfrm>
+          <a:prstGeom prst="ellipse">
+            <a:avLst/>
+          </a:prstGeom>
+          <a:solidFill>
+            <a:srgbClr val="FFFF00"/>
+          </a:solidFill>
+          <a:ln>
+            <a:solidFill>
+              <a:schemeClr val="tx1"/>
+            </a:solidFill>
+          </a:ln>
+        </p:spPr>
+        <p:style>
+          <a:lnRef idx="2">
+            <a:schemeClr val="accent1">
+              <a:shade val="50000"/>
+            </a:schemeClr>
+          </a:lnRef>
+          <a:fillRef idx="1">
+            <a:schemeClr val="accent1"/>
+          </a:fillRef>
+          <a:effectRef idx="0">
+            <a:schemeClr val="accent1"/>
+          </a:effectRef>
+          <a:fontRef idx="minor">
+            <a:schemeClr val="lt1"/>
+          </a:fontRef>
+        </p:style>
+        <p:txBody>
+          <a:bodyPr rtlCol="0" anchor="ctr"/>
+          <a:lstStyle/>
+          <a:p>
+            <a:pPr algn="ctr"/>
+            <a:endParaRPr kumimoji="1" lang="ja-JP" altLang="en-US"/>
+          </a:p>
+        </p:txBody>
+      </p:sp>
+      <p:sp>
+        <p:nvSpPr>
+          <p:cNvPr id="5" name="楕円 4">
+            <a:extLst>
+              <a:ext uri="{FF2B5EF4-FFF2-40B4-BE49-F238E27FC236}">
+                <a16:creationId xmlns:a16="http://schemas.microsoft.com/office/drawing/2014/main" id="{2652282F-8646-DA0C-B27E-0B8844096DA8}"/>
+              </a:ext>
+            </a:extLst>
+          </p:cNvPr>
+          <p:cNvSpPr/>
+          <p:nvPr/>
+        </p:nvSpPr>
+        <p:spPr>
+          <a:xfrm>
+            <a:off x="8195752" y="2897188"/>
+            <a:ext cx="97536" cy="97536"/>
+          </a:xfrm>
+          <a:prstGeom prst="ellipse">
+            <a:avLst/>
+          </a:prstGeom>
+          <a:solidFill>
+            <a:srgbClr val="FFFF00"/>
+          </a:solidFill>
+          <a:ln>
+            <a:solidFill>
+              <a:schemeClr val="tx1"/>
+            </a:solidFill>
+          </a:ln>
+        </p:spPr>
+        <p:style>
+          <a:lnRef idx="2">
+            <a:schemeClr val="accent1">
+              <a:shade val="50000"/>
+            </a:schemeClr>
+          </a:lnRef>
+          <a:fillRef idx="1">
+            <a:schemeClr val="accent1"/>
+          </a:fillRef>
+          <a:effectRef idx="0">
+            <a:schemeClr val="accent1"/>
+          </a:effectRef>
+          <a:fontRef idx="minor">
+            <a:schemeClr val="lt1"/>
+          </a:fontRef>
+        </p:style>
+        <p:txBody>
+          <a:bodyPr rtlCol="0" anchor="ctr"/>
+          <a:lstStyle/>
+          <a:p>
+            <a:pPr algn="ctr"/>
+            <a:endParaRPr kumimoji="1" lang="ja-JP" altLang="en-US"/>
+          </a:p>
+        </p:txBody>
+      </p:sp>
     </p:spTree>
     <p:extLst>
       <p:ext uri="{BB962C8B-B14F-4D97-AF65-F5344CB8AC3E}">
@@ -1619,6 +1729,114 @@
               <a:rPr kumimoji="1" lang="ja-JP" altLang="en-US" sz="2000"/>
               <a:t>さらに斜め線（頂点なので吸着します）</a:t>
             </a:r>
+          </a:p>
+        </p:txBody>
+      </p:sp>
+      <p:sp>
+        <p:nvSpPr>
+          <p:cNvPr id="4" name="楕円 3">
+            <a:extLst>
+              <a:ext uri="{FF2B5EF4-FFF2-40B4-BE49-F238E27FC236}">
+                <a16:creationId xmlns:a16="http://schemas.microsoft.com/office/drawing/2014/main" id="{90CE8058-F119-810B-0419-4BCB9F860C50}"/>
+              </a:ext>
+            </a:extLst>
+          </p:cNvPr>
+          <p:cNvSpPr/>
+          <p:nvPr/>
+        </p:nvSpPr>
+        <p:spPr>
+          <a:xfrm>
+            <a:off x="7375088" y="5421923"/>
+            <a:ext cx="97536" cy="97536"/>
+          </a:xfrm>
+          <a:prstGeom prst="ellipse">
+            <a:avLst/>
+          </a:prstGeom>
+          <a:solidFill>
+            <a:srgbClr val="FFFF00"/>
+          </a:solidFill>
+          <a:ln>
+            <a:solidFill>
+              <a:schemeClr val="tx1"/>
+            </a:solidFill>
+          </a:ln>
+        </p:spPr>
+        <p:style>
+          <a:lnRef idx="2">
+            <a:schemeClr val="accent1">
+              <a:shade val="50000"/>
+            </a:schemeClr>
+          </a:lnRef>
+          <a:fillRef idx="1">
+            <a:schemeClr val="accent1"/>
+          </a:fillRef>
+          <a:effectRef idx="0">
+            <a:schemeClr val="accent1"/>
+          </a:effectRef>
+          <a:fontRef idx="minor">
+            <a:schemeClr val="lt1"/>
+          </a:fontRef>
+        </p:style>
+        <p:txBody>
+          <a:bodyPr rtlCol="0" anchor="ctr"/>
+          <a:lstStyle/>
+          <a:p>
+            <a:pPr algn="ctr"/>
+            <a:endParaRPr kumimoji="1" lang="ja-JP" altLang="en-US"/>
+          </a:p>
+        </p:txBody>
+      </p:sp>
+      <p:sp>
+        <p:nvSpPr>
+          <p:cNvPr id="5" name="楕円 4">
+            <a:extLst>
+              <a:ext uri="{FF2B5EF4-FFF2-40B4-BE49-F238E27FC236}">
+                <a16:creationId xmlns:a16="http://schemas.microsoft.com/office/drawing/2014/main" id="{79320BFB-9585-3AB5-E3AC-7A18DE361B82}"/>
+              </a:ext>
+            </a:extLst>
+          </p:cNvPr>
+          <p:cNvSpPr/>
+          <p:nvPr/>
+        </p:nvSpPr>
+        <p:spPr>
+          <a:xfrm>
+            <a:off x="6047231" y="1338540"/>
+            <a:ext cx="97536" cy="97536"/>
+          </a:xfrm>
+          <a:prstGeom prst="ellipse">
+            <a:avLst/>
+          </a:prstGeom>
+          <a:solidFill>
+            <a:srgbClr val="FFFF00"/>
+          </a:solidFill>
+          <a:ln>
+            <a:solidFill>
+              <a:schemeClr val="tx1"/>
+            </a:solidFill>
+          </a:ln>
+        </p:spPr>
+        <p:style>
+          <a:lnRef idx="2">
+            <a:schemeClr val="accent1">
+              <a:shade val="50000"/>
+            </a:schemeClr>
+          </a:lnRef>
+          <a:fillRef idx="1">
+            <a:schemeClr val="accent1"/>
+          </a:fillRef>
+          <a:effectRef idx="0">
+            <a:schemeClr val="accent1"/>
+          </a:effectRef>
+          <a:fontRef idx="minor">
+            <a:schemeClr val="lt1"/>
+          </a:fontRef>
+        </p:style>
+        <p:txBody>
+          <a:bodyPr rtlCol="0" anchor="ctr"/>
+          <a:lstStyle/>
+          <a:p>
+            <a:pPr algn="ctr"/>
+            <a:endParaRPr kumimoji="1" lang="ja-JP" altLang="en-US"/>
           </a:p>
         </p:txBody>
       </p:sp>
@@ -1909,6 +2127,121 @@
               <a:t>交点に向けて線を引く（交点には吸着しないので長めに引いて目分量で交差調整）</a:t>
             </a:r>
             <a:endParaRPr kumimoji="1" lang="ja-JP" altLang="en-US" sz="2000"/>
+          </a:p>
+        </p:txBody>
+      </p:sp>
+      <p:sp>
+        <p:nvSpPr>
+          <p:cNvPr id="3" name="楕円 2">
+            <a:extLst>
+              <a:ext uri="{FF2B5EF4-FFF2-40B4-BE49-F238E27FC236}">
+                <a16:creationId xmlns:a16="http://schemas.microsoft.com/office/drawing/2014/main" id="{19E18E10-EE0C-5723-4A34-593C3B3C7E66}"/>
+              </a:ext>
+            </a:extLst>
+          </p:cNvPr>
+          <p:cNvSpPr/>
+          <p:nvPr/>
+        </p:nvSpPr>
+        <p:spPr>
+          <a:xfrm>
+            <a:off x="3898712" y="2897183"/>
+            <a:ext cx="97536" cy="97536"/>
+          </a:xfrm>
+          <a:prstGeom prst="ellipse">
+            <a:avLst/>
+          </a:prstGeom>
+          <a:solidFill>
+            <a:srgbClr val="FFFF00"/>
+          </a:solidFill>
+          <a:ln>
+            <a:solidFill>
+              <a:schemeClr val="tx1"/>
+            </a:solidFill>
+          </a:ln>
+        </p:spPr>
+        <p:style>
+          <a:lnRef idx="2">
+            <a:schemeClr val="accent1">
+              <a:shade val="50000"/>
+            </a:schemeClr>
+          </a:lnRef>
+          <a:fillRef idx="1">
+            <a:schemeClr val="accent1"/>
+          </a:fillRef>
+          <a:effectRef idx="0">
+            <a:schemeClr val="accent1"/>
+          </a:effectRef>
+          <a:fontRef idx="minor">
+            <a:schemeClr val="lt1"/>
+          </a:fontRef>
+        </p:style>
+        <p:txBody>
+          <a:bodyPr rtlCol="0" anchor="ctr"/>
+          <a:lstStyle/>
+          <a:p>
+            <a:pPr algn="ctr"/>
+            <a:endParaRPr kumimoji="1" lang="ja-JP" altLang="en-US"/>
+          </a:p>
+        </p:txBody>
+      </p:sp>
+      <p:sp>
+        <p:nvSpPr>
+          <p:cNvPr id="4" name="矢印: 上下 3">
+            <a:extLst>
+              <a:ext uri="{FF2B5EF4-FFF2-40B4-BE49-F238E27FC236}">
+                <a16:creationId xmlns:a16="http://schemas.microsoft.com/office/drawing/2014/main" id="{70664566-5D86-B52B-8C84-7543B0FFDC97}"/>
+              </a:ext>
+            </a:extLst>
+          </p:cNvPr>
+          <p:cNvSpPr/>
+          <p:nvPr/>
+        </p:nvSpPr>
+        <p:spPr>
+          <a:xfrm rot="1053087">
+            <a:off x="9656839" y="4517033"/>
+            <a:ext cx="280416" cy="603498"/>
+          </a:xfrm>
+          <a:prstGeom prst="upDownArrow">
+            <a:avLst/>
+          </a:prstGeom>
+          <a:solidFill>
+            <a:schemeClr val="bg1"/>
+          </a:solidFill>
+          <a:ln>
+            <a:solidFill>
+              <a:schemeClr val="tx1"/>
+            </a:solidFill>
+          </a:ln>
+          <a:effectLst>
+            <a:outerShdw blurRad="50800" dist="38100" dir="2700000" algn="tl" rotWithShape="0">
+              <a:prstClr val="black">
+                <a:alpha val="40000"/>
+              </a:prstClr>
+            </a:outerShdw>
+          </a:effectLst>
+        </p:spPr>
+        <p:style>
+          <a:lnRef idx="2">
+            <a:schemeClr val="accent1">
+              <a:shade val="50000"/>
+            </a:schemeClr>
+          </a:lnRef>
+          <a:fillRef idx="1">
+            <a:schemeClr val="accent1"/>
+          </a:fillRef>
+          <a:effectRef idx="0">
+            <a:schemeClr val="accent1"/>
+          </a:effectRef>
+          <a:fontRef idx="minor">
+            <a:schemeClr val="lt1"/>
+          </a:fontRef>
+        </p:style>
+        <p:txBody>
+          <a:bodyPr rtlCol="0" anchor="ctr"/>
+          <a:lstStyle/>
+          <a:p>
+            <a:pPr algn="ctr"/>
+            <a:endParaRPr kumimoji="1" lang="ja-JP" altLang="en-US"/>
           </a:p>
         </p:txBody>
       </p:sp>
@@ -9505,6 +9838,5295 @@
           <a:chExt cx="0" cy="0"/>
         </a:xfrm>
       </p:grpSpPr>
+      <p:grpSp>
+        <p:nvGrpSpPr>
+          <p:cNvPr id="124" name="グループ化 123">
+            <a:extLst>
+              <a:ext uri="{FF2B5EF4-FFF2-40B4-BE49-F238E27FC236}">
+                <a16:creationId xmlns:a16="http://schemas.microsoft.com/office/drawing/2014/main" id="{F47FEBFD-5CD0-1484-58CF-C93D55E2E717}"/>
+              </a:ext>
+            </a:extLst>
+          </p:cNvPr>
+          <p:cNvGrpSpPr/>
+          <p:nvPr/>
+        </p:nvGrpSpPr>
+        <p:grpSpPr>
+          <a:xfrm rot="19195576">
+            <a:off x="3426164" y="1195363"/>
+            <a:ext cx="5006663" cy="4695709"/>
+            <a:chOff x="3526646" y="1111434"/>
+            <a:chExt cx="5006663" cy="4695709"/>
+          </a:xfrm>
+        </p:grpSpPr>
+        <p:grpSp>
+          <p:nvGrpSpPr>
+            <p:cNvPr id="125" name="グループ化 124">
+              <a:extLst>
+                <a:ext uri="{FF2B5EF4-FFF2-40B4-BE49-F238E27FC236}">
+                  <a16:creationId xmlns:a16="http://schemas.microsoft.com/office/drawing/2014/main" id="{633E58ED-210E-28B0-BAEA-E4E641B75DD2}"/>
+                </a:ext>
+              </a:extLst>
+            </p:cNvPr>
+            <p:cNvGrpSpPr/>
+            <p:nvPr/>
+          </p:nvGrpSpPr>
+          <p:grpSpPr>
+            <a:xfrm>
+              <a:off x="3658691" y="1115711"/>
+              <a:ext cx="4874618" cy="4648287"/>
+              <a:chOff x="3658691" y="1115711"/>
+              <a:chExt cx="4874618" cy="4648287"/>
+            </a:xfrm>
+            <a:solidFill>
+              <a:schemeClr val="bg1">
+                <a:lumMod val="95000"/>
+              </a:schemeClr>
+            </a:solidFill>
+          </p:grpSpPr>
+          <p:cxnSp>
+            <p:nvCxnSpPr>
+              <p:cNvPr id="222" name="直線コネクタ 221">
+                <a:extLst>
+                  <a:ext uri="{FF2B5EF4-FFF2-40B4-BE49-F238E27FC236}">
+                    <a16:creationId xmlns:a16="http://schemas.microsoft.com/office/drawing/2014/main" id="{220F68FC-4E6D-24DF-9E0A-28F6D0D3D1A8}"/>
+                  </a:ext>
+                </a:extLst>
+              </p:cNvPr>
+              <p:cNvCxnSpPr>
+                <a:cxnSpLocks/>
+              </p:cNvCxnSpPr>
+              <p:nvPr/>
+            </p:nvCxnSpPr>
+            <p:spPr>
+              <a:xfrm>
+                <a:off x="6096000" y="1382790"/>
+                <a:ext cx="0" cy="2255075"/>
+              </a:xfrm>
+              <a:prstGeom prst="line">
+                <a:avLst/>
+              </a:prstGeom>
+              <a:grpFill/>
+              <a:ln w="38100">
+                <a:solidFill>
+                  <a:schemeClr val="bg1">
+                    <a:lumMod val="95000"/>
+                  </a:schemeClr>
+                </a:solidFill>
+              </a:ln>
+            </p:spPr>
+            <p:style>
+              <a:lnRef idx="1">
+                <a:schemeClr val="accent1"/>
+              </a:lnRef>
+              <a:fillRef idx="0">
+                <a:schemeClr val="accent1"/>
+              </a:fillRef>
+              <a:effectRef idx="0">
+                <a:schemeClr val="accent1"/>
+              </a:effectRef>
+              <a:fontRef idx="minor">
+                <a:schemeClr val="tx1"/>
+              </a:fontRef>
+            </p:style>
+          </p:cxnSp>
+          <p:cxnSp>
+            <p:nvCxnSpPr>
+              <p:cNvPr id="223" name="直線コネクタ 222">
+                <a:extLst>
+                  <a:ext uri="{FF2B5EF4-FFF2-40B4-BE49-F238E27FC236}">
+                    <a16:creationId xmlns:a16="http://schemas.microsoft.com/office/drawing/2014/main" id="{4F384609-6F67-A383-D273-1C688AE8B4C8}"/>
+                  </a:ext>
+                </a:extLst>
+              </p:cNvPr>
+              <p:cNvCxnSpPr>
+                <a:cxnSpLocks/>
+              </p:cNvCxnSpPr>
+              <p:nvPr/>
+            </p:nvCxnSpPr>
+            <p:spPr>
+              <a:xfrm>
+                <a:off x="6096000" y="3637865"/>
+                <a:ext cx="1327856" cy="1837334"/>
+              </a:xfrm>
+              <a:prstGeom prst="line">
+                <a:avLst/>
+              </a:prstGeom>
+              <a:grpFill/>
+              <a:ln w="38100">
+                <a:solidFill>
+                  <a:schemeClr val="bg1">
+                    <a:lumMod val="95000"/>
+                  </a:schemeClr>
+                </a:solidFill>
+              </a:ln>
+            </p:spPr>
+            <p:style>
+              <a:lnRef idx="1">
+                <a:schemeClr val="accent1"/>
+              </a:lnRef>
+              <a:fillRef idx="0">
+                <a:schemeClr val="accent1"/>
+              </a:fillRef>
+              <a:effectRef idx="0">
+                <a:schemeClr val="accent1"/>
+              </a:effectRef>
+              <a:fontRef idx="minor">
+                <a:schemeClr val="tx1"/>
+              </a:fontRef>
+            </p:style>
+          </p:cxnSp>
+          <p:cxnSp>
+            <p:nvCxnSpPr>
+              <p:cNvPr id="224" name="直線コネクタ 223">
+                <a:extLst>
+                  <a:ext uri="{FF2B5EF4-FFF2-40B4-BE49-F238E27FC236}">
+                    <a16:creationId xmlns:a16="http://schemas.microsoft.com/office/drawing/2014/main" id="{2DDA9333-3E31-3416-3C55-F2AB0A2BA49F}"/>
+                  </a:ext>
+                </a:extLst>
+              </p:cNvPr>
+              <p:cNvCxnSpPr>
+                <a:cxnSpLocks/>
+              </p:cNvCxnSpPr>
+              <p:nvPr/>
+            </p:nvCxnSpPr>
+            <p:spPr>
+              <a:xfrm flipV="1">
+                <a:off x="4768144" y="3637865"/>
+                <a:ext cx="1327856" cy="1837334"/>
+              </a:xfrm>
+              <a:prstGeom prst="line">
+                <a:avLst/>
+              </a:prstGeom>
+              <a:grpFill/>
+              <a:ln w="38100">
+                <a:solidFill>
+                  <a:schemeClr val="bg1">
+                    <a:lumMod val="95000"/>
+                  </a:schemeClr>
+                </a:solidFill>
+              </a:ln>
+            </p:spPr>
+            <p:style>
+              <a:lnRef idx="1">
+                <a:schemeClr val="accent1"/>
+              </a:lnRef>
+              <a:fillRef idx="0">
+                <a:schemeClr val="accent1"/>
+              </a:fillRef>
+              <a:effectRef idx="0">
+                <a:schemeClr val="accent1"/>
+              </a:effectRef>
+              <a:fontRef idx="minor">
+                <a:schemeClr val="tx1"/>
+              </a:fontRef>
+            </p:style>
+          </p:cxnSp>
+          <p:cxnSp>
+            <p:nvCxnSpPr>
+              <p:cNvPr id="225" name="直線コネクタ 224">
+                <a:extLst>
+                  <a:ext uri="{FF2B5EF4-FFF2-40B4-BE49-F238E27FC236}">
+                    <a16:creationId xmlns:a16="http://schemas.microsoft.com/office/drawing/2014/main" id="{31B04D9D-AB7A-9BA8-5FEC-6D44C902525A}"/>
+                  </a:ext>
+                </a:extLst>
+              </p:cNvPr>
+              <p:cNvCxnSpPr>
+                <a:cxnSpLocks/>
+              </p:cNvCxnSpPr>
+              <p:nvPr/>
+            </p:nvCxnSpPr>
+            <p:spPr>
+              <a:xfrm>
+                <a:off x="3947485" y="2945951"/>
+                <a:ext cx="2148515" cy="691914"/>
+              </a:xfrm>
+              <a:prstGeom prst="line">
+                <a:avLst/>
+              </a:prstGeom>
+              <a:grpFill/>
+              <a:ln w="38100">
+                <a:solidFill>
+                  <a:schemeClr val="bg1">
+                    <a:lumMod val="95000"/>
+                  </a:schemeClr>
+                </a:solidFill>
+              </a:ln>
+            </p:spPr>
+            <p:style>
+              <a:lnRef idx="1">
+                <a:schemeClr val="accent1"/>
+              </a:lnRef>
+              <a:fillRef idx="0">
+                <a:schemeClr val="accent1"/>
+              </a:fillRef>
+              <a:effectRef idx="0">
+                <a:schemeClr val="accent1"/>
+              </a:effectRef>
+              <a:fontRef idx="minor">
+                <a:schemeClr val="tx1"/>
+              </a:fontRef>
+            </p:style>
+          </p:cxnSp>
+          <p:sp>
+            <p:nvSpPr>
+              <p:cNvPr id="226" name="楕円 225">
+                <a:extLst>
+                  <a:ext uri="{FF2B5EF4-FFF2-40B4-BE49-F238E27FC236}">
+                    <a16:creationId xmlns:a16="http://schemas.microsoft.com/office/drawing/2014/main" id="{03478256-3F86-5347-1E87-4BDECFA19C68}"/>
+                  </a:ext>
+                </a:extLst>
+              </p:cNvPr>
+              <p:cNvSpPr/>
+              <p:nvPr/>
+            </p:nvSpPr>
+            <p:spPr>
+              <a:xfrm>
+                <a:off x="5813789" y="3357294"/>
+                <a:ext cx="577578" cy="577578"/>
+              </a:xfrm>
+              <a:prstGeom prst="ellipse">
+                <a:avLst/>
+              </a:prstGeom>
+              <a:grpFill/>
+              <a:ln w="38100">
+                <a:solidFill>
+                  <a:schemeClr val="bg1">
+                    <a:lumMod val="95000"/>
+                  </a:schemeClr>
+                </a:solidFill>
+              </a:ln>
+            </p:spPr>
+            <p:style>
+              <a:lnRef idx="2">
+                <a:schemeClr val="accent1">
+                  <a:shade val="50000"/>
+                </a:schemeClr>
+              </a:lnRef>
+              <a:fillRef idx="1">
+                <a:schemeClr val="accent1"/>
+              </a:fillRef>
+              <a:effectRef idx="0">
+                <a:schemeClr val="accent1"/>
+              </a:effectRef>
+              <a:fontRef idx="minor">
+                <a:schemeClr val="lt1"/>
+              </a:fontRef>
+            </p:style>
+            <p:txBody>
+              <a:bodyPr rtlCol="0" anchor="ctr"/>
+              <a:lstStyle/>
+              <a:p>
+                <a:pPr algn="ctr"/>
+                <a:endParaRPr kumimoji="1" lang="ja-JP" altLang="en-US"/>
+              </a:p>
+            </p:txBody>
+          </p:sp>
+          <p:sp>
+            <p:nvSpPr>
+              <p:cNvPr id="227" name="楕円 226">
+                <a:extLst>
+                  <a:ext uri="{FF2B5EF4-FFF2-40B4-BE49-F238E27FC236}">
+                    <a16:creationId xmlns:a16="http://schemas.microsoft.com/office/drawing/2014/main" id="{05DF374B-DC8B-0C2E-4A96-2B3B7DFEE0DF}"/>
+                  </a:ext>
+                </a:extLst>
+              </p:cNvPr>
+              <p:cNvSpPr/>
+              <p:nvPr/>
+            </p:nvSpPr>
+            <p:spPr>
+              <a:xfrm>
+                <a:off x="3658691" y="2654504"/>
+                <a:ext cx="577578" cy="577578"/>
+              </a:xfrm>
+              <a:prstGeom prst="ellipse">
+                <a:avLst/>
+              </a:prstGeom>
+              <a:grpFill/>
+              <a:ln w="38100">
+                <a:solidFill>
+                  <a:schemeClr val="bg1">
+                    <a:lumMod val="95000"/>
+                  </a:schemeClr>
+                </a:solidFill>
+              </a:ln>
+            </p:spPr>
+            <p:style>
+              <a:lnRef idx="2">
+                <a:schemeClr val="accent1">
+                  <a:shade val="50000"/>
+                </a:schemeClr>
+              </a:lnRef>
+              <a:fillRef idx="1">
+                <a:schemeClr val="accent1"/>
+              </a:fillRef>
+              <a:effectRef idx="0">
+                <a:schemeClr val="accent1"/>
+              </a:effectRef>
+              <a:fontRef idx="minor">
+                <a:schemeClr val="lt1"/>
+              </a:fontRef>
+            </p:style>
+            <p:txBody>
+              <a:bodyPr rtlCol="0" anchor="ctr"/>
+              <a:lstStyle/>
+              <a:p>
+                <a:pPr algn="ctr"/>
+                <a:endParaRPr kumimoji="1" lang="ja-JP" altLang="en-US"/>
+              </a:p>
+            </p:txBody>
+          </p:sp>
+          <p:sp>
+            <p:nvSpPr>
+              <p:cNvPr id="228" name="楕円 227">
+                <a:extLst>
+                  <a:ext uri="{FF2B5EF4-FFF2-40B4-BE49-F238E27FC236}">
+                    <a16:creationId xmlns:a16="http://schemas.microsoft.com/office/drawing/2014/main" id="{8B1BBE89-0B65-F1F1-B081-040399B0C2B0}"/>
+                  </a:ext>
+                </a:extLst>
+              </p:cNvPr>
+              <p:cNvSpPr/>
+              <p:nvPr/>
+            </p:nvSpPr>
+            <p:spPr>
+              <a:xfrm>
+                <a:off x="4468932" y="5186420"/>
+                <a:ext cx="577578" cy="577578"/>
+              </a:xfrm>
+              <a:prstGeom prst="ellipse">
+                <a:avLst/>
+              </a:prstGeom>
+              <a:grpFill/>
+              <a:ln w="38100">
+                <a:solidFill>
+                  <a:schemeClr val="bg1">
+                    <a:lumMod val="95000"/>
+                  </a:schemeClr>
+                </a:solidFill>
+              </a:ln>
+            </p:spPr>
+            <p:style>
+              <a:lnRef idx="2">
+                <a:schemeClr val="accent1">
+                  <a:shade val="50000"/>
+                </a:schemeClr>
+              </a:lnRef>
+              <a:fillRef idx="1">
+                <a:schemeClr val="accent1"/>
+              </a:fillRef>
+              <a:effectRef idx="0">
+                <a:schemeClr val="accent1"/>
+              </a:effectRef>
+              <a:fontRef idx="minor">
+                <a:schemeClr val="lt1"/>
+              </a:fontRef>
+            </p:style>
+            <p:txBody>
+              <a:bodyPr rtlCol="0" anchor="ctr"/>
+              <a:lstStyle/>
+              <a:p>
+                <a:pPr algn="ctr"/>
+                <a:endParaRPr kumimoji="1" lang="ja-JP" altLang="en-US"/>
+              </a:p>
+            </p:txBody>
+          </p:sp>
+          <p:sp>
+            <p:nvSpPr>
+              <p:cNvPr id="229" name="楕円 228">
+                <a:extLst>
+                  <a:ext uri="{FF2B5EF4-FFF2-40B4-BE49-F238E27FC236}">
+                    <a16:creationId xmlns:a16="http://schemas.microsoft.com/office/drawing/2014/main" id="{68671D68-5F10-03EC-ACAE-B7E7145FA4A1}"/>
+                  </a:ext>
+                </a:extLst>
+              </p:cNvPr>
+              <p:cNvSpPr/>
+              <p:nvPr/>
+            </p:nvSpPr>
+            <p:spPr>
+              <a:xfrm>
+                <a:off x="7145492" y="5186420"/>
+                <a:ext cx="577578" cy="577578"/>
+              </a:xfrm>
+              <a:prstGeom prst="ellipse">
+                <a:avLst/>
+              </a:prstGeom>
+              <a:grpFill/>
+              <a:ln w="38100">
+                <a:solidFill>
+                  <a:schemeClr val="bg1">
+                    <a:lumMod val="95000"/>
+                  </a:schemeClr>
+                </a:solidFill>
+              </a:ln>
+            </p:spPr>
+            <p:style>
+              <a:lnRef idx="2">
+                <a:schemeClr val="accent1">
+                  <a:shade val="50000"/>
+                </a:schemeClr>
+              </a:lnRef>
+              <a:fillRef idx="1">
+                <a:schemeClr val="accent1"/>
+              </a:fillRef>
+              <a:effectRef idx="0">
+                <a:schemeClr val="accent1"/>
+              </a:effectRef>
+              <a:fontRef idx="minor">
+                <a:schemeClr val="lt1"/>
+              </a:fontRef>
+            </p:style>
+            <p:txBody>
+              <a:bodyPr rtlCol="0" anchor="ctr"/>
+              <a:lstStyle/>
+              <a:p>
+                <a:pPr algn="ctr"/>
+                <a:endParaRPr kumimoji="1" lang="ja-JP" altLang="en-US"/>
+              </a:p>
+            </p:txBody>
+          </p:sp>
+          <p:sp>
+            <p:nvSpPr>
+              <p:cNvPr id="230" name="楕円 229">
+                <a:extLst>
+                  <a:ext uri="{FF2B5EF4-FFF2-40B4-BE49-F238E27FC236}">
+                    <a16:creationId xmlns:a16="http://schemas.microsoft.com/office/drawing/2014/main" id="{4FF5E7B7-6E07-4E36-F851-666B6C49B83C}"/>
+                  </a:ext>
+                </a:extLst>
+              </p:cNvPr>
+              <p:cNvSpPr/>
+              <p:nvPr/>
+            </p:nvSpPr>
+            <p:spPr>
+              <a:xfrm>
+                <a:off x="7955731" y="2654504"/>
+                <a:ext cx="577578" cy="577578"/>
+              </a:xfrm>
+              <a:prstGeom prst="ellipse">
+                <a:avLst/>
+              </a:prstGeom>
+              <a:grpFill/>
+              <a:ln w="38100">
+                <a:solidFill>
+                  <a:schemeClr val="bg1">
+                    <a:lumMod val="95000"/>
+                  </a:schemeClr>
+                </a:solidFill>
+              </a:ln>
+            </p:spPr>
+            <p:style>
+              <a:lnRef idx="2">
+                <a:schemeClr val="accent1">
+                  <a:shade val="50000"/>
+                </a:schemeClr>
+              </a:lnRef>
+              <a:fillRef idx="1">
+                <a:schemeClr val="accent1"/>
+              </a:fillRef>
+              <a:effectRef idx="0">
+                <a:schemeClr val="accent1"/>
+              </a:effectRef>
+              <a:fontRef idx="minor">
+                <a:schemeClr val="lt1"/>
+              </a:fontRef>
+            </p:style>
+            <p:txBody>
+              <a:bodyPr rtlCol="0" anchor="ctr"/>
+              <a:lstStyle/>
+              <a:p>
+                <a:pPr algn="ctr"/>
+                <a:endParaRPr kumimoji="1" lang="ja-JP" altLang="en-US"/>
+              </a:p>
+            </p:txBody>
+          </p:sp>
+          <p:sp>
+            <p:nvSpPr>
+              <p:cNvPr id="231" name="楕円 230">
+                <a:extLst>
+                  <a:ext uri="{FF2B5EF4-FFF2-40B4-BE49-F238E27FC236}">
+                    <a16:creationId xmlns:a16="http://schemas.microsoft.com/office/drawing/2014/main" id="{BBA45185-8934-3F72-AE50-5DF39A167BCC}"/>
+                  </a:ext>
+                </a:extLst>
+              </p:cNvPr>
+              <p:cNvSpPr/>
+              <p:nvPr/>
+            </p:nvSpPr>
+            <p:spPr>
+              <a:xfrm>
+                <a:off x="5807211" y="1115711"/>
+                <a:ext cx="577578" cy="577578"/>
+              </a:xfrm>
+              <a:prstGeom prst="ellipse">
+                <a:avLst/>
+              </a:prstGeom>
+              <a:grpFill/>
+              <a:ln w="38100">
+                <a:solidFill>
+                  <a:schemeClr val="bg1">
+                    <a:lumMod val="95000"/>
+                  </a:schemeClr>
+                </a:solidFill>
+              </a:ln>
+            </p:spPr>
+            <p:style>
+              <a:lnRef idx="2">
+                <a:schemeClr val="accent1">
+                  <a:shade val="50000"/>
+                </a:schemeClr>
+              </a:lnRef>
+              <a:fillRef idx="1">
+                <a:schemeClr val="accent1"/>
+              </a:fillRef>
+              <a:effectRef idx="0">
+                <a:schemeClr val="accent1"/>
+              </a:effectRef>
+              <a:fontRef idx="minor">
+                <a:schemeClr val="lt1"/>
+              </a:fontRef>
+            </p:style>
+            <p:txBody>
+              <a:bodyPr rtlCol="0" anchor="ctr"/>
+              <a:lstStyle/>
+              <a:p>
+                <a:pPr algn="ctr"/>
+                <a:endParaRPr kumimoji="1" lang="ja-JP" altLang="en-US"/>
+              </a:p>
+            </p:txBody>
+          </p:sp>
+          <p:cxnSp>
+            <p:nvCxnSpPr>
+              <p:cNvPr id="232" name="直線コネクタ 231">
+                <a:extLst>
+                  <a:ext uri="{FF2B5EF4-FFF2-40B4-BE49-F238E27FC236}">
+                    <a16:creationId xmlns:a16="http://schemas.microsoft.com/office/drawing/2014/main" id="{EE527E30-ACC0-BAC8-6EDF-31FF580BF02B}"/>
+                  </a:ext>
+                </a:extLst>
+              </p:cNvPr>
+              <p:cNvCxnSpPr>
+                <a:cxnSpLocks/>
+              </p:cNvCxnSpPr>
+              <p:nvPr/>
+            </p:nvCxnSpPr>
+            <p:spPr>
+              <a:xfrm flipV="1">
+                <a:off x="6096000" y="2945951"/>
+                <a:ext cx="2146757" cy="691914"/>
+              </a:xfrm>
+              <a:prstGeom prst="line">
+                <a:avLst/>
+              </a:prstGeom>
+              <a:grpFill/>
+              <a:ln w="38100">
+                <a:solidFill>
+                  <a:schemeClr val="bg1">
+                    <a:lumMod val="95000"/>
+                  </a:schemeClr>
+                </a:solidFill>
+              </a:ln>
+            </p:spPr>
+            <p:style>
+              <a:lnRef idx="1">
+                <a:schemeClr val="accent1"/>
+              </a:lnRef>
+              <a:fillRef idx="0">
+                <a:schemeClr val="accent1"/>
+              </a:fillRef>
+              <a:effectRef idx="0">
+                <a:schemeClr val="accent1"/>
+              </a:effectRef>
+              <a:fontRef idx="minor">
+                <a:schemeClr val="tx1"/>
+              </a:fontRef>
+            </p:style>
+          </p:cxnSp>
+        </p:grpSp>
+        <p:grpSp>
+          <p:nvGrpSpPr>
+            <p:cNvPr id="126" name="グループ化 125">
+              <a:extLst>
+                <a:ext uri="{FF2B5EF4-FFF2-40B4-BE49-F238E27FC236}">
+                  <a16:creationId xmlns:a16="http://schemas.microsoft.com/office/drawing/2014/main" id="{510206DC-EDEF-F68D-14CA-00835DC74265}"/>
+                </a:ext>
+              </a:extLst>
+            </p:cNvPr>
+            <p:cNvGrpSpPr/>
+            <p:nvPr/>
+          </p:nvGrpSpPr>
+          <p:grpSpPr>
+            <a:xfrm rot="-300000">
+              <a:off x="3645534" y="1111434"/>
+              <a:ext cx="4874618" cy="4648287"/>
+              <a:chOff x="3658691" y="1115711"/>
+              <a:chExt cx="4874618" cy="4648287"/>
+            </a:xfrm>
+            <a:solidFill>
+              <a:schemeClr val="bg1">
+                <a:lumMod val="85000"/>
+              </a:schemeClr>
+            </a:solidFill>
+          </p:grpSpPr>
+          <p:cxnSp>
+            <p:nvCxnSpPr>
+              <p:cNvPr id="211" name="直線コネクタ 210">
+                <a:extLst>
+                  <a:ext uri="{FF2B5EF4-FFF2-40B4-BE49-F238E27FC236}">
+                    <a16:creationId xmlns:a16="http://schemas.microsoft.com/office/drawing/2014/main" id="{4C295619-70F6-C86D-D864-EC2881C4AF44}"/>
+                  </a:ext>
+                </a:extLst>
+              </p:cNvPr>
+              <p:cNvCxnSpPr>
+                <a:cxnSpLocks/>
+              </p:cNvCxnSpPr>
+              <p:nvPr/>
+            </p:nvCxnSpPr>
+            <p:spPr>
+              <a:xfrm>
+                <a:off x="6096000" y="1382790"/>
+                <a:ext cx="0" cy="2255075"/>
+              </a:xfrm>
+              <a:prstGeom prst="line">
+                <a:avLst/>
+              </a:prstGeom>
+              <a:grpFill/>
+              <a:ln w="38100">
+                <a:solidFill>
+                  <a:schemeClr val="bg1">
+                    <a:lumMod val="85000"/>
+                  </a:schemeClr>
+                </a:solidFill>
+              </a:ln>
+            </p:spPr>
+            <p:style>
+              <a:lnRef idx="1">
+                <a:schemeClr val="accent1"/>
+              </a:lnRef>
+              <a:fillRef idx="0">
+                <a:schemeClr val="accent1"/>
+              </a:fillRef>
+              <a:effectRef idx="0">
+                <a:schemeClr val="accent1"/>
+              </a:effectRef>
+              <a:fontRef idx="minor">
+                <a:schemeClr val="tx1"/>
+              </a:fontRef>
+            </p:style>
+          </p:cxnSp>
+          <p:cxnSp>
+            <p:nvCxnSpPr>
+              <p:cNvPr id="212" name="直線コネクタ 211">
+                <a:extLst>
+                  <a:ext uri="{FF2B5EF4-FFF2-40B4-BE49-F238E27FC236}">
+                    <a16:creationId xmlns:a16="http://schemas.microsoft.com/office/drawing/2014/main" id="{FC7F635A-A8D1-1FD0-62EE-8B13CC3B2449}"/>
+                  </a:ext>
+                </a:extLst>
+              </p:cNvPr>
+              <p:cNvCxnSpPr>
+                <a:cxnSpLocks/>
+              </p:cNvCxnSpPr>
+              <p:nvPr/>
+            </p:nvCxnSpPr>
+            <p:spPr>
+              <a:xfrm>
+                <a:off x="6096000" y="3637865"/>
+                <a:ext cx="1327856" cy="1837334"/>
+              </a:xfrm>
+              <a:prstGeom prst="line">
+                <a:avLst/>
+              </a:prstGeom>
+              <a:grpFill/>
+              <a:ln w="38100">
+                <a:solidFill>
+                  <a:schemeClr val="bg1">
+                    <a:lumMod val="85000"/>
+                  </a:schemeClr>
+                </a:solidFill>
+              </a:ln>
+            </p:spPr>
+            <p:style>
+              <a:lnRef idx="1">
+                <a:schemeClr val="accent1"/>
+              </a:lnRef>
+              <a:fillRef idx="0">
+                <a:schemeClr val="accent1"/>
+              </a:fillRef>
+              <a:effectRef idx="0">
+                <a:schemeClr val="accent1"/>
+              </a:effectRef>
+              <a:fontRef idx="minor">
+                <a:schemeClr val="tx1"/>
+              </a:fontRef>
+            </p:style>
+          </p:cxnSp>
+          <p:cxnSp>
+            <p:nvCxnSpPr>
+              <p:cNvPr id="213" name="直線コネクタ 212">
+                <a:extLst>
+                  <a:ext uri="{FF2B5EF4-FFF2-40B4-BE49-F238E27FC236}">
+                    <a16:creationId xmlns:a16="http://schemas.microsoft.com/office/drawing/2014/main" id="{929C6493-6DF9-A700-6C5D-E9EEF16B3700}"/>
+                  </a:ext>
+                </a:extLst>
+              </p:cNvPr>
+              <p:cNvCxnSpPr>
+                <a:cxnSpLocks/>
+              </p:cNvCxnSpPr>
+              <p:nvPr/>
+            </p:nvCxnSpPr>
+            <p:spPr>
+              <a:xfrm flipV="1">
+                <a:off x="4768144" y="3637865"/>
+                <a:ext cx="1327856" cy="1837334"/>
+              </a:xfrm>
+              <a:prstGeom prst="line">
+                <a:avLst/>
+              </a:prstGeom>
+              <a:grpFill/>
+              <a:ln w="38100">
+                <a:solidFill>
+                  <a:schemeClr val="bg1">
+                    <a:lumMod val="85000"/>
+                  </a:schemeClr>
+                </a:solidFill>
+              </a:ln>
+            </p:spPr>
+            <p:style>
+              <a:lnRef idx="1">
+                <a:schemeClr val="accent1"/>
+              </a:lnRef>
+              <a:fillRef idx="0">
+                <a:schemeClr val="accent1"/>
+              </a:fillRef>
+              <a:effectRef idx="0">
+                <a:schemeClr val="accent1"/>
+              </a:effectRef>
+              <a:fontRef idx="minor">
+                <a:schemeClr val="tx1"/>
+              </a:fontRef>
+            </p:style>
+          </p:cxnSp>
+          <p:cxnSp>
+            <p:nvCxnSpPr>
+              <p:cNvPr id="214" name="直線コネクタ 213">
+                <a:extLst>
+                  <a:ext uri="{FF2B5EF4-FFF2-40B4-BE49-F238E27FC236}">
+                    <a16:creationId xmlns:a16="http://schemas.microsoft.com/office/drawing/2014/main" id="{6238A9D3-86A6-F67A-0D72-ABAF0A462115}"/>
+                  </a:ext>
+                </a:extLst>
+              </p:cNvPr>
+              <p:cNvCxnSpPr>
+                <a:cxnSpLocks/>
+              </p:cNvCxnSpPr>
+              <p:nvPr/>
+            </p:nvCxnSpPr>
+            <p:spPr>
+              <a:xfrm>
+                <a:off x="3947485" y="2945951"/>
+                <a:ext cx="2148515" cy="691914"/>
+              </a:xfrm>
+              <a:prstGeom prst="line">
+                <a:avLst/>
+              </a:prstGeom>
+              <a:grpFill/>
+              <a:ln w="38100">
+                <a:solidFill>
+                  <a:schemeClr val="bg1">
+                    <a:lumMod val="85000"/>
+                  </a:schemeClr>
+                </a:solidFill>
+              </a:ln>
+            </p:spPr>
+            <p:style>
+              <a:lnRef idx="1">
+                <a:schemeClr val="accent1"/>
+              </a:lnRef>
+              <a:fillRef idx="0">
+                <a:schemeClr val="accent1"/>
+              </a:fillRef>
+              <a:effectRef idx="0">
+                <a:schemeClr val="accent1"/>
+              </a:effectRef>
+              <a:fontRef idx="minor">
+                <a:schemeClr val="tx1"/>
+              </a:fontRef>
+            </p:style>
+          </p:cxnSp>
+          <p:sp>
+            <p:nvSpPr>
+              <p:cNvPr id="215" name="楕円 214">
+                <a:extLst>
+                  <a:ext uri="{FF2B5EF4-FFF2-40B4-BE49-F238E27FC236}">
+                    <a16:creationId xmlns:a16="http://schemas.microsoft.com/office/drawing/2014/main" id="{2AA30CC6-FECF-69BD-0524-E97217445E71}"/>
+                  </a:ext>
+                </a:extLst>
+              </p:cNvPr>
+              <p:cNvSpPr/>
+              <p:nvPr/>
+            </p:nvSpPr>
+            <p:spPr>
+              <a:xfrm>
+                <a:off x="5813789" y="3357294"/>
+                <a:ext cx="577578" cy="577578"/>
+              </a:xfrm>
+              <a:prstGeom prst="ellipse">
+                <a:avLst/>
+              </a:prstGeom>
+              <a:grpFill/>
+              <a:ln w="38100">
+                <a:solidFill>
+                  <a:schemeClr val="bg1">
+                    <a:lumMod val="85000"/>
+                  </a:schemeClr>
+                </a:solidFill>
+              </a:ln>
+            </p:spPr>
+            <p:style>
+              <a:lnRef idx="2">
+                <a:schemeClr val="accent1">
+                  <a:shade val="50000"/>
+                </a:schemeClr>
+              </a:lnRef>
+              <a:fillRef idx="1">
+                <a:schemeClr val="accent1"/>
+              </a:fillRef>
+              <a:effectRef idx="0">
+                <a:schemeClr val="accent1"/>
+              </a:effectRef>
+              <a:fontRef idx="minor">
+                <a:schemeClr val="lt1"/>
+              </a:fontRef>
+            </p:style>
+            <p:txBody>
+              <a:bodyPr rtlCol="0" anchor="ctr"/>
+              <a:lstStyle/>
+              <a:p>
+                <a:pPr algn="ctr"/>
+                <a:endParaRPr kumimoji="1" lang="ja-JP" altLang="en-US"/>
+              </a:p>
+            </p:txBody>
+          </p:sp>
+          <p:sp>
+            <p:nvSpPr>
+              <p:cNvPr id="216" name="楕円 215">
+                <a:extLst>
+                  <a:ext uri="{FF2B5EF4-FFF2-40B4-BE49-F238E27FC236}">
+                    <a16:creationId xmlns:a16="http://schemas.microsoft.com/office/drawing/2014/main" id="{5460249E-EF31-2608-B7B4-6AF748CA63BB}"/>
+                  </a:ext>
+                </a:extLst>
+              </p:cNvPr>
+              <p:cNvSpPr/>
+              <p:nvPr/>
+            </p:nvSpPr>
+            <p:spPr>
+              <a:xfrm>
+                <a:off x="3658691" y="2654504"/>
+                <a:ext cx="577578" cy="577578"/>
+              </a:xfrm>
+              <a:prstGeom prst="ellipse">
+                <a:avLst/>
+              </a:prstGeom>
+              <a:grpFill/>
+              <a:ln w="38100">
+                <a:solidFill>
+                  <a:schemeClr val="bg1">
+                    <a:lumMod val="85000"/>
+                  </a:schemeClr>
+                </a:solidFill>
+              </a:ln>
+            </p:spPr>
+            <p:style>
+              <a:lnRef idx="2">
+                <a:schemeClr val="accent1">
+                  <a:shade val="50000"/>
+                </a:schemeClr>
+              </a:lnRef>
+              <a:fillRef idx="1">
+                <a:schemeClr val="accent1"/>
+              </a:fillRef>
+              <a:effectRef idx="0">
+                <a:schemeClr val="accent1"/>
+              </a:effectRef>
+              <a:fontRef idx="minor">
+                <a:schemeClr val="lt1"/>
+              </a:fontRef>
+            </p:style>
+            <p:txBody>
+              <a:bodyPr rtlCol="0" anchor="ctr"/>
+              <a:lstStyle/>
+              <a:p>
+                <a:pPr algn="ctr"/>
+                <a:endParaRPr kumimoji="1" lang="ja-JP" altLang="en-US"/>
+              </a:p>
+            </p:txBody>
+          </p:sp>
+          <p:sp>
+            <p:nvSpPr>
+              <p:cNvPr id="217" name="楕円 216">
+                <a:extLst>
+                  <a:ext uri="{FF2B5EF4-FFF2-40B4-BE49-F238E27FC236}">
+                    <a16:creationId xmlns:a16="http://schemas.microsoft.com/office/drawing/2014/main" id="{5604A739-EBB2-1890-4AF9-7D77CE7D0E3C}"/>
+                  </a:ext>
+                </a:extLst>
+              </p:cNvPr>
+              <p:cNvSpPr/>
+              <p:nvPr/>
+            </p:nvSpPr>
+            <p:spPr>
+              <a:xfrm>
+                <a:off x="4468932" y="5186420"/>
+                <a:ext cx="577578" cy="577578"/>
+              </a:xfrm>
+              <a:prstGeom prst="ellipse">
+                <a:avLst/>
+              </a:prstGeom>
+              <a:grpFill/>
+              <a:ln w="38100">
+                <a:solidFill>
+                  <a:schemeClr val="bg1">
+                    <a:lumMod val="85000"/>
+                  </a:schemeClr>
+                </a:solidFill>
+              </a:ln>
+            </p:spPr>
+            <p:style>
+              <a:lnRef idx="2">
+                <a:schemeClr val="accent1">
+                  <a:shade val="50000"/>
+                </a:schemeClr>
+              </a:lnRef>
+              <a:fillRef idx="1">
+                <a:schemeClr val="accent1"/>
+              </a:fillRef>
+              <a:effectRef idx="0">
+                <a:schemeClr val="accent1"/>
+              </a:effectRef>
+              <a:fontRef idx="minor">
+                <a:schemeClr val="lt1"/>
+              </a:fontRef>
+            </p:style>
+            <p:txBody>
+              <a:bodyPr rtlCol="0" anchor="ctr"/>
+              <a:lstStyle/>
+              <a:p>
+                <a:pPr algn="ctr"/>
+                <a:endParaRPr kumimoji="1" lang="ja-JP" altLang="en-US"/>
+              </a:p>
+            </p:txBody>
+          </p:sp>
+          <p:sp>
+            <p:nvSpPr>
+              <p:cNvPr id="218" name="楕円 217">
+                <a:extLst>
+                  <a:ext uri="{FF2B5EF4-FFF2-40B4-BE49-F238E27FC236}">
+                    <a16:creationId xmlns:a16="http://schemas.microsoft.com/office/drawing/2014/main" id="{DE0859A8-B1A6-8B86-E2B1-B63DB4CE56C6}"/>
+                  </a:ext>
+                </a:extLst>
+              </p:cNvPr>
+              <p:cNvSpPr/>
+              <p:nvPr/>
+            </p:nvSpPr>
+            <p:spPr>
+              <a:xfrm>
+                <a:off x="7145492" y="5186420"/>
+                <a:ext cx="577578" cy="577578"/>
+              </a:xfrm>
+              <a:prstGeom prst="ellipse">
+                <a:avLst/>
+              </a:prstGeom>
+              <a:grpFill/>
+              <a:ln w="38100">
+                <a:solidFill>
+                  <a:schemeClr val="bg1">
+                    <a:lumMod val="85000"/>
+                  </a:schemeClr>
+                </a:solidFill>
+              </a:ln>
+            </p:spPr>
+            <p:style>
+              <a:lnRef idx="2">
+                <a:schemeClr val="accent1">
+                  <a:shade val="50000"/>
+                </a:schemeClr>
+              </a:lnRef>
+              <a:fillRef idx="1">
+                <a:schemeClr val="accent1"/>
+              </a:fillRef>
+              <a:effectRef idx="0">
+                <a:schemeClr val="accent1"/>
+              </a:effectRef>
+              <a:fontRef idx="minor">
+                <a:schemeClr val="lt1"/>
+              </a:fontRef>
+            </p:style>
+            <p:txBody>
+              <a:bodyPr rtlCol="0" anchor="ctr"/>
+              <a:lstStyle/>
+              <a:p>
+                <a:pPr algn="ctr"/>
+                <a:endParaRPr kumimoji="1" lang="ja-JP" altLang="en-US"/>
+              </a:p>
+            </p:txBody>
+          </p:sp>
+          <p:sp>
+            <p:nvSpPr>
+              <p:cNvPr id="219" name="楕円 218">
+                <a:extLst>
+                  <a:ext uri="{FF2B5EF4-FFF2-40B4-BE49-F238E27FC236}">
+                    <a16:creationId xmlns:a16="http://schemas.microsoft.com/office/drawing/2014/main" id="{5F424DBE-38B9-C4CB-D7DE-314132C91412}"/>
+                  </a:ext>
+                </a:extLst>
+              </p:cNvPr>
+              <p:cNvSpPr/>
+              <p:nvPr/>
+            </p:nvSpPr>
+            <p:spPr>
+              <a:xfrm>
+                <a:off x="7955731" y="2654504"/>
+                <a:ext cx="577578" cy="577578"/>
+              </a:xfrm>
+              <a:prstGeom prst="ellipse">
+                <a:avLst/>
+              </a:prstGeom>
+              <a:grpFill/>
+              <a:ln w="38100">
+                <a:solidFill>
+                  <a:schemeClr val="bg1">
+                    <a:lumMod val="85000"/>
+                  </a:schemeClr>
+                </a:solidFill>
+              </a:ln>
+            </p:spPr>
+            <p:style>
+              <a:lnRef idx="2">
+                <a:schemeClr val="accent1">
+                  <a:shade val="50000"/>
+                </a:schemeClr>
+              </a:lnRef>
+              <a:fillRef idx="1">
+                <a:schemeClr val="accent1"/>
+              </a:fillRef>
+              <a:effectRef idx="0">
+                <a:schemeClr val="accent1"/>
+              </a:effectRef>
+              <a:fontRef idx="minor">
+                <a:schemeClr val="lt1"/>
+              </a:fontRef>
+            </p:style>
+            <p:txBody>
+              <a:bodyPr rtlCol="0" anchor="ctr"/>
+              <a:lstStyle/>
+              <a:p>
+                <a:pPr algn="ctr"/>
+                <a:endParaRPr kumimoji="1" lang="ja-JP" altLang="en-US"/>
+              </a:p>
+            </p:txBody>
+          </p:sp>
+          <p:sp>
+            <p:nvSpPr>
+              <p:cNvPr id="220" name="楕円 219">
+                <a:extLst>
+                  <a:ext uri="{FF2B5EF4-FFF2-40B4-BE49-F238E27FC236}">
+                    <a16:creationId xmlns:a16="http://schemas.microsoft.com/office/drawing/2014/main" id="{850193FD-7A16-9B6D-0E71-915DCF3502E4}"/>
+                  </a:ext>
+                </a:extLst>
+              </p:cNvPr>
+              <p:cNvSpPr/>
+              <p:nvPr/>
+            </p:nvSpPr>
+            <p:spPr>
+              <a:xfrm>
+                <a:off x="5807211" y="1115711"/>
+                <a:ext cx="577578" cy="577578"/>
+              </a:xfrm>
+              <a:prstGeom prst="ellipse">
+                <a:avLst/>
+              </a:prstGeom>
+              <a:grpFill/>
+              <a:ln w="38100">
+                <a:solidFill>
+                  <a:schemeClr val="bg1">
+                    <a:lumMod val="85000"/>
+                  </a:schemeClr>
+                </a:solidFill>
+              </a:ln>
+            </p:spPr>
+            <p:style>
+              <a:lnRef idx="2">
+                <a:schemeClr val="accent1">
+                  <a:shade val="50000"/>
+                </a:schemeClr>
+              </a:lnRef>
+              <a:fillRef idx="1">
+                <a:schemeClr val="accent1"/>
+              </a:fillRef>
+              <a:effectRef idx="0">
+                <a:schemeClr val="accent1"/>
+              </a:effectRef>
+              <a:fontRef idx="minor">
+                <a:schemeClr val="lt1"/>
+              </a:fontRef>
+            </p:style>
+            <p:txBody>
+              <a:bodyPr rtlCol="0" anchor="ctr"/>
+              <a:lstStyle/>
+              <a:p>
+                <a:pPr algn="ctr"/>
+                <a:endParaRPr kumimoji="1" lang="ja-JP" altLang="en-US"/>
+              </a:p>
+            </p:txBody>
+          </p:sp>
+          <p:cxnSp>
+            <p:nvCxnSpPr>
+              <p:cNvPr id="221" name="直線コネクタ 220">
+                <a:extLst>
+                  <a:ext uri="{FF2B5EF4-FFF2-40B4-BE49-F238E27FC236}">
+                    <a16:creationId xmlns:a16="http://schemas.microsoft.com/office/drawing/2014/main" id="{F854A53A-A206-DF66-F13B-00EA0D56E3F1}"/>
+                  </a:ext>
+                </a:extLst>
+              </p:cNvPr>
+              <p:cNvCxnSpPr>
+                <a:cxnSpLocks/>
+              </p:cNvCxnSpPr>
+              <p:nvPr/>
+            </p:nvCxnSpPr>
+            <p:spPr>
+              <a:xfrm flipV="1">
+                <a:off x="6096000" y="2945951"/>
+                <a:ext cx="2146757" cy="691914"/>
+              </a:xfrm>
+              <a:prstGeom prst="line">
+                <a:avLst/>
+              </a:prstGeom>
+              <a:grpFill/>
+              <a:ln w="38100">
+                <a:solidFill>
+                  <a:schemeClr val="bg1">
+                    <a:lumMod val="85000"/>
+                  </a:schemeClr>
+                </a:solidFill>
+              </a:ln>
+            </p:spPr>
+            <p:style>
+              <a:lnRef idx="1">
+                <a:schemeClr val="accent1"/>
+              </a:lnRef>
+              <a:fillRef idx="0">
+                <a:schemeClr val="accent1"/>
+              </a:fillRef>
+              <a:effectRef idx="0">
+                <a:schemeClr val="accent1"/>
+              </a:effectRef>
+              <a:fontRef idx="minor">
+                <a:schemeClr val="tx1"/>
+              </a:fontRef>
+            </p:style>
+          </p:cxnSp>
+        </p:grpSp>
+        <p:grpSp>
+          <p:nvGrpSpPr>
+            <p:cNvPr id="127" name="グループ化 126">
+              <a:extLst>
+                <a:ext uri="{FF2B5EF4-FFF2-40B4-BE49-F238E27FC236}">
+                  <a16:creationId xmlns:a16="http://schemas.microsoft.com/office/drawing/2014/main" id="{D164FB62-E10B-43E0-4A55-8D85CC6B754D}"/>
+                </a:ext>
+              </a:extLst>
+            </p:cNvPr>
+            <p:cNvGrpSpPr/>
+            <p:nvPr/>
+          </p:nvGrpSpPr>
+          <p:grpSpPr>
+            <a:xfrm rot="-600000">
+              <a:off x="3625800" y="1111434"/>
+              <a:ext cx="4874618" cy="4648287"/>
+              <a:chOff x="3658691" y="1115711"/>
+              <a:chExt cx="4874618" cy="4648287"/>
+            </a:xfrm>
+            <a:solidFill>
+              <a:schemeClr val="bg1">
+                <a:lumMod val="75000"/>
+              </a:schemeClr>
+            </a:solidFill>
+          </p:grpSpPr>
+          <p:cxnSp>
+            <p:nvCxnSpPr>
+              <p:cNvPr id="200" name="直線コネクタ 199">
+                <a:extLst>
+                  <a:ext uri="{FF2B5EF4-FFF2-40B4-BE49-F238E27FC236}">
+                    <a16:creationId xmlns:a16="http://schemas.microsoft.com/office/drawing/2014/main" id="{25999DDD-CDE0-81AD-6960-8A7C72897EF9}"/>
+                  </a:ext>
+                </a:extLst>
+              </p:cNvPr>
+              <p:cNvCxnSpPr>
+                <a:cxnSpLocks/>
+              </p:cNvCxnSpPr>
+              <p:nvPr/>
+            </p:nvCxnSpPr>
+            <p:spPr>
+              <a:xfrm>
+                <a:off x="6096000" y="1382790"/>
+                <a:ext cx="0" cy="2255075"/>
+              </a:xfrm>
+              <a:prstGeom prst="line">
+                <a:avLst/>
+              </a:prstGeom>
+              <a:grpFill/>
+              <a:ln w="38100">
+                <a:solidFill>
+                  <a:schemeClr val="bg1">
+                    <a:lumMod val="75000"/>
+                  </a:schemeClr>
+                </a:solidFill>
+              </a:ln>
+            </p:spPr>
+            <p:style>
+              <a:lnRef idx="1">
+                <a:schemeClr val="accent1"/>
+              </a:lnRef>
+              <a:fillRef idx="0">
+                <a:schemeClr val="accent1"/>
+              </a:fillRef>
+              <a:effectRef idx="0">
+                <a:schemeClr val="accent1"/>
+              </a:effectRef>
+              <a:fontRef idx="minor">
+                <a:schemeClr val="tx1"/>
+              </a:fontRef>
+            </p:style>
+          </p:cxnSp>
+          <p:cxnSp>
+            <p:nvCxnSpPr>
+              <p:cNvPr id="201" name="直線コネクタ 200">
+                <a:extLst>
+                  <a:ext uri="{FF2B5EF4-FFF2-40B4-BE49-F238E27FC236}">
+                    <a16:creationId xmlns:a16="http://schemas.microsoft.com/office/drawing/2014/main" id="{5AD2D0DC-01F0-9CBE-7FC7-E4741E5EA3EE}"/>
+                  </a:ext>
+                </a:extLst>
+              </p:cNvPr>
+              <p:cNvCxnSpPr>
+                <a:cxnSpLocks/>
+              </p:cNvCxnSpPr>
+              <p:nvPr/>
+            </p:nvCxnSpPr>
+            <p:spPr>
+              <a:xfrm>
+                <a:off x="6096000" y="3637865"/>
+                <a:ext cx="1327856" cy="1837334"/>
+              </a:xfrm>
+              <a:prstGeom prst="line">
+                <a:avLst/>
+              </a:prstGeom>
+              <a:grpFill/>
+              <a:ln w="38100">
+                <a:solidFill>
+                  <a:schemeClr val="bg1">
+                    <a:lumMod val="75000"/>
+                  </a:schemeClr>
+                </a:solidFill>
+              </a:ln>
+            </p:spPr>
+            <p:style>
+              <a:lnRef idx="1">
+                <a:schemeClr val="accent1"/>
+              </a:lnRef>
+              <a:fillRef idx="0">
+                <a:schemeClr val="accent1"/>
+              </a:fillRef>
+              <a:effectRef idx="0">
+                <a:schemeClr val="accent1"/>
+              </a:effectRef>
+              <a:fontRef idx="minor">
+                <a:schemeClr val="tx1"/>
+              </a:fontRef>
+            </p:style>
+          </p:cxnSp>
+          <p:cxnSp>
+            <p:nvCxnSpPr>
+              <p:cNvPr id="202" name="直線コネクタ 201">
+                <a:extLst>
+                  <a:ext uri="{FF2B5EF4-FFF2-40B4-BE49-F238E27FC236}">
+                    <a16:creationId xmlns:a16="http://schemas.microsoft.com/office/drawing/2014/main" id="{60C10A03-F41C-1CFE-2E02-50A8A84074C2}"/>
+                  </a:ext>
+                </a:extLst>
+              </p:cNvPr>
+              <p:cNvCxnSpPr>
+                <a:cxnSpLocks/>
+              </p:cNvCxnSpPr>
+              <p:nvPr/>
+            </p:nvCxnSpPr>
+            <p:spPr>
+              <a:xfrm flipV="1">
+                <a:off x="4768144" y="3637865"/>
+                <a:ext cx="1327856" cy="1837334"/>
+              </a:xfrm>
+              <a:prstGeom prst="line">
+                <a:avLst/>
+              </a:prstGeom>
+              <a:grpFill/>
+              <a:ln w="38100">
+                <a:solidFill>
+                  <a:schemeClr val="bg1">
+                    <a:lumMod val="75000"/>
+                  </a:schemeClr>
+                </a:solidFill>
+              </a:ln>
+            </p:spPr>
+            <p:style>
+              <a:lnRef idx="1">
+                <a:schemeClr val="accent1"/>
+              </a:lnRef>
+              <a:fillRef idx="0">
+                <a:schemeClr val="accent1"/>
+              </a:fillRef>
+              <a:effectRef idx="0">
+                <a:schemeClr val="accent1"/>
+              </a:effectRef>
+              <a:fontRef idx="minor">
+                <a:schemeClr val="tx1"/>
+              </a:fontRef>
+            </p:style>
+          </p:cxnSp>
+          <p:cxnSp>
+            <p:nvCxnSpPr>
+              <p:cNvPr id="203" name="直線コネクタ 202">
+                <a:extLst>
+                  <a:ext uri="{FF2B5EF4-FFF2-40B4-BE49-F238E27FC236}">
+                    <a16:creationId xmlns:a16="http://schemas.microsoft.com/office/drawing/2014/main" id="{E110FBB9-3402-D434-9E65-C06D8D6E5CF0}"/>
+                  </a:ext>
+                </a:extLst>
+              </p:cNvPr>
+              <p:cNvCxnSpPr>
+                <a:cxnSpLocks/>
+              </p:cNvCxnSpPr>
+              <p:nvPr/>
+            </p:nvCxnSpPr>
+            <p:spPr>
+              <a:xfrm>
+                <a:off x="3947485" y="2945951"/>
+                <a:ext cx="2148515" cy="691914"/>
+              </a:xfrm>
+              <a:prstGeom prst="line">
+                <a:avLst/>
+              </a:prstGeom>
+              <a:grpFill/>
+              <a:ln w="38100">
+                <a:solidFill>
+                  <a:schemeClr val="bg1">
+                    <a:lumMod val="75000"/>
+                  </a:schemeClr>
+                </a:solidFill>
+              </a:ln>
+            </p:spPr>
+            <p:style>
+              <a:lnRef idx="1">
+                <a:schemeClr val="accent1"/>
+              </a:lnRef>
+              <a:fillRef idx="0">
+                <a:schemeClr val="accent1"/>
+              </a:fillRef>
+              <a:effectRef idx="0">
+                <a:schemeClr val="accent1"/>
+              </a:effectRef>
+              <a:fontRef idx="minor">
+                <a:schemeClr val="tx1"/>
+              </a:fontRef>
+            </p:style>
+          </p:cxnSp>
+          <p:sp>
+            <p:nvSpPr>
+              <p:cNvPr id="204" name="楕円 203">
+                <a:extLst>
+                  <a:ext uri="{FF2B5EF4-FFF2-40B4-BE49-F238E27FC236}">
+                    <a16:creationId xmlns:a16="http://schemas.microsoft.com/office/drawing/2014/main" id="{1F40A5F2-6ABB-5B9B-EC5D-8FEA2028F62C}"/>
+                  </a:ext>
+                </a:extLst>
+              </p:cNvPr>
+              <p:cNvSpPr/>
+              <p:nvPr/>
+            </p:nvSpPr>
+            <p:spPr>
+              <a:xfrm>
+                <a:off x="5813789" y="3357294"/>
+                <a:ext cx="577578" cy="577578"/>
+              </a:xfrm>
+              <a:prstGeom prst="ellipse">
+                <a:avLst/>
+              </a:prstGeom>
+              <a:grpFill/>
+              <a:ln w="38100">
+                <a:solidFill>
+                  <a:schemeClr val="bg1">
+                    <a:lumMod val="75000"/>
+                  </a:schemeClr>
+                </a:solidFill>
+              </a:ln>
+            </p:spPr>
+            <p:style>
+              <a:lnRef idx="2">
+                <a:schemeClr val="accent1">
+                  <a:shade val="50000"/>
+                </a:schemeClr>
+              </a:lnRef>
+              <a:fillRef idx="1">
+                <a:schemeClr val="accent1"/>
+              </a:fillRef>
+              <a:effectRef idx="0">
+                <a:schemeClr val="accent1"/>
+              </a:effectRef>
+              <a:fontRef idx="minor">
+                <a:schemeClr val="lt1"/>
+              </a:fontRef>
+            </p:style>
+            <p:txBody>
+              <a:bodyPr rtlCol="0" anchor="ctr"/>
+              <a:lstStyle/>
+              <a:p>
+                <a:pPr algn="ctr"/>
+                <a:endParaRPr kumimoji="1" lang="ja-JP" altLang="en-US"/>
+              </a:p>
+            </p:txBody>
+          </p:sp>
+          <p:sp>
+            <p:nvSpPr>
+              <p:cNvPr id="205" name="楕円 204">
+                <a:extLst>
+                  <a:ext uri="{FF2B5EF4-FFF2-40B4-BE49-F238E27FC236}">
+                    <a16:creationId xmlns:a16="http://schemas.microsoft.com/office/drawing/2014/main" id="{3AF4EE2B-E922-1B82-F270-CBC9F5FAC80E}"/>
+                  </a:ext>
+                </a:extLst>
+              </p:cNvPr>
+              <p:cNvSpPr/>
+              <p:nvPr/>
+            </p:nvSpPr>
+            <p:spPr>
+              <a:xfrm>
+                <a:off x="3658691" y="2654504"/>
+                <a:ext cx="577578" cy="577578"/>
+              </a:xfrm>
+              <a:prstGeom prst="ellipse">
+                <a:avLst/>
+              </a:prstGeom>
+              <a:grpFill/>
+              <a:ln w="38100">
+                <a:solidFill>
+                  <a:schemeClr val="bg1">
+                    <a:lumMod val="75000"/>
+                  </a:schemeClr>
+                </a:solidFill>
+              </a:ln>
+            </p:spPr>
+            <p:style>
+              <a:lnRef idx="2">
+                <a:schemeClr val="accent1">
+                  <a:shade val="50000"/>
+                </a:schemeClr>
+              </a:lnRef>
+              <a:fillRef idx="1">
+                <a:schemeClr val="accent1"/>
+              </a:fillRef>
+              <a:effectRef idx="0">
+                <a:schemeClr val="accent1"/>
+              </a:effectRef>
+              <a:fontRef idx="minor">
+                <a:schemeClr val="lt1"/>
+              </a:fontRef>
+            </p:style>
+            <p:txBody>
+              <a:bodyPr rtlCol="0" anchor="ctr"/>
+              <a:lstStyle/>
+              <a:p>
+                <a:pPr algn="ctr"/>
+                <a:endParaRPr kumimoji="1" lang="ja-JP" altLang="en-US"/>
+              </a:p>
+            </p:txBody>
+          </p:sp>
+          <p:sp>
+            <p:nvSpPr>
+              <p:cNvPr id="206" name="楕円 205">
+                <a:extLst>
+                  <a:ext uri="{FF2B5EF4-FFF2-40B4-BE49-F238E27FC236}">
+                    <a16:creationId xmlns:a16="http://schemas.microsoft.com/office/drawing/2014/main" id="{AA5234CB-5CA7-7232-3A01-DE06D7E3B09C}"/>
+                  </a:ext>
+                </a:extLst>
+              </p:cNvPr>
+              <p:cNvSpPr/>
+              <p:nvPr/>
+            </p:nvSpPr>
+            <p:spPr>
+              <a:xfrm>
+                <a:off x="4468932" y="5186420"/>
+                <a:ext cx="577578" cy="577578"/>
+              </a:xfrm>
+              <a:prstGeom prst="ellipse">
+                <a:avLst/>
+              </a:prstGeom>
+              <a:grpFill/>
+              <a:ln w="38100">
+                <a:solidFill>
+                  <a:schemeClr val="bg1">
+                    <a:lumMod val="75000"/>
+                  </a:schemeClr>
+                </a:solidFill>
+              </a:ln>
+            </p:spPr>
+            <p:style>
+              <a:lnRef idx="2">
+                <a:schemeClr val="accent1">
+                  <a:shade val="50000"/>
+                </a:schemeClr>
+              </a:lnRef>
+              <a:fillRef idx="1">
+                <a:schemeClr val="accent1"/>
+              </a:fillRef>
+              <a:effectRef idx="0">
+                <a:schemeClr val="accent1"/>
+              </a:effectRef>
+              <a:fontRef idx="minor">
+                <a:schemeClr val="lt1"/>
+              </a:fontRef>
+            </p:style>
+            <p:txBody>
+              <a:bodyPr rtlCol="0" anchor="ctr"/>
+              <a:lstStyle/>
+              <a:p>
+                <a:pPr algn="ctr"/>
+                <a:endParaRPr kumimoji="1" lang="ja-JP" altLang="en-US"/>
+              </a:p>
+            </p:txBody>
+          </p:sp>
+          <p:sp>
+            <p:nvSpPr>
+              <p:cNvPr id="207" name="楕円 206">
+                <a:extLst>
+                  <a:ext uri="{FF2B5EF4-FFF2-40B4-BE49-F238E27FC236}">
+                    <a16:creationId xmlns:a16="http://schemas.microsoft.com/office/drawing/2014/main" id="{3F1B5434-D70C-5FE1-1E6F-FA993A5383BC}"/>
+                  </a:ext>
+                </a:extLst>
+              </p:cNvPr>
+              <p:cNvSpPr/>
+              <p:nvPr/>
+            </p:nvSpPr>
+            <p:spPr>
+              <a:xfrm>
+                <a:off x="7145492" y="5186420"/>
+                <a:ext cx="577578" cy="577578"/>
+              </a:xfrm>
+              <a:prstGeom prst="ellipse">
+                <a:avLst/>
+              </a:prstGeom>
+              <a:grpFill/>
+              <a:ln w="38100">
+                <a:solidFill>
+                  <a:schemeClr val="bg1">
+                    <a:lumMod val="75000"/>
+                  </a:schemeClr>
+                </a:solidFill>
+              </a:ln>
+            </p:spPr>
+            <p:style>
+              <a:lnRef idx="2">
+                <a:schemeClr val="accent1">
+                  <a:shade val="50000"/>
+                </a:schemeClr>
+              </a:lnRef>
+              <a:fillRef idx="1">
+                <a:schemeClr val="accent1"/>
+              </a:fillRef>
+              <a:effectRef idx="0">
+                <a:schemeClr val="accent1"/>
+              </a:effectRef>
+              <a:fontRef idx="minor">
+                <a:schemeClr val="lt1"/>
+              </a:fontRef>
+            </p:style>
+            <p:txBody>
+              <a:bodyPr rtlCol="0" anchor="ctr"/>
+              <a:lstStyle/>
+              <a:p>
+                <a:pPr algn="ctr"/>
+                <a:endParaRPr kumimoji="1" lang="ja-JP" altLang="en-US"/>
+              </a:p>
+            </p:txBody>
+          </p:sp>
+          <p:sp>
+            <p:nvSpPr>
+              <p:cNvPr id="208" name="楕円 207">
+                <a:extLst>
+                  <a:ext uri="{FF2B5EF4-FFF2-40B4-BE49-F238E27FC236}">
+                    <a16:creationId xmlns:a16="http://schemas.microsoft.com/office/drawing/2014/main" id="{0AB42DD2-7E5B-A843-C354-AE3B57C8FDD1}"/>
+                  </a:ext>
+                </a:extLst>
+              </p:cNvPr>
+              <p:cNvSpPr/>
+              <p:nvPr/>
+            </p:nvSpPr>
+            <p:spPr>
+              <a:xfrm>
+                <a:off x="7955731" y="2654504"/>
+                <a:ext cx="577578" cy="577578"/>
+              </a:xfrm>
+              <a:prstGeom prst="ellipse">
+                <a:avLst/>
+              </a:prstGeom>
+              <a:grpFill/>
+              <a:ln w="38100">
+                <a:solidFill>
+                  <a:schemeClr val="bg1">
+                    <a:lumMod val="75000"/>
+                  </a:schemeClr>
+                </a:solidFill>
+              </a:ln>
+            </p:spPr>
+            <p:style>
+              <a:lnRef idx="2">
+                <a:schemeClr val="accent1">
+                  <a:shade val="50000"/>
+                </a:schemeClr>
+              </a:lnRef>
+              <a:fillRef idx="1">
+                <a:schemeClr val="accent1"/>
+              </a:fillRef>
+              <a:effectRef idx="0">
+                <a:schemeClr val="accent1"/>
+              </a:effectRef>
+              <a:fontRef idx="minor">
+                <a:schemeClr val="lt1"/>
+              </a:fontRef>
+            </p:style>
+            <p:txBody>
+              <a:bodyPr rtlCol="0" anchor="ctr"/>
+              <a:lstStyle/>
+              <a:p>
+                <a:pPr algn="ctr"/>
+                <a:endParaRPr kumimoji="1" lang="ja-JP" altLang="en-US"/>
+              </a:p>
+            </p:txBody>
+          </p:sp>
+          <p:sp>
+            <p:nvSpPr>
+              <p:cNvPr id="209" name="楕円 208">
+                <a:extLst>
+                  <a:ext uri="{FF2B5EF4-FFF2-40B4-BE49-F238E27FC236}">
+                    <a16:creationId xmlns:a16="http://schemas.microsoft.com/office/drawing/2014/main" id="{97F26BB2-A98E-5AB7-7B2D-F684B9D30DDF}"/>
+                  </a:ext>
+                </a:extLst>
+              </p:cNvPr>
+              <p:cNvSpPr/>
+              <p:nvPr/>
+            </p:nvSpPr>
+            <p:spPr>
+              <a:xfrm>
+                <a:off x="5807211" y="1115711"/>
+                <a:ext cx="577578" cy="577578"/>
+              </a:xfrm>
+              <a:prstGeom prst="ellipse">
+                <a:avLst/>
+              </a:prstGeom>
+              <a:grpFill/>
+              <a:ln w="38100">
+                <a:solidFill>
+                  <a:schemeClr val="bg1">
+                    <a:lumMod val="75000"/>
+                  </a:schemeClr>
+                </a:solidFill>
+              </a:ln>
+            </p:spPr>
+            <p:style>
+              <a:lnRef idx="2">
+                <a:schemeClr val="accent1">
+                  <a:shade val="50000"/>
+                </a:schemeClr>
+              </a:lnRef>
+              <a:fillRef idx="1">
+                <a:schemeClr val="accent1"/>
+              </a:fillRef>
+              <a:effectRef idx="0">
+                <a:schemeClr val="accent1"/>
+              </a:effectRef>
+              <a:fontRef idx="minor">
+                <a:schemeClr val="lt1"/>
+              </a:fontRef>
+            </p:style>
+            <p:txBody>
+              <a:bodyPr rtlCol="0" anchor="ctr"/>
+              <a:lstStyle/>
+              <a:p>
+                <a:pPr algn="ctr"/>
+                <a:endParaRPr kumimoji="1" lang="ja-JP" altLang="en-US"/>
+              </a:p>
+            </p:txBody>
+          </p:sp>
+          <p:cxnSp>
+            <p:nvCxnSpPr>
+              <p:cNvPr id="210" name="直線コネクタ 209">
+                <a:extLst>
+                  <a:ext uri="{FF2B5EF4-FFF2-40B4-BE49-F238E27FC236}">
+                    <a16:creationId xmlns:a16="http://schemas.microsoft.com/office/drawing/2014/main" id="{B678B3FF-B6B6-0A61-5BC5-68F97C6415BE}"/>
+                  </a:ext>
+                </a:extLst>
+              </p:cNvPr>
+              <p:cNvCxnSpPr>
+                <a:cxnSpLocks/>
+              </p:cNvCxnSpPr>
+              <p:nvPr/>
+            </p:nvCxnSpPr>
+            <p:spPr>
+              <a:xfrm flipV="1">
+                <a:off x="6096000" y="2945951"/>
+                <a:ext cx="2146757" cy="691914"/>
+              </a:xfrm>
+              <a:prstGeom prst="line">
+                <a:avLst/>
+              </a:prstGeom>
+              <a:grpFill/>
+              <a:ln w="38100">
+                <a:solidFill>
+                  <a:schemeClr val="bg1">
+                    <a:lumMod val="75000"/>
+                  </a:schemeClr>
+                </a:solidFill>
+              </a:ln>
+            </p:spPr>
+            <p:style>
+              <a:lnRef idx="1">
+                <a:schemeClr val="accent1"/>
+              </a:lnRef>
+              <a:fillRef idx="0">
+                <a:schemeClr val="accent1"/>
+              </a:fillRef>
+              <a:effectRef idx="0">
+                <a:schemeClr val="accent1"/>
+              </a:effectRef>
+              <a:fontRef idx="minor">
+                <a:schemeClr val="tx1"/>
+              </a:fontRef>
+            </p:style>
+          </p:cxnSp>
+        </p:grpSp>
+        <p:grpSp>
+          <p:nvGrpSpPr>
+            <p:cNvPr id="128" name="グループ化 127">
+              <a:extLst>
+                <a:ext uri="{FF2B5EF4-FFF2-40B4-BE49-F238E27FC236}">
+                  <a16:creationId xmlns:a16="http://schemas.microsoft.com/office/drawing/2014/main" id="{AB203E60-ED71-8C11-1D3C-601DD9EEF5D6}"/>
+                </a:ext>
+              </a:extLst>
+            </p:cNvPr>
+            <p:cNvGrpSpPr/>
+            <p:nvPr/>
+          </p:nvGrpSpPr>
+          <p:grpSpPr>
+            <a:xfrm rot="-900000">
+              <a:off x="3606067" y="1116877"/>
+              <a:ext cx="4874618" cy="4648287"/>
+              <a:chOff x="3658691" y="1115711"/>
+              <a:chExt cx="4874618" cy="4648287"/>
+            </a:xfrm>
+            <a:solidFill>
+              <a:schemeClr val="bg1">
+                <a:lumMod val="65000"/>
+              </a:schemeClr>
+            </a:solidFill>
+          </p:grpSpPr>
+          <p:cxnSp>
+            <p:nvCxnSpPr>
+              <p:cNvPr id="189" name="直線コネクタ 188">
+                <a:extLst>
+                  <a:ext uri="{FF2B5EF4-FFF2-40B4-BE49-F238E27FC236}">
+                    <a16:creationId xmlns:a16="http://schemas.microsoft.com/office/drawing/2014/main" id="{A38D6C98-5695-EDCF-1982-F622987579CB}"/>
+                  </a:ext>
+                </a:extLst>
+              </p:cNvPr>
+              <p:cNvCxnSpPr>
+                <a:cxnSpLocks/>
+              </p:cNvCxnSpPr>
+              <p:nvPr/>
+            </p:nvCxnSpPr>
+            <p:spPr>
+              <a:xfrm>
+                <a:off x="6096000" y="1382790"/>
+                <a:ext cx="0" cy="2255075"/>
+              </a:xfrm>
+              <a:prstGeom prst="line">
+                <a:avLst/>
+              </a:prstGeom>
+              <a:grpFill/>
+              <a:ln w="38100">
+                <a:solidFill>
+                  <a:schemeClr val="bg1">
+                    <a:lumMod val="65000"/>
+                  </a:schemeClr>
+                </a:solidFill>
+              </a:ln>
+            </p:spPr>
+            <p:style>
+              <a:lnRef idx="1">
+                <a:schemeClr val="accent1"/>
+              </a:lnRef>
+              <a:fillRef idx="0">
+                <a:schemeClr val="accent1"/>
+              </a:fillRef>
+              <a:effectRef idx="0">
+                <a:schemeClr val="accent1"/>
+              </a:effectRef>
+              <a:fontRef idx="minor">
+                <a:schemeClr val="tx1"/>
+              </a:fontRef>
+            </p:style>
+          </p:cxnSp>
+          <p:cxnSp>
+            <p:nvCxnSpPr>
+              <p:cNvPr id="190" name="直線コネクタ 189">
+                <a:extLst>
+                  <a:ext uri="{FF2B5EF4-FFF2-40B4-BE49-F238E27FC236}">
+                    <a16:creationId xmlns:a16="http://schemas.microsoft.com/office/drawing/2014/main" id="{BAD7C269-4F38-7394-3CEE-248D68806AD0}"/>
+                  </a:ext>
+                </a:extLst>
+              </p:cNvPr>
+              <p:cNvCxnSpPr>
+                <a:cxnSpLocks/>
+              </p:cNvCxnSpPr>
+              <p:nvPr/>
+            </p:nvCxnSpPr>
+            <p:spPr>
+              <a:xfrm>
+                <a:off x="6096000" y="3637865"/>
+                <a:ext cx="1327856" cy="1837334"/>
+              </a:xfrm>
+              <a:prstGeom prst="line">
+                <a:avLst/>
+              </a:prstGeom>
+              <a:grpFill/>
+              <a:ln w="38100">
+                <a:solidFill>
+                  <a:schemeClr val="bg1">
+                    <a:lumMod val="65000"/>
+                  </a:schemeClr>
+                </a:solidFill>
+              </a:ln>
+            </p:spPr>
+            <p:style>
+              <a:lnRef idx="1">
+                <a:schemeClr val="accent1"/>
+              </a:lnRef>
+              <a:fillRef idx="0">
+                <a:schemeClr val="accent1"/>
+              </a:fillRef>
+              <a:effectRef idx="0">
+                <a:schemeClr val="accent1"/>
+              </a:effectRef>
+              <a:fontRef idx="minor">
+                <a:schemeClr val="tx1"/>
+              </a:fontRef>
+            </p:style>
+          </p:cxnSp>
+          <p:cxnSp>
+            <p:nvCxnSpPr>
+              <p:cNvPr id="191" name="直線コネクタ 190">
+                <a:extLst>
+                  <a:ext uri="{FF2B5EF4-FFF2-40B4-BE49-F238E27FC236}">
+                    <a16:creationId xmlns:a16="http://schemas.microsoft.com/office/drawing/2014/main" id="{77DD784A-1721-67FB-69AB-CF5ACBAE01DE}"/>
+                  </a:ext>
+                </a:extLst>
+              </p:cNvPr>
+              <p:cNvCxnSpPr>
+                <a:cxnSpLocks/>
+              </p:cNvCxnSpPr>
+              <p:nvPr/>
+            </p:nvCxnSpPr>
+            <p:spPr>
+              <a:xfrm flipV="1">
+                <a:off x="4768144" y="3637865"/>
+                <a:ext cx="1327856" cy="1837334"/>
+              </a:xfrm>
+              <a:prstGeom prst="line">
+                <a:avLst/>
+              </a:prstGeom>
+              <a:grpFill/>
+              <a:ln w="38100">
+                <a:solidFill>
+                  <a:schemeClr val="bg1">
+                    <a:lumMod val="65000"/>
+                  </a:schemeClr>
+                </a:solidFill>
+              </a:ln>
+            </p:spPr>
+            <p:style>
+              <a:lnRef idx="1">
+                <a:schemeClr val="accent1"/>
+              </a:lnRef>
+              <a:fillRef idx="0">
+                <a:schemeClr val="accent1"/>
+              </a:fillRef>
+              <a:effectRef idx="0">
+                <a:schemeClr val="accent1"/>
+              </a:effectRef>
+              <a:fontRef idx="minor">
+                <a:schemeClr val="tx1"/>
+              </a:fontRef>
+            </p:style>
+          </p:cxnSp>
+          <p:cxnSp>
+            <p:nvCxnSpPr>
+              <p:cNvPr id="192" name="直線コネクタ 191">
+                <a:extLst>
+                  <a:ext uri="{FF2B5EF4-FFF2-40B4-BE49-F238E27FC236}">
+                    <a16:creationId xmlns:a16="http://schemas.microsoft.com/office/drawing/2014/main" id="{57B880B9-92FE-E7B3-18DF-27A8FD2D0F1E}"/>
+                  </a:ext>
+                </a:extLst>
+              </p:cNvPr>
+              <p:cNvCxnSpPr>
+                <a:cxnSpLocks/>
+              </p:cNvCxnSpPr>
+              <p:nvPr/>
+            </p:nvCxnSpPr>
+            <p:spPr>
+              <a:xfrm>
+                <a:off x="3947485" y="2945951"/>
+                <a:ext cx="2148515" cy="691914"/>
+              </a:xfrm>
+              <a:prstGeom prst="line">
+                <a:avLst/>
+              </a:prstGeom>
+              <a:grpFill/>
+              <a:ln w="38100">
+                <a:solidFill>
+                  <a:schemeClr val="bg1">
+                    <a:lumMod val="65000"/>
+                  </a:schemeClr>
+                </a:solidFill>
+              </a:ln>
+            </p:spPr>
+            <p:style>
+              <a:lnRef idx="1">
+                <a:schemeClr val="accent1"/>
+              </a:lnRef>
+              <a:fillRef idx="0">
+                <a:schemeClr val="accent1"/>
+              </a:fillRef>
+              <a:effectRef idx="0">
+                <a:schemeClr val="accent1"/>
+              </a:effectRef>
+              <a:fontRef idx="minor">
+                <a:schemeClr val="tx1"/>
+              </a:fontRef>
+            </p:style>
+          </p:cxnSp>
+          <p:sp>
+            <p:nvSpPr>
+              <p:cNvPr id="193" name="楕円 192">
+                <a:extLst>
+                  <a:ext uri="{FF2B5EF4-FFF2-40B4-BE49-F238E27FC236}">
+                    <a16:creationId xmlns:a16="http://schemas.microsoft.com/office/drawing/2014/main" id="{16D5243D-3EB4-536C-E593-8502E0BF1B11}"/>
+                  </a:ext>
+                </a:extLst>
+              </p:cNvPr>
+              <p:cNvSpPr/>
+              <p:nvPr/>
+            </p:nvSpPr>
+            <p:spPr>
+              <a:xfrm>
+                <a:off x="5813789" y="3357294"/>
+                <a:ext cx="577578" cy="577578"/>
+              </a:xfrm>
+              <a:prstGeom prst="ellipse">
+                <a:avLst/>
+              </a:prstGeom>
+              <a:grpFill/>
+              <a:ln w="38100">
+                <a:solidFill>
+                  <a:schemeClr val="bg1">
+                    <a:lumMod val="65000"/>
+                  </a:schemeClr>
+                </a:solidFill>
+              </a:ln>
+            </p:spPr>
+            <p:style>
+              <a:lnRef idx="2">
+                <a:schemeClr val="accent1">
+                  <a:shade val="50000"/>
+                </a:schemeClr>
+              </a:lnRef>
+              <a:fillRef idx="1">
+                <a:schemeClr val="accent1"/>
+              </a:fillRef>
+              <a:effectRef idx="0">
+                <a:schemeClr val="accent1"/>
+              </a:effectRef>
+              <a:fontRef idx="minor">
+                <a:schemeClr val="lt1"/>
+              </a:fontRef>
+            </p:style>
+            <p:txBody>
+              <a:bodyPr rtlCol="0" anchor="ctr"/>
+              <a:lstStyle/>
+              <a:p>
+                <a:pPr algn="ctr"/>
+                <a:endParaRPr kumimoji="1" lang="ja-JP" altLang="en-US"/>
+              </a:p>
+            </p:txBody>
+          </p:sp>
+          <p:sp>
+            <p:nvSpPr>
+              <p:cNvPr id="194" name="楕円 193">
+                <a:extLst>
+                  <a:ext uri="{FF2B5EF4-FFF2-40B4-BE49-F238E27FC236}">
+                    <a16:creationId xmlns:a16="http://schemas.microsoft.com/office/drawing/2014/main" id="{8AF46A0F-2391-EFBB-CFCD-E8668BB7890B}"/>
+                  </a:ext>
+                </a:extLst>
+              </p:cNvPr>
+              <p:cNvSpPr/>
+              <p:nvPr/>
+            </p:nvSpPr>
+            <p:spPr>
+              <a:xfrm>
+                <a:off x="3658691" y="2654504"/>
+                <a:ext cx="577578" cy="577578"/>
+              </a:xfrm>
+              <a:prstGeom prst="ellipse">
+                <a:avLst/>
+              </a:prstGeom>
+              <a:grpFill/>
+              <a:ln w="38100">
+                <a:solidFill>
+                  <a:schemeClr val="bg1">
+                    <a:lumMod val="65000"/>
+                  </a:schemeClr>
+                </a:solidFill>
+              </a:ln>
+            </p:spPr>
+            <p:style>
+              <a:lnRef idx="2">
+                <a:schemeClr val="accent1">
+                  <a:shade val="50000"/>
+                </a:schemeClr>
+              </a:lnRef>
+              <a:fillRef idx="1">
+                <a:schemeClr val="accent1"/>
+              </a:fillRef>
+              <a:effectRef idx="0">
+                <a:schemeClr val="accent1"/>
+              </a:effectRef>
+              <a:fontRef idx="minor">
+                <a:schemeClr val="lt1"/>
+              </a:fontRef>
+            </p:style>
+            <p:txBody>
+              <a:bodyPr rtlCol="0" anchor="ctr"/>
+              <a:lstStyle/>
+              <a:p>
+                <a:pPr algn="ctr"/>
+                <a:endParaRPr kumimoji="1" lang="ja-JP" altLang="en-US"/>
+              </a:p>
+            </p:txBody>
+          </p:sp>
+          <p:sp>
+            <p:nvSpPr>
+              <p:cNvPr id="195" name="楕円 194">
+                <a:extLst>
+                  <a:ext uri="{FF2B5EF4-FFF2-40B4-BE49-F238E27FC236}">
+                    <a16:creationId xmlns:a16="http://schemas.microsoft.com/office/drawing/2014/main" id="{7E3F88F6-E141-C519-FD58-7528C6DD38BE}"/>
+                  </a:ext>
+                </a:extLst>
+              </p:cNvPr>
+              <p:cNvSpPr/>
+              <p:nvPr/>
+            </p:nvSpPr>
+            <p:spPr>
+              <a:xfrm>
+                <a:off x="4468932" y="5186420"/>
+                <a:ext cx="577578" cy="577578"/>
+              </a:xfrm>
+              <a:prstGeom prst="ellipse">
+                <a:avLst/>
+              </a:prstGeom>
+              <a:grpFill/>
+              <a:ln w="38100">
+                <a:solidFill>
+                  <a:schemeClr val="bg1">
+                    <a:lumMod val="65000"/>
+                  </a:schemeClr>
+                </a:solidFill>
+              </a:ln>
+            </p:spPr>
+            <p:style>
+              <a:lnRef idx="2">
+                <a:schemeClr val="accent1">
+                  <a:shade val="50000"/>
+                </a:schemeClr>
+              </a:lnRef>
+              <a:fillRef idx="1">
+                <a:schemeClr val="accent1"/>
+              </a:fillRef>
+              <a:effectRef idx="0">
+                <a:schemeClr val="accent1"/>
+              </a:effectRef>
+              <a:fontRef idx="minor">
+                <a:schemeClr val="lt1"/>
+              </a:fontRef>
+            </p:style>
+            <p:txBody>
+              <a:bodyPr rtlCol="0" anchor="ctr"/>
+              <a:lstStyle/>
+              <a:p>
+                <a:pPr algn="ctr"/>
+                <a:endParaRPr kumimoji="1" lang="ja-JP" altLang="en-US"/>
+              </a:p>
+            </p:txBody>
+          </p:sp>
+          <p:sp>
+            <p:nvSpPr>
+              <p:cNvPr id="196" name="楕円 195">
+                <a:extLst>
+                  <a:ext uri="{FF2B5EF4-FFF2-40B4-BE49-F238E27FC236}">
+                    <a16:creationId xmlns:a16="http://schemas.microsoft.com/office/drawing/2014/main" id="{E87B2664-CA75-ED4C-F192-BFC2BB664B86}"/>
+                  </a:ext>
+                </a:extLst>
+              </p:cNvPr>
+              <p:cNvSpPr/>
+              <p:nvPr/>
+            </p:nvSpPr>
+            <p:spPr>
+              <a:xfrm>
+                <a:off x="7145492" y="5186420"/>
+                <a:ext cx="577578" cy="577578"/>
+              </a:xfrm>
+              <a:prstGeom prst="ellipse">
+                <a:avLst/>
+              </a:prstGeom>
+              <a:grpFill/>
+              <a:ln w="38100">
+                <a:solidFill>
+                  <a:schemeClr val="bg1">
+                    <a:lumMod val="65000"/>
+                  </a:schemeClr>
+                </a:solidFill>
+              </a:ln>
+            </p:spPr>
+            <p:style>
+              <a:lnRef idx="2">
+                <a:schemeClr val="accent1">
+                  <a:shade val="50000"/>
+                </a:schemeClr>
+              </a:lnRef>
+              <a:fillRef idx="1">
+                <a:schemeClr val="accent1"/>
+              </a:fillRef>
+              <a:effectRef idx="0">
+                <a:schemeClr val="accent1"/>
+              </a:effectRef>
+              <a:fontRef idx="minor">
+                <a:schemeClr val="lt1"/>
+              </a:fontRef>
+            </p:style>
+            <p:txBody>
+              <a:bodyPr rtlCol="0" anchor="ctr"/>
+              <a:lstStyle/>
+              <a:p>
+                <a:pPr algn="ctr"/>
+                <a:endParaRPr kumimoji="1" lang="ja-JP" altLang="en-US"/>
+              </a:p>
+            </p:txBody>
+          </p:sp>
+          <p:sp>
+            <p:nvSpPr>
+              <p:cNvPr id="197" name="楕円 196">
+                <a:extLst>
+                  <a:ext uri="{FF2B5EF4-FFF2-40B4-BE49-F238E27FC236}">
+                    <a16:creationId xmlns:a16="http://schemas.microsoft.com/office/drawing/2014/main" id="{99317F86-F9CE-8DE1-B94D-1AC8B3DA2237}"/>
+                  </a:ext>
+                </a:extLst>
+              </p:cNvPr>
+              <p:cNvSpPr/>
+              <p:nvPr/>
+            </p:nvSpPr>
+            <p:spPr>
+              <a:xfrm>
+                <a:off x="7955731" y="2654504"/>
+                <a:ext cx="577578" cy="577578"/>
+              </a:xfrm>
+              <a:prstGeom prst="ellipse">
+                <a:avLst/>
+              </a:prstGeom>
+              <a:grpFill/>
+              <a:ln w="38100">
+                <a:solidFill>
+                  <a:schemeClr val="bg1">
+                    <a:lumMod val="65000"/>
+                  </a:schemeClr>
+                </a:solidFill>
+              </a:ln>
+            </p:spPr>
+            <p:style>
+              <a:lnRef idx="2">
+                <a:schemeClr val="accent1">
+                  <a:shade val="50000"/>
+                </a:schemeClr>
+              </a:lnRef>
+              <a:fillRef idx="1">
+                <a:schemeClr val="accent1"/>
+              </a:fillRef>
+              <a:effectRef idx="0">
+                <a:schemeClr val="accent1"/>
+              </a:effectRef>
+              <a:fontRef idx="minor">
+                <a:schemeClr val="lt1"/>
+              </a:fontRef>
+            </p:style>
+            <p:txBody>
+              <a:bodyPr rtlCol="0" anchor="ctr"/>
+              <a:lstStyle/>
+              <a:p>
+                <a:pPr algn="ctr"/>
+                <a:endParaRPr kumimoji="1" lang="ja-JP" altLang="en-US"/>
+              </a:p>
+            </p:txBody>
+          </p:sp>
+          <p:sp>
+            <p:nvSpPr>
+              <p:cNvPr id="198" name="楕円 197">
+                <a:extLst>
+                  <a:ext uri="{FF2B5EF4-FFF2-40B4-BE49-F238E27FC236}">
+                    <a16:creationId xmlns:a16="http://schemas.microsoft.com/office/drawing/2014/main" id="{1BE5BF65-FA5E-0793-13E8-380AD8603D68}"/>
+                  </a:ext>
+                </a:extLst>
+              </p:cNvPr>
+              <p:cNvSpPr/>
+              <p:nvPr/>
+            </p:nvSpPr>
+            <p:spPr>
+              <a:xfrm>
+                <a:off x="5807211" y="1115711"/>
+                <a:ext cx="577578" cy="577578"/>
+              </a:xfrm>
+              <a:prstGeom prst="ellipse">
+                <a:avLst/>
+              </a:prstGeom>
+              <a:grpFill/>
+              <a:ln w="38100">
+                <a:solidFill>
+                  <a:schemeClr val="bg1">
+                    <a:lumMod val="65000"/>
+                  </a:schemeClr>
+                </a:solidFill>
+              </a:ln>
+            </p:spPr>
+            <p:style>
+              <a:lnRef idx="2">
+                <a:schemeClr val="accent1">
+                  <a:shade val="50000"/>
+                </a:schemeClr>
+              </a:lnRef>
+              <a:fillRef idx="1">
+                <a:schemeClr val="accent1"/>
+              </a:fillRef>
+              <a:effectRef idx="0">
+                <a:schemeClr val="accent1"/>
+              </a:effectRef>
+              <a:fontRef idx="minor">
+                <a:schemeClr val="lt1"/>
+              </a:fontRef>
+            </p:style>
+            <p:txBody>
+              <a:bodyPr rtlCol="0" anchor="ctr"/>
+              <a:lstStyle/>
+              <a:p>
+                <a:pPr algn="ctr"/>
+                <a:endParaRPr kumimoji="1" lang="ja-JP" altLang="en-US"/>
+              </a:p>
+            </p:txBody>
+          </p:sp>
+          <p:cxnSp>
+            <p:nvCxnSpPr>
+              <p:cNvPr id="199" name="直線コネクタ 198">
+                <a:extLst>
+                  <a:ext uri="{FF2B5EF4-FFF2-40B4-BE49-F238E27FC236}">
+                    <a16:creationId xmlns:a16="http://schemas.microsoft.com/office/drawing/2014/main" id="{A14987DF-EE29-3255-AF00-65FF3201DDA0}"/>
+                  </a:ext>
+                </a:extLst>
+              </p:cNvPr>
+              <p:cNvCxnSpPr>
+                <a:cxnSpLocks/>
+              </p:cNvCxnSpPr>
+              <p:nvPr/>
+            </p:nvCxnSpPr>
+            <p:spPr>
+              <a:xfrm flipV="1">
+                <a:off x="6096000" y="2945951"/>
+                <a:ext cx="2146757" cy="691914"/>
+              </a:xfrm>
+              <a:prstGeom prst="line">
+                <a:avLst/>
+              </a:prstGeom>
+              <a:grpFill/>
+              <a:ln w="38100">
+                <a:solidFill>
+                  <a:schemeClr val="bg1">
+                    <a:lumMod val="65000"/>
+                  </a:schemeClr>
+                </a:solidFill>
+              </a:ln>
+            </p:spPr>
+            <p:style>
+              <a:lnRef idx="1">
+                <a:schemeClr val="accent1"/>
+              </a:lnRef>
+              <a:fillRef idx="0">
+                <a:schemeClr val="accent1"/>
+              </a:fillRef>
+              <a:effectRef idx="0">
+                <a:schemeClr val="accent1"/>
+              </a:effectRef>
+              <a:fontRef idx="minor">
+                <a:schemeClr val="tx1"/>
+              </a:fontRef>
+            </p:style>
+          </p:cxnSp>
+        </p:grpSp>
+        <p:grpSp>
+          <p:nvGrpSpPr>
+            <p:cNvPr id="129" name="グループ化 128">
+              <a:extLst>
+                <a:ext uri="{FF2B5EF4-FFF2-40B4-BE49-F238E27FC236}">
+                  <a16:creationId xmlns:a16="http://schemas.microsoft.com/office/drawing/2014/main" id="{D550CEAC-9206-3A6E-9123-BCFC77C955A6}"/>
+                </a:ext>
+              </a:extLst>
+            </p:cNvPr>
+            <p:cNvGrpSpPr/>
+            <p:nvPr/>
+          </p:nvGrpSpPr>
+          <p:grpSpPr>
+            <a:xfrm rot="-1200000">
+              <a:off x="3587430" y="1124554"/>
+              <a:ext cx="4874618" cy="4648287"/>
+              <a:chOff x="3658691" y="1115711"/>
+              <a:chExt cx="4874618" cy="4648287"/>
+            </a:xfrm>
+            <a:solidFill>
+              <a:schemeClr val="bg1">
+                <a:lumMod val="50000"/>
+              </a:schemeClr>
+            </a:solidFill>
+          </p:grpSpPr>
+          <p:cxnSp>
+            <p:nvCxnSpPr>
+              <p:cNvPr id="178" name="直線コネクタ 177">
+                <a:extLst>
+                  <a:ext uri="{FF2B5EF4-FFF2-40B4-BE49-F238E27FC236}">
+                    <a16:creationId xmlns:a16="http://schemas.microsoft.com/office/drawing/2014/main" id="{3BF40FD0-E2DB-4478-82FF-413BBB702BF7}"/>
+                  </a:ext>
+                </a:extLst>
+              </p:cNvPr>
+              <p:cNvCxnSpPr>
+                <a:cxnSpLocks/>
+              </p:cNvCxnSpPr>
+              <p:nvPr/>
+            </p:nvCxnSpPr>
+            <p:spPr>
+              <a:xfrm>
+                <a:off x="6096000" y="1382790"/>
+                <a:ext cx="0" cy="2255075"/>
+              </a:xfrm>
+              <a:prstGeom prst="line">
+                <a:avLst/>
+              </a:prstGeom>
+              <a:grpFill/>
+              <a:ln w="38100">
+                <a:solidFill>
+                  <a:schemeClr val="bg1">
+                    <a:lumMod val="50000"/>
+                  </a:schemeClr>
+                </a:solidFill>
+              </a:ln>
+            </p:spPr>
+            <p:style>
+              <a:lnRef idx="1">
+                <a:schemeClr val="accent1"/>
+              </a:lnRef>
+              <a:fillRef idx="0">
+                <a:schemeClr val="accent1"/>
+              </a:fillRef>
+              <a:effectRef idx="0">
+                <a:schemeClr val="accent1"/>
+              </a:effectRef>
+              <a:fontRef idx="minor">
+                <a:schemeClr val="tx1"/>
+              </a:fontRef>
+            </p:style>
+          </p:cxnSp>
+          <p:cxnSp>
+            <p:nvCxnSpPr>
+              <p:cNvPr id="179" name="直線コネクタ 178">
+                <a:extLst>
+                  <a:ext uri="{FF2B5EF4-FFF2-40B4-BE49-F238E27FC236}">
+                    <a16:creationId xmlns:a16="http://schemas.microsoft.com/office/drawing/2014/main" id="{A5ED4E79-A9AC-C581-A612-1A72B9B8AC04}"/>
+                  </a:ext>
+                </a:extLst>
+              </p:cNvPr>
+              <p:cNvCxnSpPr>
+                <a:cxnSpLocks/>
+              </p:cNvCxnSpPr>
+              <p:nvPr/>
+            </p:nvCxnSpPr>
+            <p:spPr>
+              <a:xfrm>
+                <a:off x="6096000" y="3637865"/>
+                <a:ext cx="1327856" cy="1837334"/>
+              </a:xfrm>
+              <a:prstGeom prst="line">
+                <a:avLst/>
+              </a:prstGeom>
+              <a:grpFill/>
+              <a:ln w="38100">
+                <a:solidFill>
+                  <a:schemeClr val="bg1">
+                    <a:lumMod val="50000"/>
+                  </a:schemeClr>
+                </a:solidFill>
+              </a:ln>
+            </p:spPr>
+            <p:style>
+              <a:lnRef idx="1">
+                <a:schemeClr val="accent1"/>
+              </a:lnRef>
+              <a:fillRef idx="0">
+                <a:schemeClr val="accent1"/>
+              </a:fillRef>
+              <a:effectRef idx="0">
+                <a:schemeClr val="accent1"/>
+              </a:effectRef>
+              <a:fontRef idx="minor">
+                <a:schemeClr val="tx1"/>
+              </a:fontRef>
+            </p:style>
+          </p:cxnSp>
+          <p:cxnSp>
+            <p:nvCxnSpPr>
+              <p:cNvPr id="180" name="直線コネクタ 179">
+                <a:extLst>
+                  <a:ext uri="{FF2B5EF4-FFF2-40B4-BE49-F238E27FC236}">
+                    <a16:creationId xmlns:a16="http://schemas.microsoft.com/office/drawing/2014/main" id="{49EB5FE8-CDB1-2079-6BFC-BCBE928BB044}"/>
+                  </a:ext>
+                </a:extLst>
+              </p:cNvPr>
+              <p:cNvCxnSpPr>
+                <a:cxnSpLocks/>
+              </p:cNvCxnSpPr>
+              <p:nvPr/>
+            </p:nvCxnSpPr>
+            <p:spPr>
+              <a:xfrm flipV="1">
+                <a:off x="4768144" y="3637865"/>
+                <a:ext cx="1327856" cy="1837334"/>
+              </a:xfrm>
+              <a:prstGeom prst="line">
+                <a:avLst/>
+              </a:prstGeom>
+              <a:grpFill/>
+              <a:ln w="38100">
+                <a:solidFill>
+                  <a:schemeClr val="bg1">
+                    <a:lumMod val="50000"/>
+                  </a:schemeClr>
+                </a:solidFill>
+              </a:ln>
+            </p:spPr>
+            <p:style>
+              <a:lnRef idx="1">
+                <a:schemeClr val="accent1"/>
+              </a:lnRef>
+              <a:fillRef idx="0">
+                <a:schemeClr val="accent1"/>
+              </a:fillRef>
+              <a:effectRef idx="0">
+                <a:schemeClr val="accent1"/>
+              </a:effectRef>
+              <a:fontRef idx="minor">
+                <a:schemeClr val="tx1"/>
+              </a:fontRef>
+            </p:style>
+          </p:cxnSp>
+          <p:cxnSp>
+            <p:nvCxnSpPr>
+              <p:cNvPr id="181" name="直線コネクタ 180">
+                <a:extLst>
+                  <a:ext uri="{FF2B5EF4-FFF2-40B4-BE49-F238E27FC236}">
+                    <a16:creationId xmlns:a16="http://schemas.microsoft.com/office/drawing/2014/main" id="{04837ACD-ACE0-87A3-1337-A47577EA704F}"/>
+                  </a:ext>
+                </a:extLst>
+              </p:cNvPr>
+              <p:cNvCxnSpPr>
+                <a:cxnSpLocks/>
+              </p:cNvCxnSpPr>
+              <p:nvPr/>
+            </p:nvCxnSpPr>
+            <p:spPr>
+              <a:xfrm>
+                <a:off x="3947485" y="2945951"/>
+                <a:ext cx="2148515" cy="691914"/>
+              </a:xfrm>
+              <a:prstGeom prst="line">
+                <a:avLst/>
+              </a:prstGeom>
+              <a:grpFill/>
+              <a:ln w="38100">
+                <a:solidFill>
+                  <a:schemeClr val="bg1">
+                    <a:lumMod val="50000"/>
+                  </a:schemeClr>
+                </a:solidFill>
+              </a:ln>
+            </p:spPr>
+            <p:style>
+              <a:lnRef idx="1">
+                <a:schemeClr val="accent1"/>
+              </a:lnRef>
+              <a:fillRef idx="0">
+                <a:schemeClr val="accent1"/>
+              </a:fillRef>
+              <a:effectRef idx="0">
+                <a:schemeClr val="accent1"/>
+              </a:effectRef>
+              <a:fontRef idx="minor">
+                <a:schemeClr val="tx1"/>
+              </a:fontRef>
+            </p:style>
+          </p:cxnSp>
+          <p:sp>
+            <p:nvSpPr>
+              <p:cNvPr id="182" name="楕円 181">
+                <a:extLst>
+                  <a:ext uri="{FF2B5EF4-FFF2-40B4-BE49-F238E27FC236}">
+                    <a16:creationId xmlns:a16="http://schemas.microsoft.com/office/drawing/2014/main" id="{C9461E54-3C5B-6623-E7B9-169868F4F91A}"/>
+                  </a:ext>
+                </a:extLst>
+              </p:cNvPr>
+              <p:cNvSpPr/>
+              <p:nvPr/>
+            </p:nvSpPr>
+            <p:spPr>
+              <a:xfrm>
+                <a:off x="5813789" y="3357294"/>
+                <a:ext cx="577578" cy="577578"/>
+              </a:xfrm>
+              <a:prstGeom prst="ellipse">
+                <a:avLst/>
+              </a:prstGeom>
+              <a:grpFill/>
+              <a:ln w="38100">
+                <a:solidFill>
+                  <a:schemeClr val="bg1">
+                    <a:lumMod val="50000"/>
+                  </a:schemeClr>
+                </a:solidFill>
+              </a:ln>
+            </p:spPr>
+            <p:style>
+              <a:lnRef idx="2">
+                <a:schemeClr val="accent1">
+                  <a:shade val="50000"/>
+                </a:schemeClr>
+              </a:lnRef>
+              <a:fillRef idx="1">
+                <a:schemeClr val="accent1"/>
+              </a:fillRef>
+              <a:effectRef idx="0">
+                <a:schemeClr val="accent1"/>
+              </a:effectRef>
+              <a:fontRef idx="minor">
+                <a:schemeClr val="lt1"/>
+              </a:fontRef>
+            </p:style>
+            <p:txBody>
+              <a:bodyPr rtlCol="0" anchor="ctr"/>
+              <a:lstStyle/>
+              <a:p>
+                <a:pPr algn="ctr"/>
+                <a:endParaRPr kumimoji="1" lang="ja-JP" altLang="en-US"/>
+              </a:p>
+            </p:txBody>
+          </p:sp>
+          <p:sp>
+            <p:nvSpPr>
+              <p:cNvPr id="183" name="楕円 182">
+                <a:extLst>
+                  <a:ext uri="{FF2B5EF4-FFF2-40B4-BE49-F238E27FC236}">
+                    <a16:creationId xmlns:a16="http://schemas.microsoft.com/office/drawing/2014/main" id="{216331E9-A85F-450F-5BB8-0D3232D7FCBE}"/>
+                  </a:ext>
+                </a:extLst>
+              </p:cNvPr>
+              <p:cNvSpPr/>
+              <p:nvPr/>
+            </p:nvSpPr>
+            <p:spPr>
+              <a:xfrm>
+                <a:off x="3658691" y="2654504"/>
+                <a:ext cx="577578" cy="577578"/>
+              </a:xfrm>
+              <a:prstGeom prst="ellipse">
+                <a:avLst/>
+              </a:prstGeom>
+              <a:grpFill/>
+              <a:ln w="38100">
+                <a:solidFill>
+                  <a:schemeClr val="bg1">
+                    <a:lumMod val="50000"/>
+                  </a:schemeClr>
+                </a:solidFill>
+              </a:ln>
+            </p:spPr>
+            <p:style>
+              <a:lnRef idx="2">
+                <a:schemeClr val="accent1">
+                  <a:shade val="50000"/>
+                </a:schemeClr>
+              </a:lnRef>
+              <a:fillRef idx="1">
+                <a:schemeClr val="accent1"/>
+              </a:fillRef>
+              <a:effectRef idx="0">
+                <a:schemeClr val="accent1"/>
+              </a:effectRef>
+              <a:fontRef idx="minor">
+                <a:schemeClr val="lt1"/>
+              </a:fontRef>
+            </p:style>
+            <p:txBody>
+              <a:bodyPr rtlCol="0" anchor="ctr"/>
+              <a:lstStyle/>
+              <a:p>
+                <a:pPr algn="ctr"/>
+                <a:endParaRPr kumimoji="1" lang="ja-JP" altLang="en-US"/>
+              </a:p>
+            </p:txBody>
+          </p:sp>
+          <p:sp>
+            <p:nvSpPr>
+              <p:cNvPr id="184" name="楕円 183">
+                <a:extLst>
+                  <a:ext uri="{FF2B5EF4-FFF2-40B4-BE49-F238E27FC236}">
+                    <a16:creationId xmlns:a16="http://schemas.microsoft.com/office/drawing/2014/main" id="{BB1E5AAB-6DEF-D6B0-10BF-8A47855B5FE6}"/>
+                  </a:ext>
+                </a:extLst>
+              </p:cNvPr>
+              <p:cNvSpPr/>
+              <p:nvPr/>
+            </p:nvSpPr>
+            <p:spPr>
+              <a:xfrm>
+                <a:off x="4468932" y="5186420"/>
+                <a:ext cx="577578" cy="577578"/>
+              </a:xfrm>
+              <a:prstGeom prst="ellipse">
+                <a:avLst/>
+              </a:prstGeom>
+              <a:grpFill/>
+              <a:ln w="38100">
+                <a:solidFill>
+                  <a:schemeClr val="bg1">
+                    <a:lumMod val="50000"/>
+                  </a:schemeClr>
+                </a:solidFill>
+              </a:ln>
+            </p:spPr>
+            <p:style>
+              <a:lnRef idx="2">
+                <a:schemeClr val="accent1">
+                  <a:shade val="50000"/>
+                </a:schemeClr>
+              </a:lnRef>
+              <a:fillRef idx="1">
+                <a:schemeClr val="accent1"/>
+              </a:fillRef>
+              <a:effectRef idx="0">
+                <a:schemeClr val="accent1"/>
+              </a:effectRef>
+              <a:fontRef idx="minor">
+                <a:schemeClr val="lt1"/>
+              </a:fontRef>
+            </p:style>
+            <p:txBody>
+              <a:bodyPr rtlCol="0" anchor="ctr"/>
+              <a:lstStyle/>
+              <a:p>
+                <a:pPr algn="ctr"/>
+                <a:endParaRPr kumimoji="1" lang="ja-JP" altLang="en-US"/>
+              </a:p>
+            </p:txBody>
+          </p:sp>
+          <p:sp>
+            <p:nvSpPr>
+              <p:cNvPr id="185" name="楕円 184">
+                <a:extLst>
+                  <a:ext uri="{FF2B5EF4-FFF2-40B4-BE49-F238E27FC236}">
+                    <a16:creationId xmlns:a16="http://schemas.microsoft.com/office/drawing/2014/main" id="{34C4CA2F-691A-9F38-B931-A0AB09FF4B28}"/>
+                  </a:ext>
+                </a:extLst>
+              </p:cNvPr>
+              <p:cNvSpPr/>
+              <p:nvPr/>
+            </p:nvSpPr>
+            <p:spPr>
+              <a:xfrm>
+                <a:off x="7145492" y="5186420"/>
+                <a:ext cx="577578" cy="577578"/>
+              </a:xfrm>
+              <a:prstGeom prst="ellipse">
+                <a:avLst/>
+              </a:prstGeom>
+              <a:grpFill/>
+              <a:ln w="38100">
+                <a:solidFill>
+                  <a:schemeClr val="bg1">
+                    <a:lumMod val="50000"/>
+                  </a:schemeClr>
+                </a:solidFill>
+              </a:ln>
+            </p:spPr>
+            <p:style>
+              <a:lnRef idx="2">
+                <a:schemeClr val="accent1">
+                  <a:shade val="50000"/>
+                </a:schemeClr>
+              </a:lnRef>
+              <a:fillRef idx="1">
+                <a:schemeClr val="accent1"/>
+              </a:fillRef>
+              <a:effectRef idx="0">
+                <a:schemeClr val="accent1"/>
+              </a:effectRef>
+              <a:fontRef idx="minor">
+                <a:schemeClr val="lt1"/>
+              </a:fontRef>
+            </p:style>
+            <p:txBody>
+              <a:bodyPr rtlCol="0" anchor="ctr"/>
+              <a:lstStyle/>
+              <a:p>
+                <a:pPr algn="ctr"/>
+                <a:endParaRPr kumimoji="1" lang="ja-JP" altLang="en-US"/>
+              </a:p>
+            </p:txBody>
+          </p:sp>
+          <p:sp>
+            <p:nvSpPr>
+              <p:cNvPr id="186" name="楕円 185">
+                <a:extLst>
+                  <a:ext uri="{FF2B5EF4-FFF2-40B4-BE49-F238E27FC236}">
+                    <a16:creationId xmlns:a16="http://schemas.microsoft.com/office/drawing/2014/main" id="{7B514731-A1BB-E590-4C87-4AF82E6A607D}"/>
+                  </a:ext>
+                </a:extLst>
+              </p:cNvPr>
+              <p:cNvSpPr/>
+              <p:nvPr/>
+            </p:nvSpPr>
+            <p:spPr>
+              <a:xfrm>
+                <a:off x="7955731" y="2654504"/>
+                <a:ext cx="577578" cy="577578"/>
+              </a:xfrm>
+              <a:prstGeom prst="ellipse">
+                <a:avLst/>
+              </a:prstGeom>
+              <a:grpFill/>
+              <a:ln w="38100">
+                <a:solidFill>
+                  <a:schemeClr val="bg1">
+                    <a:lumMod val="50000"/>
+                  </a:schemeClr>
+                </a:solidFill>
+              </a:ln>
+            </p:spPr>
+            <p:style>
+              <a:lnRef idx="2">
+                <a:schemeClr val="accent1">
+                  <a:shade val="50000"/>
+                </a:schemeClr>
+              </a:lnRef>
+              <a:fillRef idx="1">
+                <a:schemeClr val="accent1"/>
+              </a:fillRef>
+              <a:effectRef idx="0">
+                <a:schemeClr val="accent1"/>
+              </a:effectRef>
+              <a:fontRef idx="minor">
+                <a:schemeClr val="lt1"/>
+              </a:fontRef>
+            </p:style>
+            <p:txBody>
+              <a:bodyPr rtlCol="0" anchor="ctr"/>
+              <a:lstStyle/>
+              <a:p>
+                <a:pPr algn="ctr"/>
+                <a:endParaRPr kumimoji="1" lang="ja-JP" altLang="en-US"/>
+              </a:p>
+            </p:txBody>
+          </p:sp>
+          <p:sp>
+            <p:nvSpPr>
+              <p:cNvPr id="187" name="楕円 186">
+                <a:extLst>
+                  <a:ext uri="{FF2B5EF4-FFF2-40B4-BE49-F238E27FC236}">
+                    <a16:creationId xmlns:a16="http://schemas.microsoft.com/office/drawing/2014/main" id="{17E02A9A-18B0-DB1D-9CF4-42000EFAAE9A}"/>
+                  </a:ext>
+                </a:extLst>
+              </p:cNvPr>
+              <p:cNvSpPr/>
+              <p:nvPr/>
+            </p:nvSpPr>
+            <p:spPr>
+              <a:xfrm>
+                <a:off x="5807211" y="1115711"/>
+                <a:ext cx="577578" cy="577578"/>
+              </a:xfrm>
+              <a:prstGeom prst="ellipse">
+                <a:avLst/>
+              </a:prstGeom>
+              <a:grpFill/>
+              <a:ln w="38100">
+                <a:solidFill>
+                  <a:schemeClr val="bg1">
+                    <a:lumMod val="50000"/>
+                  </a:schemeClr>
+                </a:solidFill>
+              </a:ln>
+            </p:spPr>
+            <p:style>
+              <a:lnRef idx="2">
+                <a:schemeClr val="accent1">
+                  <a:shade val="50000"/>
+                </a:schemeClr>
+              </a:lnRef>
+              <a:fillRef idx="1">
+                <a:schemeClr val="accent1"/>
+              </a:fillRef>
+              <a:effectRef idx="0">
+                <a:schemeClr val="accent1"/>
+              </a:effectRef>
+              <a:fontRef idx="minor">
+                <a:schemeClr val="lt1"/>
+              </a:fontRef>
+            </p:style>
+            <p:txBody>
+              <a:bodyPr rtlCol="0" anchor="ctr"/>
+              <a:lstStyle/>
+              <a:p>
+                <a:pPr algn="ctr"/>
+                <a:endParaRPr kumimoji="1" lang="ja-JP" altLang="en-US"/>
+              </a:p>
+            </p:txBody>
+          </p:sp>
+          <p:cxnSp>
+            <p:nvCxnSpPr>
+              <p:cNvPr id="188" name="直線コネクタ 187">
+                <a:extLst>
+                  <a:ext uri="{FF2B5EF4-FFF2-40B4-BE49-F238E27FC236}">
+                    <a16:creationId xmlns:a16="http://schemas.microsoft.com/office/drawing/2014/main" id="{436A0B19-2F39-A744-C9F4-D45ED081C14E}"/>
+                  </a:ext>
+                </a:extLst>
+              </p:cNvPr>
+              <p:cNvCxnSpPr>
+                <a:cxnSpLocks/>
+              </p:cNvCxnSpPr>
+              <p:nvPr/>
+            </p:nvCxnSpPr>
+            <p:spPr>
+              <a:xfrm flipV="1">
+                <a:off x="6096000" y="2945951"/>
+                <a:ext cx="2146757" cy="691914"/>
+              </a:xfrm>
+              <a:prstGeom prst="line">
+                <a:avLst/>
+              </a:prstGeom>
+              <a:grpFill/>
+              <a:ln w="38100">
+                <a:solidFill>
+                  <a:schemeClr val="bg1">
+                    <a:lumMod val="50000"/>
+                  </a:schemeClr>
+                </a:solidFill>
+              </a:ln>
+            </p:spPr>
+            <p:style>
+              <a:lnRef idx="1">
+                <a:schemeClr val="accent1"/>
+              </a:lnRef>
+              <a:fillRef idx="0">
+                <a:schemeClr val="accent1"/>
+              </a:fillRef>
+              <a:effectRef idx="0">
+                <a:schemeClr val="accent1"/>
+              </a:effectRef>
+              <a:fontRef idx="minor">
+                <a:schemeClr val="tx1"/>
+              </a:fontRef>
+            </p:style>
+          </p:cxnSp>
+        </p:grpSp>
+        <p:grpSp>
+          <p:nvGrpSpPr>
+            <p:cNvPr id="130" name="グループ化 129">
+              <a:extLst>
+                <a:ext uri="{FF2B5EF4-FFF2-40B4-BE49-F238E27FC236}">
+                  <a16:creationId xmlns:a16="http://schemas.microsoft.com/office/drawing/2014/main" id="{A8D2B329-AA37-8092-3FD1-85BB0DD294CC}"/>
+                </a:ext>
+              </a:extLst>
+            </p:cNvPr>
+            <p:cNvGrpSpPr/>
+            <p:nvPr/>
+          </p:nvGrpSpPr>
+          <p:grpSpPr>
+            <a:xfrm rot="-1500000">
+              <a:off x="3576174" y="1132544"/>
+              <a:ext cx="4874618" cy="4648287"/>
+              <a:chOff x="3658691" y="1115711"/>
+              <a:chExt cx="4874618" cy="4648287"/>
+            </a:xfrm>
+            <a:solidFill>
+              <a:schemeClr val="tx1">
+                <a:lumMod val="65000"/>
+                <a:lumOff val="35000"/>
+              </a:schemeClr>
+            </a:solidFill>
+          </p:grpSpPr>
+          <p:cxnSp>
+            <p:nvCxnSpPr>
+              <p:cNvPr id="167" name="直線コネクタ 166">
+                <a:extLst>
+                  <a:ext uri="{FF2B5EF4-FFF2-40B4-BE49-F238E27FC236}">
+                    <a16:creationId xmlns:a16="http://schemas.microsoft.com/office/drawing/2014/main" id="{FB77DA4A-7FB4-AF73-9403-469C6EA528A7}"/>
+                  </a:ext>
+                </a:extLst>
+              </p:cNvPr>
+              <p:cNvCxnSpPr>
+                <a:cxnSpLocks/>
+              </p:cNvCxnSpPr>
+              <p:nvPr/>
+            </p:nvCxnSpPr>
+            <p:spPr>
+              <a:xfrm>
+                <a:off x="6096000" y="1382790"/>
+                <a:ext cx="0" cy="2255075"/>
+              </a:xfrm>
+              <a:prstGeom prst="line">
+                <a:avLst/>
+              </a:prstGeom>
+              <a:grpFill/>
+              <a:ln w="38100">
+                <a:solidFill>
+                  <a:schemeClr val="tx1">
+                    <a:lumMod val="65000"/>
+                    <a:lumOff val="35000"/>
+                  </a:schemeClr>
+                </a:solidFill>
+              </a:ln>
+            </p:spPr>
+            <p:style>
+              <a:lnRef idx="1">
+                <a:schemeClr val="accent1"/>
+              </a:lnRef>
+              <a:fillRef idx="0">
+                <a:schemeClr val="accent1"/>
+              </a:fillRef>
+              <a:effectRef idx="0">
+                <a:schemeClr val="accent1"/>
+              </a:effectRef>
+              <a:fontRef idx="minor">
+                <a:schemeClr val="tx1"/>
+              </a:fontRef>
+            </p:style>
+          </p:cxnSp>
+          <p:cxnSp>
+            <p:nvCxnSpPr>
+              <p:cNvPr id="168" name="直線コネクタ 167">
+                <a:extLst>
+                  <a:ext uri="{FF2B5EF4-FFF2-40B4-BE49-F238E27FC236}">
+                    <a16:creationId xmlns:a16="http://schemas.microsoft.com/office/drawing/2014/main" id="{FB5747CD-8F89-5A68-4090-013151610D29}"/>
+                  </a:ext>
+                </a:extLst>
+              </p:cNvPr>
+              <p:cNvCxnSpPr>
+                <a:cxnSpLocks/>
+              </p:cNvCxnSpPr>
+              <p:nvPr/>
+            </p:nvCxnSpPr>
+            <p:spPr>
+              <a:xfrm>
+                <a:off x="6096000" y="3637865"/>
+                <a:ext cx="1327856" cy="1837334"/>
+              </a:xfrm>
+              <a:prstGeom prst="line">
+                <a:avLst/>
+              </a:prstGeom>
+              <a:grpFill/>
+              <a:ln w="38100">
+                <a:solidFill>
+                  <a:schemeClr val="tx1">
+                    <a:lumMod val="65000"/>
+                    <a:lumOff val="35000"/>
+                  </a:schemeClr>
+                </a:solidFill>
+              </a:ln>
+            </p:spPr>
+            <p:style>
+              <a:lnRef idx="1">
+                <a:schemeClr val="accent1"/>
+              </a:lnRef>
+              <a:fillRef idx="0">
+                <a:schemeClr val="accent1"/>
+              </a:fillRef>
+              <a:effectRef idx="0">
+                <a:schemeClr val="accent1"/>
+              </a:effectRef>
+              <a:fontRef idx="minor">
+                <a:schemeClr val="tx1"/>
+              </a:fontRef>
+            </p:style>
+          </p:cxnSp>
+          <p:cxnSp>
+            <p:nvCxnSpPr>
+              <p:cNvPr id="169" name="直線コネクタ 168">
+                <a:extLst>
+                  <a:ext uri="{FF2B5EF4-FFF2-40B4-BE49-F238E27FC236}">
+                    <a16:creationId xmlns:a16="http://schemas.microsoft.com/office/drawing/2014/main" id="{89CB875C-A34D-563E-2F23-730F2D88C4CE}"/>
+                  </a:ext>
+                </a:extLst>
+              </p:cNvPr>
+              <p:cNvCxnSpPr>
+                <a:cxnSpLocks/>
+              </p:cNvCxnSpPr>
+              <p:nvPr/>
+            </p:nvCxnSpPr>
+            <p:spPr>
+              <a:xfrm flipV="1">
+                <a:off x="4768144" y="3637865"/>
+                <a:ext cx="1327856" cy="1837334"/>
+              </a:xfrm>
+              <a:prstGeom prst="line">
+                <a:avLst/>
+              </a:prstGeom>
+              <a:grpFill/>
+              <a:ln w="38100">
+                <a:solidFill>
+                  <a:schemeClr val="tx1">
+                    <a:lumMod val="65000"/>
+                    <a:lumOff val="35000"/>
+                  </a:schemeClr>
+                </a:solidFill>
+              </a:ln>
+            </p:spPr>
+            <p:style>
+              <a:lnRef idx="1">
+                <a:schemeClr val="accent1"/>
+              </a:lnRef>
+              <a:fillRef idx="0">
+                <a:schemeClr val="accent1"/>
+              </a:fillRef>
+              <a:effectRef idx="0">
+                <a:schemeClr val="accent1"/>
+              </a:effectRef>
+              <a:fontRef idx="minor">
+                <a:schemeClr val="tx1"/>
+              </a:fontRef>
+            </p:style>
+          </p:cxnSp>
+          <p:cxnSp>
+            <p:nvCxnSpPr>
+              <p:cNvPr id="170" name="直線コネクタ 169">
+                <a:extLst>
+                  <a:ext uri="{FF2B5EF4-FFF2-40B4-BE49-F238E27FC236}">
+                    <a16:creationId xmlns:a16="http://schemas.microsoft.com/office/drawing/2014/main" id="{FAEF61FE-C98D-C954-9795-F1AEE2D1417D}"/>
+                  </a:ext>
+                </a:extLst>
+              </p:cNvPr>
+              <p:cNvCxnSpPr>
+                <a:cxnSpLocks/>
+              </p:cNvCxnSpPr>
+              <p:nvPr/>
+            </p:nvCxnSpPr>
+            <p:spPr>
+              <a:xfrm>
+                <a:off x="3947485" y="2945951"/>
+                <a:ext cx="2148515" cy="691914"/>
+              </a:xfrm>
+              <a:prstGeom prst="line">
+                <a:avLst/>
+              </a:prstGeom>
+              <a:grpFill/>
+              <a:ln w="38100">
+                <a:solidFill>
+                  <a:schemeClr val="tx1">
+                    <a:lumMod val="65000"/>
+                    <a:lumOff val="35000"/>
+                  </a:schemeClr>
+                </a:solidFill>
+              </a:ln>
+            </p:spPr>
+            <p:style>
+              <a:lnRef idx="1">
+                <a:schemeClr val="accent1"/>
+              </a:lnRef>
+              <a:fillRef idx="0">
+                <a:schemeClr val="accent1"/>
+              </a:fillRef>
+              <a:effectRef idx="0">
+                <a:schemeClr val="accent1"/>
+              </a:effectRef>
+              <a:fontRef idx="minor">
+                <a:schemeClr val="tx1"/>
+              </a:fontRef>
+            </p:style>
+          </p:cxnSp>
+          <p:sp>
+            <p:nvSpPr>
+              <p:cNvPr id="171" name="楕円 170">
+                <a:extLst>
+                  <a:ext uri="{FF2B5EF4-FFF2-40B4-BE49-F238E27FC236}">
+                    <a16:creationId xmlns:a16="http://schemas.microsoft.com/office/drawing/2014/main" id="{23B58037-CDAC-EDE8-7112-24AAB31B6F70}"/>
+                  </a:ext>
+                </a:extLst>
+              </p:cNvPr>
+              <p:cNvSpPr/>
+              <p:nvPr/>
+            </p:nvSpPr>
+            <p:spPr>
+              <a:xfrm>
+                <a:off x="5813789" y="3357294"/>
+                <a:ext cx="577578" cy="577578"/>
+              </a:xfrm>
+              <a:prstGeom prst="ellipse">
+                <a:avLst/>
+              </a:prstGeom>
+              <a:grpFill/>
+              <a:ln w="38100">
+                <a:solidFill>
+                  <a:schemeClr val="tx1">
+                    <a:lumMod val="65000"/>
+                    <a:lumOff val="35000"/>
+                  </a:schemeClr>
+                </a:solidFill>
+              </a:ln>
+            </p:spPr>
+            <p:style>
+              <a:lnRef idx="2">
+                <a:schemeClr val="accent1">
+                  <a:shade val="50000"/>
+                </a:schemeClr>
+              </a:lnRef>
+              <a:fillRef idx="1">
+                <a:schemeClr val="accent1"/>
+              </a:fillRef>
+              <a:effectRef idx="0">
+                <a:schemeClr val="accent1"/>
+              </a:effectRef>
+              <a:fontRef idx="minor">
+                <a:schemeClr val="lt1"/>
+              </a:fontRef>
+            </p:style>
+            <p:txBody>
+              <a:bodyPr rtlCol="0" anchor="ctr"/>
+              <a:lstStyle/>
+              <a:p>
+                <a:pPr algn="ctr"/>
+                <a:endParaRPr kumimoji="1" lang="ja-JP" altLang="en-US"/>
+              </a:p>
+            </p:txBody>
+          </p:sp>
+          <p:sp>
+            <p:nvSpPr>
+              <p:cNvPr id="172" name="楕円 171">
+                <a:extLst>
+                  <a:ext uri="{FF2B5EF4-FFF2-40B4-BE49-F238E27FC236}">
+                    <a16:creationId xmlns:a16="http://schemas.microsoft.com/office/drawing/2014/main" id="{7349B49E-C909-D4DB-C39C-07A3B737501C}"/>
+                  </a:ext>
+                </a:extLst>
+              </p:cNvPr>
+              <p:cNvSpPr/>
+              <p:nvPr/>
+            </p:nvSpPr>
+            <p:spPr>
+              <a:xfrm>
+                <a:off x="3658691" y="2654504"/>
+                <a:ext cx="577578" cy="577578"/>
+              </a:xfrm>
+              <a:prstGeom prst="ellipse">
+                <a:avLst/>
+              </a:prstGeom>
+              <a:grpFill/>
+              <a:ln w="38100">
+                <a:solidFill>
+                  <a:schemeClr val="tx1">
+                    <a:lumMod val="65000"/>
+                    <a:lumOff val="35000"/>
+                  </a:schemeClr>
+                </a:solidFill>
+              </a:ln>
+            </p:spPr>
+            <p:style>
+              <a:lnRef idx="2">
+                <a:schemeClr val="accent1">
+                  <a:shade val="50000"/>
+                </a:schemeClr>
+              </a:lnRef>
+              <a:fillRef idx="1">
+                <a:schemeClr val="accent1"/>
+              </a:fillRef>
+              <a:effectRef idx="0">
+                <a:schemeClr val="accent1"/>
+              </a:effectRef>
+              <a:fontRef idx="minor">
+                <a:schemeClr val="lt1"/>
+              </a:fontRef>
+            </p:style>
+            <p:txBody>
+              <a:bodyPr rtlCol="0" anchor="ctr"/>
+              <a:lstStyle/>
+              <a:p>
+                <a:pPr algn="ctr"/>
+                <a:endParaRPr kumimoji="1" lang="ja-JP" altLang="en-US"/>
+              </a:p>
+            </p:txBody>
+          </p:sp>
+          <p:sp>
+            <p:nvSpPr>
+              <p:cNvPr id="173" name="楕円 172">
+                <a:extLst>
+                  <a:ext uri="{FF2B5EF4-FFF2-40B4-BE49-F238E27FC236}">
+                    <a16:creationId xmlns:a16="http://schemas.microsoft.com/office/drawing/2014/main" id="{3455F761-D075-A960-2BB2-2E44DFBA161B}"/>
+                  </a:ext>
+                </a:extLst>
+              </p:cNvPr>
+              <p:cNvSpPr/>
+              <p:nvPr/>
+            </p:nvSpPr>
+            <p:spPr>
+              <a:xfrm>
+                <a:off x="4468932" y="5186420"/>
+                <a:ext cx="577578" cy="577578"/>
+              </a:xfrm>
+              <a:prstGeom prst="ellipse">
+                <a:avLst/>
+              </a:prstGeom>
+              <a:grpFill/>
+              <a:ln w="38100">
+                <a:solidFill>
+                  <a:schemeClr val="tx1">
+                    <a:lumMod val="65000"/>
+                    <a:lumOff val="35000"/>
+                  </a:schemeClr>
+                </a:solidFill>
+              </a:ln>
+            </p:spPr>
+            <p:style>
+              <a:lnRef idx="2">
+                <a:schemeClr val="accent1">
+                  <a:shade val="50000"/>
+                </a:schemeClr>
+              </a:lnRef>
+              <a:fillRef idx="1">
+                <a:schemeClr val="accent1"/>
+              </a:fillRef>
+              <a:effectRef idx="0">
+                <a:schemeClr val="accent1"/>
+              </a:effectRef>
+              <a:fontRef idx="minor">
+                <a:schemeClr val="lt1"/>
+              </a:fontRef>
+            </p:style>
+            <p:txBody>
+              <a:bodyPr rtlCol="0" anchor="ctr"/>
+              <a:lstStyle/>
+              <a:p>
+                <a:pPr algn="ctr"/>
+                <a:endParaRPr kumimoji="1" lang="ja-JP" altLang="en-US"/>
+              </a:p>
+            </p:txBody>
+          </p:sp>
+          <p:sp>
+            <p:nvSpPr>
+              <p:cNvPr id="174" name="楕円 173">
+                <a:extLst>
+                  <a:ext uri="{FF2B5EF4-FFF2-40B4-BE49-F238E27FC236}">
+                    <a16:creationId xmlns:a16="http://schemas.microsoft.com/office/drawing/2014/main" id="{11D89B18-0B4A-C2F1-39FB-CF8616755103}"/>
+                  </a:ext>
+                </a:extLst>
+              </p:cNvPr>
+              <p:cNvSpPr/>
+              <p:nvPr/>
+            </p:nvSpPr>
+            <p:spPr>
+              <a:xfrm>
+                <a:off x="7145492" y="5186420"/>
+                <a:ext cx="577578" cy="577578"/>
+              </a:xfrm>
+              <a:prstGeom prst="ellipse">
+                <a:avLst/>
+              </a:prstGeom>
+              <a:grpFill/>
+              <a:ln w="38100">
+                <a:solidFill>
+                  <a:schemeClr val="tx1">
+                    <a:lumMod val="65000"/>
+                    <a:lumOff val="35000"/>
+                  </a:schemeClr>
+                </a:solidFill>
+              </a:ln>
+            </p:spPr>
+            <p:style>
+              <a:lnRef idx="2">
+                <a:schemeClr val="accent1">
+                  <a:shade val="50000"/>
+                </a:schemeClr>
+              </a:lnRef>
+              <a:fillRef idx="1">
+                <a:schemeClr val="accent1"/>
+              </a:fillRef>
+              <a:effectRef idx="0">
+                <a:schemeClr val="accent1"/>
+              </a:effectRef>
+              <a:fontRef idx="minor">
+                <a:schemeClr val="lt1"/>
+              </a:fontRef>
+            </p:style>
+            <p:txBody>
+              <a:bodyPr rtlCol="0" anchor="ctr"/>
+              <a:lstStyle/>
+              <a:p>
+                <a:pPr algn="ctr"/>
+                <a:endParaRPr kumimoji="1" lang="ja-JP" altLang="en-US"/>
+              </a:p>
+            </p:txBody>
+          </p:sp>
+          <p:sp>
+            <p:nvSpPr>
+              <p:cNvPr id="175" name="楕円 174">
+                <a:extLst>
+                  <a:ext uri="{FF2B5EF4-FFF2-40B4-BE49-F238E27FC236}">
+                    <a16:creationId xmlns:a16="http://schemas.microsoft.com/office/drawing/2014/main" id="{3C1BF8A5-6B61-B3EB-0F3E-5E2704946EB8}"/>
+                  </a:ext>
+                </a:extLst>
+              </p:cNvPr>
+              <p:cNvSpPr/>
+              <p:nvPr/>
+            </p:nvSpPr>
+            <p:spPr>
+              <a:xfrm>
+                <a:off x="7955731" y="2654504"/>
+                <a:ext cx="577578" cy="577578"/>
+              </a:xfrm>
+              <a:prstGeom prst="ellipse">
+                <a:avLst/>
+              </a:prstGeom>
+              <a:grpFill/>
+              <a:ln w="38100">
+                <a:solidFill>
+                  <a:schemeClr val="tx1">
+                    <a:lumMod val="65000"/>
+                    <a:lumOff val="35000"/>
+                  </a:schemeClr>
+                </a:solidFill>
+              </a:ln>
+            </p:spPr>
+            <p:style>
+              <a:lnRef idx="2">
+                <a:schemeClr val="accent1">
+                  <a:shade val="50000"/>
+                </a:schemeClr>
+              </a:lnRef>
+              <a:fillRef idx="1">
+                <a:schemeClr val="accent1"/>
+              </a:fillRef>
+              <a:effectRef idx="0">
+                <a:schemeClr val="accent1"/>
+              </a:effectRef>
+              <a:fontRef idx="minor">
+                <a:schemeClr val="lt1"/>
+              </a:fontRef>
+            </p:style>
+            <p:txBody>
+              <a:bodyPr rtlCol="0" anchor="ctr"/>
+              <a:lstStyle/>
+              <a:p>
+                <a:pPr algn="ctr"/>
+                <a:endParaRPr kumimoji="1" lang="ja-JP" altLang="en-US"/>
+              </a:p>
+            </p:txBody>
+          </p:sp>
+          <p:sp>
+            <p:nvSpPr>
+              <p:cNvPr id="176" name="楕円 175">
+                <a:extLst>
+                  <a:ext uri="{FF2B5EF4-FFF2-40B4-BE49-F238E27FC236}">
+                    <a16:creationId xmlns:a16="http://schemas.microsoft.com/office/drawing/2014/main" id="{0631052F-E6CD-1FE5-BE4B-9447C2C24A77}"/>
+                  </a:ext>
+                </a:extLst>
+              </p:cNvPr>
+              <p:cNvSpPr/>
+              <p:nvPr/>
+            </p:nvSpPr>
+            <p:spPr>
+              <a:xfrm>
+                <a:off x="5807211" y="1115711"/>
+                <a:ext cx="577578" cy="577578"/>
+              </a:xfrm>
+              <a:prstGeom prst="ellipse">
+                <a:avLst/>
+              </a:prstGeom>
+              <a:grpFill/>
+              <a:ln w="38100">
+                <a:solidFill>
+                  <a:schemeClr val="tx1">
+                    <a:lumMod val="65000"/>
+                    <a:lumOff val="35000"/>
+                  </a:schemeClr>
+                </a:solidFill>
+              </a:ln>
+            </p:spPr>
+            <p:style>
+              <a:lnRef idx="2">
+                <a:schemeClr val="accent1">
+                  <a:shade val="50000"/>
+                </a:schemeClr>
+              </a:lnRef>
+              <a:fillRef idx="1">
+                <a:schemeClr val="accent1"/>
+              </a:fillRef>
+              <a:effectRef idx="0">
+                <a:schemeClr val="accent1"/>
+              </a:effectRef>
+              <a:fontRef idx="minor">
+                <a:schemeClr val="lt1"/>
+              </a:fontRef>
+            </p:style>
+            <p:txBody>
+              <a:bodyPr rtlCol="0" anchor="ctr"/>
+              <a:lstStyle/>
+              <a:p>
+                <a:pPr algn="ctr"/>
+                <a:endParaRPr kumimoji="1" lang="ja-JP" altLang="en-US"/>
+              </a:p>
+            </p:txBody>
+          </p:sp>
+          <p:cxnSp>
+            <p:nvCxnSpPr>
+              <p:cNvPr id="177" name="直線コネクタ 176">
+                <a:extLst>
+                  <a:ext uri="{FF2B5EF4-FFF2-40B4-BE49-F238E27FC236}">
+                    <a16:creationId xmlns:a16="http://schemas.microsoft.com/office/drawing/2014/main" id="{85D97024-0058-9FBB-DC26-8A7716476BA8}"/>
+                  </a:ext>
+                </a:extLst>
+              </p:cNvPr>
+              <p:cNvCxnSpPr>
+                <a:cxnSpLocks/>
+              </p:cNvCxnSpPr>
+              <p:nvPr/>
+            </p:nvCxnSpPr>
+            <p:spPr>
+              <a:xfrm flipV="1">
+                <a:off x="6096000" y="2945951"/>
+                <a:ext cx="2146757" cy="691914"/>
+              </a:xfrm>
+              <a:prstGeom prst="line">
+                <a:avLst/>
+              </a:prstGeom>
+              <a:grpFill/>
+              <a:ln w="38100">
+                <a:solidFill>
+                  <a:schemeClr val="tx1">
+                    <a:lumMod val="65000"/>
+                    <a:lumOff val="35000"/>
+                  </a:schemeClr>
+                </a:solidFill>
+              </a:ln>
+            </p:spPr>
+            <p:style>
+              <a:lnRef idx="1">
+                <a:schemeClr val="accent1"/>
+              </a:lnRef>
+              <a:fillRef idx="0">
+                <a:schemeClr val="accent1"/>
+              </a:fillRef>
+              <a:effectRef idx="0">
+                <a:schemeClr val="accent1"/>
+              </a:effectRef>
+              <a:fontRef idx="minor">
+                <a:schemeClr val="tx1"/>
+              </a:fontRef>
+            </p:style>
+          </p:cxnSp>
+        </p:grpSp>
+        <p:grpSp>
+          <p:nvGrpSpPr>
+            <p:cNvPr id="131" name="グループ化 130">
+              <a:extLst>
+                <a:ext uri="{FF2B5EF4-FFF2-40B4-BE49-F238E27FC236}">
+                  <a16:creationId xmlns:a16="http://schemas.microsoft.com/office/drawing/2014/main" id="{2E39547A-FD9A-6499-CE0C-C13E06295551}"/>
+                </a:ext>
+              </a:extLst>
+            </p:cNvPr>
+            <p:cNvGrpSpPr/>
+            <p:nvPr/>
+          </p:nvGrpSpPr>
+          <p:grpSpPr>
+            <a:xfrm rot="-1800000">
+              <a:off x="3556442" y="1139120"/>
+              <a:ext cx="4874618" cy="4648287"/>
+              <a:chOff x="3658691" y="1115711"/>
+              <a:chExt cx="4874618" cy="4648287"/>
+            </a:xfrm>
+            <a:solidFill>
+              <a:schemeClr val="tx1">
+                <a:lumMod val="75000"/>
+                <a:lumOff val="25000"/>
+              </a:schemeClr>
+            </a:solidFill>
+          </p:grpSpPr>
+          <p:cxnSp>
+            <p:nvCxnSpPr>
+              <p:cNvPr id="156" name="直線コネクタ 155">
+                <a:extLst>
+                  <a:ext uri="{FF2B5EF4-FFF2-40B4-BE49-F238E27FC236}">
+                    <a16:creationId xmlns:a16="http://schemas.microsoft.com/office/drawing/2014/main" id="{F766A780-C1C6-8528-2DBD-137BAE509B0C}"/>
+                  </a:ext>
+                </a:extLst>
+              </p:cNvPr>
+              <p:cNvCxnSpPr>
+                <a:cxnSpLocks/>
+              </p:cNvCxnSpPr>
+              <p:nvPr/>
+            </p:nvCxnSpPr>
+            <p:spPr>
+              <a:xfrm>
+                <a:off x="6096000" y="1382790"/>
+                <a:ext cx="0" cy="2255075"/>
+              </a:xfrm>
+              <a:prstGeom prst="line">
+                <a:avLst/>
+              </a:prstGeom>
+              <a:grpFill/>
+              <a:ln w="38100">
+                <a:solidFill>
+                  <a:schemeClr val="tx1">
+                    <a:lumMod val="75000"/>
+                    <a:lumOff val="25000"/>
+                  </a:schemeClr>
+                </a:solidFill>
+              </a:ln>
+            </p:spPr>
+            <p:style>
+              <a:lnRef idx="1">
+                <a:schemeClr val="accent1"/>
+              </a:lnRef>
+              <a:fillRef idx="0">
+                <a:schemeClr val="accent1"/>
+              </a:fillRef>
+              <a:effectRef idx="0">
+                <a:schemeClr val="accent1"/>
+              </a:effectRef>
+              <a:fontRef idx="minor">
+                <a:schemeClr val="tx1"/>
+              </a:fontRef>
+            </p:style>
+          </p:cxnSp>
+          <p:cxnSp>
+            <p:nvCxnSpPr>
+              <p:cNvPr id="157" name="直線コネクタ 156">
+                <a:extLst>
+                  <a:ext uri="{FF2B5EF4-FFF2-40B4-BE49-F238E27FC236}">
+                    <a16:creationId xmlns:a16="http://schemas.microsoft.com/office/drawing/2014/main" id="{6B8E18B6-7B41-D93A-B490-51C529E4F50A}"/>
+                  </a:ext>
+                </a:extLst>
+              </p:cNvPr>
+              <p:cNvCxnSpPr>
+                <a:cxnSpLocks/>
+              </p:cNvCxnSpPr>
+              <p:nvPr/>
+            </p:nvCxnSpPr>
+            <p:spPr>
+              <a:xfrm>
+                <a:off x="6096000" y="3637865"/>
+                <a:ext cx="1327856" cy="1837334"/>
+              </a:xfrm>
+              <a:prstGeom prst="line">
+                <a:avLst/>
+              </a:prstGeom>
+              <a:grpFill/>
+              <a:ln w="38100">
+                <a:solidFill>
+                  <a:schemeClr val="tx1">
+                    <a:lumMod val="75000"/>
+                    <a:lumOff val="25000"/>
+                  </a:schemeClr>
+                </a:solidFill>
+              </a:ln>
+            </p:spPr>
+            <p:style>
+              <a:lnRef idx="1">
+                <a:schemeClr val="accent1"/>
+              </a:lnRef>
+              <a:fillRef idx="0">
+                <a:schemeClr val="accent1"/>
+              </a:fillRef>
+              <a:effectRef idx="0">
+                <a:schemeClr val="accent1"/>
+              </a:effectRef>
+              <a:fontRef idx="minor">
+                <a:schemeClr val="tx1"/>
+              </a:fontRef>
+            </p:style>
+          </p:cxnSp>
+          <p:cxnSp>
+            <p:nvCxnSpPr>
+              <p:cNvPr id="158" name="直線コネクタ 157">
+                <a:extLst>
+                  <a:ext uri="{FF2B5EF4-FFF2-40B4-BE49-F238E27FC236}">
+                    <a16:creationId xmlns:a16="http://schemas.microsoft.com/office/drawing/2014/main" id="{5AC0E032-5C15-6738-B272-0A1FA25374BB}"/>
+                  </a:ext>
+                </a:extLst>
+              </p:cNvPr>
+              <p:cNvCxnSpPr>
+                <a:cxnSpLocks/>
+              </p:cNvCxnSpPr>
+              <p:nvPr/>
+            </p:nvCxnSpPr>
+            <p:spPr>
+              <a:xfrm flipV="1">
+                <a:off x="4768144" y="3637865"/>
+                <a:ext cx="1327856" cy="1837334"/>
+              </a:xfrm>
+              <a:prstGeom prst="line">
+                <a:avLst/>
+              </a:prstGeom>
+              <a:grpFill/>
+              <a:ln w="38100">
+                <a:solidFill>
+                  <a:schemeClr val="tx1">
+                    <a:lumMod val="75000"/>
+                    <a:lumOff val="25000"/>
+                  </a:schemeClr>
+                </a:solidFill>
+              </a:ln>
+            </p:spPr>
+            <p:style>
+              <a:lnRef idx="1">
+                <a:schemeClr val="accent1"/>
+              </a:lnRef>
+              <a:fillRef idx="0">
+                <a:schemeClr val="accent1"/>
+              </a:fillRef>
+              <a:effectRef idx="0">
+                <a:schemeClr val="accent1"/>
+              </a:effectRef>
+              <a:fontRef idx="minor">
+                <a:schemeClr val="tx1"/>
+              </a:fontRef>
+            </p:style>
+          </p:cxnSp>
+          <p:cxnSp>
+            <p:nvCxnSpPr>
+              <p:cNvPr id="159" name="直線コネクタ 158">
+                <a:extLst>
+                  <a:ext uri="{FF2B5EF4-FFF2-40B4-BE49-F238E27FC236}">
+                    <a16:creationId xmlns:a16="http://schemas.microsoft.com/office/drawing/2014/main" id="{14D19AB6-DCF6-51AA-399F-AD12D70D64F1}"/>
+                  </a:ext>
+                </a:extLst>
+              </p:cNvPr>
+              <p:cNvCxnSpPr>
+                <a:cxnSpLocks/>
+              </p:cNvCxnSpPr>
+              <p:nvPr/>
+            </p:nvCxnSpPr>
+            <p:spPr>
+              <a:xfrm>
+                <a:off x="3947485" y="2945951"/>
+                <a:ext cx="2148515" cy="691914"/>
+              </a:xfrm>
+              <a:prstGeom prst="line">
+                <a:avLst/>
+              </a:prstGeom>
+              <a:grpFill/>
+              <a:ln w="38100">
+                <a:solidFill>
+                  <a:schemeClr val="tx1">
+                    <a:lumMod val="75000"/>
+                    <a:lumOff val="25000"/>
+                  </a:schemeClr>
+                </a:solidFill>
+              </a:ln>
+            </p:spPr>
+            <p:style>
+              <a:lnRef idx="1">
+                <a:schemeClr val="accent1"/>
+              </a:lnRef>
+              <a:fillRef idx="0">
+                <a:schemeClr val="accent1"/>
+              </a:fillRef>
+              <a:effectRef idx="0">
+                <a:schemeClr val="accent1"/>
+              </a:effectRef>
+              <a:fontRef idx="minor">
+                <a:schemeClr val="tx1"/>
+              </a:fontRef>
+            </p:style>
+          </p:cxnSp>
+          <p:sp>
+            <p:nvSpPr>
+              <p:cNvPr id="160" name="楕円 159">
+                <a:extLst>
+                  <a:ext uri="{FF2B5EF4-FFF2-40B4-BE49-F238E27FC236}">
+                    <a16:creationId xmlns:a16="http://schemas.microsoft.com/office/drawing/2014/main" id="{CB4AB01A-5C9D-6A1D-653C-A34FEB693DA6}"/>
+                  </a:ext>
+                </a:extLst>
+              </p:cNvPr>
+              <p:cNvSpPr/>
+              <p:nvPr/>
+            </p:nvSpPr>
+            <p:spPr>
+              <a:xfrm>
+                <a:off x="5813789" y="3357294"/>
+                <a:ext cx="577578" cy="577578"/>
+              </a:xfrm>
+              <a:prstGeom prst="ellipse">
+                <a:avLst/>
+              </a:prstGeom>
+              <a:grpFill/>
+              <a:ln w="38100">
+                <a:solidFill>
+                  <a:schemeClr val="tx1">
+                    <a:lumMod val="75000"/>
+                    <a:lumOff val="25000"/>
+                  </a:schemeClr>
+                </a:solidFill>
+              </a:ln>
+            </p:spPr>
+            <p:style>
+              <a:lnRef idx="2">
+                <a:schemeClr val="accent1">
+                  <a:shade val="50000"/>
+                </a:schemeClr>
+              </a:lnRef>
+              <a:fillRef idx="1">
+                <a:schemeClr val="accent1"/>
+              </a:fillRef>
+              <a:effectRef idx="0">
+                <a:schemeClr val="accent1"/>
+              </a:effectRef>
+              <a:fontRef idx="minor">
+                <a:schemeClr val="lt1"/>
+              </a:fontRef>
+            </p:style>
+            <p:txBody>
+              <a:bodyPr rtlCol="0" anchor="ctr"/>
+              <a:lstStyle/>
+              <a:p>
+                <a:pPr algn="ctr"/>
+                <a:endParaRPr kumimoji="1" lang="ja-JP" altLang="en-US"/>
+              </a:p>
+            </p:txBody>
+          </p:sp>
+          <p:sp>
+            <p:nvSpPr>
+              <p:cNvPr id="161" name="楕円 160">
+                <a:extLst>
+                  <a:ext uri="{FF2B5EF4-FFF2-40B4-BE49-F238E27FC236}">
+                    <a16:creationId xmlns:a16="http://schemas.microsoft.com/office/drawing/2014/main" id="{9B558F88-0387-B40D-3005-B7EBAA2ECC71}"/>
+                  </a:ext>
+                </a:extLst>
+              </p:cNvPr>
+              <p:cNvSpPr/>
+              <p:nvPr/>
+            </p:nvSpPr>
+            <p:spPr>
+              <a:xfrm>
+                <a:off x="3658691" y="2654504"/>
+                <a:ext cx="577578" cy="577578"/>
+              </a:xfrm>
+              <a:prstGeom prst="ellipse">
+                <a:avLst/>
+              </a:prstGeom>
+              <a:grpFill/>
+              <a:ln w="38100">
+                <a:solidFill>
+                  <a:schemeClr val="tx1">
+                    <a:lumMod val="75000"/>
+                    <a:lumOff val="25000"/>
+                  </a:schemeClr>
+                </a:solidFill>
+              </a:ln>
+            </p:spPr>
+            <p:style>
+              <a:lnRef idx="2">
+                <a:schemeClr val="accent1">
+                  <a:shade val="50000"/>
+                </a:schemeClr>
+              </a:lnRef>
+              <a:fillRef idx="1">
+                <a:schemeClr val="accent1"/>
+              </a:fillRef>
+              <a:effectRef idx="0">
+                <a:schemeClr val="accent1"/>
+              </a:effectRef>
+              <a:fontRef idx="minor">
+                <a:schemeClr val="lt1"/>
+              </a:fontRef>
+            </p:style>
+            <p:txBody>
+              <a:bodyPr rtlCol="0" anchor="ctr"/>
+              <a:lstStyle/>
+              <a:p>
+                <a:pPr algn="ctr"/>
+                <a:endParaRPr kumimoji="1" lang="ja-JP" altLang="en-US"/>
+              </a:p>
+            </p:txBody>
+          </p:sp>
+          <p:sp>
+            <p:nvSpPr>
+              <p:cNvPr id="162" name="楕円 161">
+                <a:extLst>
+                  <a:ext uri="{FF2B5EF4-FFF2-40B4-BE49-F238E27FC236}">
+                    <a16:creationId xmlns:a16="http://schemas.microsoft.com/office/drawing/2014/main" id="{1EC7E7CA-251C-D5C2-7C32-637920B5349F}"/>
+                  </a:ext>
+                </a:extLst>
+              </p:cNvPr>
+              <p:cNvSpPr/>
+              <p:nvPr/>
+            </p:nvSpPr>
+            <p:spPr>
+              <a:xfrm>
+                <a:off x="4468932" y="5186420"/>
+                <a:ext cx="577578" cy="577578"/>
+              </a:xfrm>
+              <a:prstGeom prst="ellipse">
+                <a:avLst/>
+              </a:prstGeom>
+              <a:grpFill/>
+              <a:ln w="38100">
+                <a:solidFill>
+                  <a:schemeClr val="tx1">
+                    <a:lumMod val="75000"/>
+                    <a:lumOff val="25000"/>
+                  </a:schemeClr>
+                </a:solidFill>
+              </a:ln>
+            </p:spPr>
+            <p:style>
+              <a:lnRef idx="2">
+                <a:schemeClr val="accent1">
+                  <a:shade val="50000"/>
+                </a:schemeClr>
+              </a:lnRef>
+              <a:fillRef idx="1">
+                <a:schemeClr val="accent1"/>
+              </a:fillRef>
+              <a:effectRef idx="0">
+                <a:schemeClr val="accent1"/>
+              </a:effectRef>
+              <a:fontRef idx="minor">
+                <a:schemeClr val="lt1"/>
+              </a:fontRef>
+            </p:style>
+            <p:txBody>
+              <a:bodyPr rtlCol="0" anchor="ctr"/>
+              <a:lstStyle/>
+              <a:p>
+                <a:pPr algn="ctr"/>
+                <a:endParaRPr kumimoji="1" lang="ja-JP" altLang="en-US"/>
+              </a:p>
+            </p:txBody>
+          </p:sp>
+          <p:sp>
+            <p:nvSpPr>
+              <p:cNvPr id="163" name="楕円 162">
+                <a:extLst>
+                  <a:ext uri="{FF2B5EF4-FFF2-40B4-BE49-F238E27FC236}">
+                    <a16:creationId xmlns:a16="http://schemas.microsoft.com/office/drawing/2014/main" id="{C8DEB525-0855-EF57-AE76-AE7AA8A4265B}"/>
+                  </a:ext>
+                </a:extLst>
+              </p:cNvPr>
+              <p:cNvSpPr/>
+              <p:nvPr/>
+            </p:nvSpPr>
+            <p:spPr>
+              <a:xfrm>
+                <a:off x="7145492" y="5186420"/>
+                <a:ext cx="577578" cy="577578"/>
+              </a:xfrm>
+              <a:prstGeom prst="ellipse">
+                <a:avLst/>
+              </a:prstGeom>
+              <a:grpFill/>
+              <a:ln w="38100">
+                <a:solidFill>
+                  <a:schemeClr val="tx1">
+                    <a:lumMod val="75000"/>
+                    <a:lumOff val="25000"/>
+                  </a:schemeClr>
+                </a:solidFill>
+              </a:ln>
+            </p:spPr>
+            <p:style>
+              <a:lnRef idx="2">
+                <a:schemeClr val="accent1">
+                  <a:shade val="50000"/>
+                </a:schemeClr>
+              </a:lnRef>
+              <a:fillRef idx="1">
+                <a:schemeClr val="accent1"/>
+              </a:fillRef>
+              <a:effectRef idx="0">
+                <a:schemeClr val="accent1"/>
+              </a:effectRef>
+              <a:fontRef idx="minor">
+                <a:schemeClr val="lt1"/>
+              </a:fontRef>
+            </p:style>
+            <p:txBody>
+              <a:bodyPr rtlCol="0" anchor="ctr"/>
+              <a:lstStyle/>
+              <a:p>
+                <a:pPr algn="ctr"/>
+                <a:endParaRPr kumimoji="1" lang="ja-JP" altLang="en-US"/>
+              </a:p>
+            </p:txBody>
+          </p:sp>
+          <p:sp>
+            <p:nvSpPr>
+              <p:cNvPr id="164" name="楕円 163">
+                <a:extLst>
+                  <a:ext uri="{FF2B5EF4-FFF2-40B4-BE49-F238E27FC236}">
+                    <a16:creationId xmlns:a16="http://schemas.microsoft.com/office/drawing/2014/main" id="{EDBD9335-705A-2B27-9FC5-FBA332A43E95}"/>
+                  </a:ext>
+                </a:extLst>
+              </p:cNvPr>
+              <p:cNvSpPr/>
+              <p:nvPr/>
+            </p:nvSpPr>
+            <p:spPr>
+              <a:xfrm>
+                <a:off x="7955731" y="2654504"/>
+                <a:ext cx="577578" cy="577578"/>
+              </a:xfrm>
+              <a:prstGeom prst="ellipse">
+                <a:avLst/>
+              </a:prstGeom>
+              <a:grpFill/>
+              <a:ln w="38100">
+                <a:solidFill>
+                  <a:schemeClr val="tx1">
+                    <a:lumMod val="75000"/>
+                    <a:lumOff val="25000"/>
+                  </a:schemeClr>
+                </a:solidFill>
+              </a:ln>
+            </p:spPr>
+            <p:style>
+              <a:lnRef idx="2">
+                <a:schemeClr val="accent1">
+                  <a:shade val="50000"/>
+                </a:schemeClr>
+              </a:lnRef>
+              <a:fillRef idx="1">
+                <a:schemeClr val="accent1"/>
+              </a:fillRef>
+              <a:effectRef idx="0">
+                <a:schemeClr val="accent1"/>
+              </a:effectRef>
+              <a:fontRef idx="minor">
+                <a:schemeClr val="lt1"/>
+              </a:fontRef>
+            </p:style>
+            <p:txBody>
+              <a:bodyPr rtlCol="0" anchor="ctr"/>
+              <a:lstStyle/>
+              <a:p>
+                <a:pPr algn="ctr"/>
+                <a:endParaRPr kumimoji="1" lang="ja-JP" altLang="en-US"/>
+              </a:p>
+            </p:txBody>
+          </p:sp>
+          <p:sp>
+            <p:nvSpPr>
+              <p:cNvPr id="165" name="楕円 164">
+                <a:extLst>
+                  <a:ext uri="{FF2B5EF4-FFF2-40B4-BE49-F238E27FC236}">
+                    <a16:creationId xmlns:a16="http://schemas.microsoft.com/office/drawing/2014/main" id="{B5566AAC-3D19-720E-9D7A-C367E23B334C}"/>
+                  </a:ext>
+                </a:extLst>
+              </p:cNvPr>
+              <p:cNvSpPr/>
+              <p:nvPr/>
+            </p:nvSpPr>
+            <p:spPr>
+              <a:xfrm>
+                <a:off x="5807211" y="1115711"/>
+                <a:ext cx="577578" cy="577578"/>
+              </a:xfrm>
+              <a:prstGeom prst="ellipse">
+                <a:avLst/>
+              </a:prstGeom>
+              <a:grpFill/>
+              <a:ln w="38100">
+                <a:solidFill>
+                  <a:schemeClr val="tx1">
+                    <a:lumMod val="75000"/>
+                    <a:lumOff val="25000"/>
+                  </a:schemeClr>
+                </a:solidFill>
+              </a:ln>
+            </p:spPr>
+            <p:style>
+              <a:lnRef idx="2">
+                <a:schemeClr val="accent1">
+                  <a:shade val="50000"/>
+                </a:schemeClr>
+              </a:lnRef>
+              <a:fillRef idx="1">
+                <a:schemeClr val="accent1"/>
+              </a:fillRef>
+              <a:effectRef idx="0">
+                <a:schemeClr val="accent1"/>
+              </a:effectRef>
+              <a:fontRef idx="minor">
+                <a:schemeClr val="lt1"/>
+              </a:fontRef>
+            </p:style>
+            <p:txBody>
+              <a:bodyPr rtlCol="0" anchor="ctr"/>
+              <a:lstStyle/>
+              <a:p>
+                <a:pPr algn="ctr"/>
+                <a:endParaRPr kumimoji="1" lang="ja-JP" altLang="en-US"/>
+              </a:p>
+            </p:txBody>
+          </p:sp>
+          <p:cxnSp>
+            <p:nvCxnSpPr>
+              <p:cNvPr id="166" name="直線コネクタ 165">
+                <a:extLst>
+                  <a:ext uri="{FF2B5EF4-FFF2-40B4-BE49-F238E27FC236}">
+                    <a16:creationId xmlns:a16="http://schemas.microsoft.com/office/drawing/2014/main" id="{FDB672C0-F550-87E1-A5AF-A134788E17DF}"/>
+                  </a:ext>
+                </a:extLst>
+              </p:cNvPr>
+              <p:cNvCxnSpPr>
+                <a:cxnSpLocks/>
+              </p:cNvCxnSpPr>
+              <p:nvPr/>
+            </p:nvCxnSpPr>
+            <p:spPr>
+              <a:xfrm flipV="1">
+                <a:off x="6096000" y="2945951"/>
+                <a:ext cx="2146757" cy="691914"/>
+              </a:xfrm>
+              <a:prstGeom prst="line">
+                <a:avLst/>
+              </a:prstGeom>
+              <a:grpFill/>
+              <a:ln w="38100">
+                <a:solidFill>
+                  <a:schemeClr val="tx1">
+                    <a:lumMod val="75000"/>
+                    <a:lumOff val="25000"/>
+                  </a:schemeClr>
+                </a:solidFill>
+              </a:ln>
+            </p:spPr>
+            <p:style>
+              <a:lnRef idx="1">
+                <a:schemeClr val="accent1"/>
+              </a:lnRef>
+              <a:fillRef idx="0">
+                <a:schemeClr val="accent1"/>
+              </a:fillRef>
+              <a:effectRef idx="0">
+                <a:schemeClr val="accent1"/>
+              </a:effectRef>
+              <a:fontRef idx="minor">
+                <a:schemeClr val="tx1"/>
+              </a:fontRef>
+            </p:style>
+          </p:cxnSp>
+        </p:grpSp>
+        <p:grpSp>
+          <p:nvGrpSpPr>
+            <p:cNvPr id="132" name="グループ化 131">
+              <a:extLst>
+                <a:ext uri="{FF2B5EF4-FFF2-40B4-BE49-F238E27FC236}">
+                  <a16:creationId xmlns:a16="http://schemas.microsoft.com/office/drawing/2014/main" id="{41D85499-33FB-809E-81C9-78A51813BEFD}"/>
+                </a:ext>
+              </a:extLst>
+            </p:cNvPr>
+            <p:cNvGrpSpPr/>
+            <p:nvPr/>
+          </p:nvGrpSpPr>
+          <p:grpSpPr>
+            <a:xfrm rot="-2100000">
+              <a:off x="3539802" y="1152277"/>
+              <a:ext cx="4874618" cy="4648287"/>
+              <a:chOff x="3658691" y="1115711"/>
+              <a:chExt cx="4874618" cy="4648287"/>
+            </a:xfrm>
+            <a:solidFill>
+              <a:schemeClr val="tx1">
+                <a:lumMod val="85000"/>
+                <a:lumOff val="15000"/>
+              </a:schemeClr>
+            </a:solidFill>
+          </p:grpSpPr>
+          <p:cxnSp>
+            <p:nvCxnSpPr>
+              <p:cNvPr id="145" name="直線コネクタ 144">
+                <a:extLst>
+                  <a:ext uri="{FF2B5EF4-FFF2-40B4-BE49-F238E27FC236}">
+                    <a16:creationId xmlns:a16="http://schemas.microsoft.com/office/drawing/2014/main" id="{C6A2788B-996A-6B67-CB72-67B2302CF62C}"/>
+                  </a:ext>
+                </a:extLst>
+              </p:cNvPr>
+              <p:cNvCxnSpPr>
+                <a:cxnSpLocks/>
+              </p:cNvCxnSpPr>
+              <p:nvPr/>
+            </p:nvCxnSpPr>
+            <p:spPr>
+              <a:xfrm>
+                <a:off x="6096000" y="1382790"/>
+                <a:ext cx="0" cy="2255075"/>
+              </a:xfrm>
+              <a:prstGeom prst="line">
+                <a:avLst/>
+              </a:prstGeom>
+              <a:grpFill/>
+              <a:ln w="38100">
+                <a:solidFill>
+                  <a:schemeClr val="tx1">
+                    <a:lumMod val="85000"/>
+                    <a:lumOff val="15000"/>
+                  </a:schemeClr>
+                </a:solidFill>
+              </a:ln>
+            </p:spPr>
+            <p:style>
+              <a:lnRef idx="1">
+                <a:schemeClr val="accent1"/>
+              </a:lnRef>
+              <a:fillRef idx="0">
+                <a:schemeClr val="accent1"/>
+              </a:fillRef>
+              <a:effectRef idx="0">
+                <a:schemeClr val="accent1"/>
+              </a:effectRef>
+              <a:fontRef idx="minor">
+                <a:schemeClr val="tx1"/>
+              </a:fontRef>
+            </p:style>
+          </p:cxnSp>
+          <p:cxnSp>
+            <p:nvCxnSpPr>
+              <p:cNvPr id="146" name="直線コネクタ 145">
+                <a:extLst>
+                  <a:ext uri="{FF2B5EF4-FFF2-40B4-BE49-F238E27FC236}">
+                    <a16:creationId xmlns:a16="http://schemas.microsoft.com/office/drawing/2014/main" id="{10FBAB39-4A87-14CC-2E87-803535DCAC8E}"/>
+                  </a:ext>
+                </a:extLst>
+              </p:cNvPr>
+              <p:cNvCxnSpPr>
+                <a:cxnSpLocks/>
+              </p:cNvCxnSpPr>
+              <p:nvPr/>
+            </p:nvCxnSpPr>
+            <p:spPr>
+              <a:xfrm>
+                <a:off x="6096000" y="3637865"/>
+                <a:ext cx="1327856" cy="1837334"/>
+              </a:xfrm>
+              <a:prstGeom prst="line">
+                <a:avLst/>
+              </a:prstGeom>
+              <a:grpFill/>
+              <a:ln w="38100">
+                <a:solidFill>
+                  <a:schemeClr val="tx1">
+                    <a:lumMod val="85000"/>
+                    <a:lumOff val="15000"/>
+                  </a:schemeClr>
+                </a:solidFill>
+              </a:ln>
+            </p:spPr>
+            <p:style>
+              <a:lnRef idx="1">
+                <a:schemeClr val="accent1"/>
+              </a:lnRef>
+              <a:fillRef idx="0">
+                <a:schemeClr val="accent1"/>
+              </a:fillRef>
+              <a:effectRef idx="0">
+                <a:schemeClr val="accent1"/>
+              </a:effectRef>
+              <a:fontRef idx="minor">
+                <a:schemeClr val="tx1"/>
+              </a:fontRef>
+            </p:style>
+          </p:cxnSp>
+          <p:cxnSp>
+            <p:nvCxnSpPr>
+              <p:cNvPr id="147" name="直線コネクタ 146">
+                <a:extLst>
+                  <a:ext uri="{FF2B5EF4-FFF2-40B4-BE49-F238E27FC236}">
+                    <a16:creationId xmlns:a16="http://schemas.microsoft.com/office/drawing/2014/main" id="{6A70EA83-356C-9ADC-778E-692FDAD1AFAC}"/>
+                  </a:ext>
+                </a:extLst>
+              </p:cNvPr>
+              <p:cNvCxnSpPr>
+                <a:cxnSpLocks/>
+              </p:cNvCxnSpPr>
+              <p:nvPr/>
+            </p:nvCxnSpPr>
+            <p:spPr>
+              <a:xfrm flipV="1">
+                <a:off x="4768144" y="3637865"/>
+                <a:ext cx="1327856" cy="1837334"/>
+              </a:xfrm>
+              <a:prstGeom prst="line">
+                <a:avLst/>
+              </a:prstGeom>
+              <a:grpFill/>
+              <a:ln w="38100">
+                <a:solidFill>
+                  <a:schemeClr val="tx1">
+                    <a:lumMod val="85000"/>
+                    <a:lumOff val="15000"/>
+                  </a:schemeClr>
+                </a:solidFill>
+              </a:ln>
+            </p:spPr>
+            <p:style>
+              <a:lnRef idx="1">
+                <a:schemeClr val="accent1"/>
+              </a:lnRef>
+              <a:fillRef idx="0">
+                <a:schemeClr val="accent1"/>
+              </a:fillRef>
+              <a:effectRef idx="0">
+                <a:schemeClr val="accent1"/>
+              </a:effectRef>
+              <a:fontRef idx="minor">
+                <a:schemeClr val="tx1"/>
+              </a:fontRef>
+            </p:style>
+          </p:cxnSp>
+          <p:cxnSp>
+            <p:nvCxnSpPr>
+              <p:cNvPr id="148" name="直線コネクタ 147">
+                <a:extLst>
+                  <a:ext uri="{FF2B5EF4-FFF2-40B4-BE49-F238E27FC236}">
+                    <a16:creationId xmlns:a16="http://schemas.microsoft.com/office/drawing/2014/main" id="{ED212249-090E-6F05-ED77-91D04C4B5FD7}"/>
+                  </a:ext>
+                </a:extLst>
+              </p:cNvPr>
+              <p:cNvCxnSpPr>
+                <a:cxnSpLocks/>
+              </p:cNvCxnSpPr>
+              <p:nvPr/>
+            </p:nvCxnSpPr>
+            <p:spPr>
+              <a:xfrm>
+                <a:off x="3947485" y="2945951"/>
+                <a:ext cx="2148515" cy="691914"/>
+              </a:xfrm>
+              <a:prstGeom prst="line">
+                <a:avLst/>
+              </a:prstGeom>
+              <a:grpFill/>
+              <a:ln w="38100">
+                <a:solidFill>
+                  <a:schemeClr val="tx1">
+                    <a:lumMod val="85000"/>
+                    <a:lumOff val="15000"/>
+                  </a:schemeClr>
+                </a:solidFill>
+              </a:ln>
+            </p:spPr>
+            <p:style>
+              <a:lnRef idx="1">
+                <a:schemeClr val="accent1"/>
+              </a:lnRef>
+              <a:fillRef idx="0">
+                <a:schemeClr val="accent1"/>
+              </a:fillRef>
+              <a:effectRef idx="0">
+                <a:schemeClr val="accent1"/>
+              </a:effectRef>
+              <a:fontRef idx="minor">
+                <a:schemeClr val="tx1"/>
+              </a:fontRef>
+            </p:style>
+          </p:cxnSp>
+          <p:sp>
+            <p:nvSpPr>
+              <p:cNvPr id="149" name="楕円 148">
+                <a:extLst>
+                  <a:ext uri="{FF2B5EF4-FFF2-40B4-BE49-F238E27FC236}">
+                    <a16:creationId xmlns:a16="http://schemas.microsoft.com/office/drawing/2014/main" id="{35E62C77-6EBE-A98E-477F-64E9CD658012}"/>
+                  </a:ext>
+                </a:extLst>
+              </p:cNvPr>
+              <p:cNvSpPr/>
+              <p:nvPr/>
+            </p:nvSpPr>
+            <p:spPr>
+              <a:xfrm>
+                <a:off x="5813789" y="3357294"/>
+                <a:ext cx="577578" cy="577578"/>
+              </a:xfrm>
+              <a:prstGeom prst="ellipse">
+                <a:avLst/>
+              </a:prstGeom>
+              <a:grpFill/>
+              <a:ln w="38100">
+                <a:solidFill>
+                  <a:schemeClr val="tx1">
+                    <a:lumMod val="85000"/>
+                    <a:lumOff val="15000"/>
+                  </a:schemeClr>
+                </a:solidFill>
+              </a:ln>
+            </p:spPr>
+            <p:style>
+              <a:lnRef idx="2">
+                <a:schemeClr val="accent1">
+                  <a:shade val="50000"/>
+                </a:schemeClr>
+              </a:lnRef>
+              <a:fillRef idx="1">
+                <a:schemeClr val="accent1"/>
+              </a:fillRef>
+              <a:effectRef idx="0">
+                <a:schemeClr val="accent1"/>
+              </a:effectRef>
+              <a:fontRef idx="minor">
+                <a:schemeClr val="lt1"/>
+              </a:fontRef>
+            </p:style>
+            <p:txBody>
+              <a:bodyPr rtlCol="0" anchor="ctr"/>
+              <a:lstStyle/>
+              <a:p>
+                <a:pPr algn="ctr"/>
+                <a:endParaRPr kumimoji="1" lang="ja-JP" altLang="en-US"/>
+              </a:p>
+            </p:txBody>
+          </p:sp>
+          <p:sp>
+            <p:nvSpPr>
+              <p:cNvPr id="150" name="楕円 149">
+                <a:extLst>
+                  <a:ext uri="{FF2B5EF4-FFF2-40B4-BE49-F238E27FC236}">
+                    <a16:creationId xmlns:a16="http://schemas.microsoft.com/office/drawing/2014/main" id="{799AA6D2-E326-C509-9682-58914C3D8C91}"/>
+                  </a:ext>
+                </a:extLst>
+              </p:cNvPr>
+              <p:cNvSpPr/>
+              <p:nvPr/>
+            </p:nvSpPr>
+            <p:spPr>
+              <a:xfrm>
+                <a:off x="3658691" y="2654504"/>
+                <a:ext cx="577578" cy="577578"/>
+              </a:xfrm>
+              <a:prstGeom prst="ellipse">
+                <a:avLst/>
+              </a:prstGeom>
+              <a:grpFill/>
+              <a:ln w="38100">
+                <a:solidFill>
+                  <a:schemeClr val="tx1">
+                    <a:lumMod val="85000"/>
+                    <a:lumOff val="15000"/>
+                  </a:schemeClr>
+                </a:solidFill>
+              </a:ln>
+            </p:spPr>
+            <p:style>
+              <a:lnRef idx="2">
+                <a:schemeClr val="accent1">
+                  <a:shade val="50000"/>
+                </a:schemeClr>
+              </a:lnRef>
+              <a:fillRef idx="1">
+                <a:schemeClr val="accent1"/>
+              </a:fillRef>
+              <a:effectRef idx="0">
+                <a:schemeClr val="accent1"/>
+              </a:effectRef>
+              <a:fontRef idx="minor">
+                <a:schemeClr val="lt1"/>
+              </a:fontRef>
+            </p:style>
+            <p:txBody>
+              <a:bodyPr rtlCol="0" anchor="ctr"/>
+              <a:lstStyle/>
+              <a:p>
+                <a:pPr algn="ctr"/>
+                <a:endParaRPr kumimoji="1" lang="ja-JP" altLang="en-US"/>
+              </a:p>
+            </p:txBody>
+          </p:sp>
+          <p:sp>
+            <p:nvSpPr>
+              <p:cNvPr id="151" name="楕円 150">
+                <a:extLst>
+                  <a:ext uri="{FF2B5EF4-FFF2-40B4-BE49-F238E27FC236}">
+                    <a16:creationId xmlns:a16="http://schemas.microsoft.com/office/drawing/2014/main" id="{81149D3F-1D5F-CAF0-288C-45364D9B5104}"/>
+                  </a:ext>
+                </a:extLst>
+              </p:cNvPr>
+              <p:cNvSpPr/>
+              <p:nvPr/>
+            </p:nvSpPr>
+            <p:spPr>
+              <a:xfrm>
+                <a:off x="4468932" y="5186420"/>
+                <a:ext cx="577578" cy="577578"/>
+              </a:xfrm>
+              <a:prstGeom prst="ellipse">
+                <a:avLst/>
+              </a:prstGeom>
+              <a:grpFill/>
+              <a:ln w="38100">
+                <a:solidFill>
+                  <a:schemeClr val="tx1">
+                    <a:lumMod val="85000"/>
+                    <a:lumOff val="15000"/>
+                  </a:schemeClr>
+                </a:solidFill>
+              </a:ln>
+            </p:spPr>
+            <p:style>
+              <a:lnRef idx="2">
+                <a:schemeClr val="accent1">
+                  <a:shade val="50000"/>
+                </a:schemeClr>
+              </a:lnRef>
+              <a:fillRef idx="1">
+                <a:schemeClr val="accent1"/>
+              </a:fillRef>
+              <a:effectRef idx="0">
+                <a:schemeClr val="accent1"/>
+              </a:effectRef>
+              <a:fontRef idx="minor">
+                <a:schemeClr val="lt1"/>
+              </a:fontRef>
+            </p:style>
+            <p:txBody>
+              <a:bodyPr rtlCol="0" anchor="ctr"/>
+              <a:lstStyle/>
+              <a:p>
+                <a:pPr algn="ctr"/>
+                <a:endParaRPr kumimoji="1" lang="ja-JP" altLang="en-US"/>
+              </a:p>
+            </p:txBody>
+          </p:sp>
+          <p:sp>
+            <p:nvSpPr>
+              <p:cNvPr id="152" name="楕円 151">
+                <a:extLst>
+                  <a:ext uri="{FF2B5EF4-FFF2-40B4-BE49-F238E27FC236}">
+                    <a16:creationId xmlns:a16="http://schemas.microsoft.com/office/drawing/2014/main" id="{9FAB1408-CEB5-FCF6-9EF5-FFB5D9420FFB}"/>
+                  </a:ext>
+                </a:extLst>
+              </p:cNvPr>
+              <p:cNvSpPr/>
+              <p:nvPr/>
+            </p:nvSpPr>
+            <p:spPr>
+              <a:xfrm>
+                <a:off x="7145492" y="5186420"/>
+                <a:ext cx="577578" cy="577578"/>
+              </a:xfrm>
+              <a:prstGeom prst="ellipse">
+                <a:avLst/>
+              </a:prstGeom>
+              <a:grpFill/>
+              <a:ln w="38100">
+                <a:solidFill>
+                  <a:schemeClr val="tx1">
+                    <a:lumMod val="85000"/>
+                    <a:lumOff val="15000"/>
+                  </a:schemeClr>
+                </a:solidFill>
+              </a:ln>
+            </p:spPr>
+            <p:style>
+              <a:lnRef idx="2">
+                <a:schemeClr val="accent1">
+                  <a:shade val="50000"/>
+                </a:schemeClr>
+              </a:lnRef>
+              <a:fillRef idx="1">
+                <a:schemeClr val="accent1"/>
+              </a:fillRef>
+              <a:effectRef idx="0">
+                <a:schemeClr val="accent1"/>
+              </a:effectRef>
+              <a:fontRef idx="minor">
+                <a:schemeClr val="lt1"/>
+              </a:fontRef>
+            </p:style>
+            <p:txBody>
+              <a:bodyPr rtlCol="0" anchor="ctr"/>
+              <a:lstStyle/>
+              <a:p>
+                <a:pPr algn="ctr"/>
+                <a:endParaRPr kumimoji="1" lang="ja-JP" altLang="en-US"/>
+              </a:p>
+            </p:txBody>
+          </p:sp>
+          <p:sp>
+            <p:nvSpPr>
+              <p:cNvPr id="153" name="楕円 152">
+                <a:extLst>
+                  <a:ext uri="{FF2B5EF4-FFF2-40B4-BE49-F238E27FC236}">
+                    <a16:creationId xmlns:a16="http://schemas.microsoft.com/office/drawing/2014/main" id="{FB96D522-3E31-8073-6F0D-AA6B3CCBAC50}"/>
+                  </a:ext>
+                </a:extLst>
+              </p:cNvPr>
+              <p:cNvSpPr/>
+              <p:nvPr/>
+            </p:nvSpPr>
+            <p:spPr>
+              <a:xfrm>
+                <a:off x="7955731" y="2654504"/>
+                <a:ext cx="577578" cy="577578"/>
+              </a:xfrm>
+              <a:prstGeom prst="ellipse">
+                <a:avLst/>
+              </a:prstGeom>
+              <a:grpFill/>
+              <a:ln w="38100">
+                <a:solidFill>
+                  <a:schemeClr val="tx1">
+                    <a:lumMod val="85000"/>
+                    <a:lumOff val="15000"/>
+                  </a:schemeClr>
+                </a:solidFill>
+              </a:ln>
+            </p:spPr>
+            <p:style>
+              <a:lnRef idx="2">
+                <a:schemeClr val="accent1">
+                  <a:shade val="50000"/>
+                </a:schemeClr>
+              </a:lnRef>
+              <a:fillRef idx="1">
+                <a:schemeClr val="accent1"/>
+              </a:fillRef>
+              <a:effectRef idx="0">
+                <a:schemeClr val="accent1"/>
+              </a:effectRef>
+              <a:fontRef idx="minor">
+                <a:schemeClr val="lt1"/>
+              </a:fontRef>
+            </p:style>
+            <p:txBody>
+              <a:bodyPr rtlCol="0" anchor="ctr"/>
+              <a:lstStyle/>
+              <a:p>
+                <a:pPr algn="ctr"/>
+                <a:endParaRPr kumimoji="1" lang="ja-JP" altLang="en-US"/>
+              </a:p>
+            </p:txBody>
+          </p:sp>
+          <p:sp>
+            <p:nvSpPr>
+              <p:cNvPr id="154" name="楕円 153">
+                <a:extLst>
+                  <a:ext uri="{FF2B5EF4-FFF2-40B4-BE49-F238E27FC236}">
+                    <a16:creationId xmlns:a16="http://schemas.microsoft.com/office/drawing/2014/main" id="{F23E5668-25AF-7031-BF34-51F734EFD820}"/>
+                  </a:ext>
+                </a:extLst>
+              </p:cNvPr>
+              <p:cNvSpPr/>
+              <p:nvPr/>
+            </p:nvSpPr>
+            <p:spPr>
+              <a:xfrm>
+                <a:off x="5807211" y="1115711"/>
+                <a:ext cx="577578" cy="577578"/>
+              </a:xfrm>
+              <a:prstGeom prst="ellipse">
+                <a:avLst/>
+              </a:prstGeom>
+              <a:grpFill/>
+              <a:ln w="38100">
+                <a:solidFill>
+                  <a:schemeClr val="tx1">
+                    <a:lumMod val="85000"/>
+                    <a:lumOff val="15000"/>
+                  </a:schemeClr>
+                </a:solidFill>
+              </a:ln>
+            </p:spPr>
+            <p:style>
+              <a:lnRef idx="2">
+                <a:schemeClr val="accent1">
+                  <a:shade val="50000"/>
+                </a:schemeClr>
+              </a:lnRef>
+              <a:fillRef idx="1">
+                <a:schemeClr val="accent1"/>
+              </a:fillRef>
+              <a:effectRef idx="0">
+                <a:schemeClr val="accent1"/>
+              </a:effectRef>
+              <a:fontRef idx="minor">
+                <a:schemeClr val="lt1"/>
+              </a:fontRef>
+            </p:style>
+            <p:txBody>
+              <a:bodyPr rtlCol="0" anchor="ctr"/>
+              <a:lstStyle/>
+              <a:p>
+                <a:pPr algn="ctr"/>
+                <a:endParaRPr kumimoji="1" lang="ja-JP" altLang="en-US"/>
+              </a:p>
+            </p:txBody>
+          </p:sp>
+          <p:cxnSp>
+            <p:nvCxnSpPr>
+              <p:cNvPr id="155" name="直線コネクタ 154">
+                <a:extLst>
+                  <a:ext uri="{FF2B5EF4-FFF2-40B4-BE49-F238E27FC236}">
+                    <a16:creationId xmlns:a16="http://schemas.microsoft.com/office/drawing/2014/main" id="{22A883E1-8706-8E66-280D-09FFE1713398}"/>
+                  </a:ext>
+                </a:extLst>
+              </p:cNvPr>
+              <p:cNvCxnSpPr>
+                <a:cxnSpLocks/>
+              </p:cNvCxnSpPr>
+              <p:nvPr/>
+            </p:nvCxnSpPr>
+            <p:spPr>
+              <a:xfrm flipV="1">
+                <a:off x="6096000" y="2945951"/>
+                <a:ext cx="2146757" cy="691914"/>
+              </a:xfrm>
+              <a:prstGeom prst="line">
+                <a:avLst/>
+              </a:prstGeom>
+              <a:grpFill/>
+              <a:ln w="38100">
+                <a:solidFill>
+                  <a:schemeClr val="tx1">
+                    <a:lumMod val="85000"/>
+                    <a:lumOff val="15000"/>
+                  </a:schemeClr>
+                </a:solidFill>
+              </a:ln>
+            </p:spPr>
+            <p:style>
+              <a:lnRef idx="1">
+                <a:schemeClr val="accent1"/>
+              </a:lnRef>
+              <a:fillRef idx="0">
+                <a:schemeClr val="accent1"/>
+              </a:fillRef>
+              <a:effectRef idx="0">
+                <a:schemeClr val="accent1"/>
+              </a:effectRef>
+              <a:fontRef idx="minor">
+                <a:schemeClr val="tx1"/>
+              </a:fontRef>
+            </p:style>
+          </p:cxnSp>
+        </p:grpSp>
+        <p:grpSp>
+          <p:nvGrpSpPr>
+            <p:cNvPr id="133" name="グループ化 132">
+              <a:extLst>
+                <a:ext uri="{FF2B5EF4-FFF2-40B4-BE49-F238E27FC236}">
+                  <a16:creationId xmlns:a16="http://schemas.microsoft.com/office/drawing/2014/main" id="{C7DDB4A0-5440-6796-5375-40B76E9150E4}"/>
+                </a:ext>
+              </a:extLst>
+            </p:cNvPr>
+            <p:cNvGrpSpPr/>
+            <p:nvPr/>
+          </p:nvGrpSpPr>
+          <p:grpSpPr>
+            <a:xfrm rot="-2400000">
+              <a:off x="3526646" y="1158856"/>
+              <a:ext cx="4874618" cy="4648287"/>
+              <a:chOff x="3658691" y="1115711"/>
+              <a:chExt cx="4874618" cy="4648287"/>
+            </a:xfrm>
+            <a:solidFill>
+              <a:schemeClr val="tx1">
+                <a:lumMod val="95000"/>
+                <a:lumOff val="5000"/>
+              </a:schemeClr>
+            </a:solidFill>
+          </p:grpSpPr>
+          <p:cxnSp>
+            <p:nvCxnSpPr>
+              <p:cNvPr id="134" name="直線コネクタ 133">
+                <a:extLst>
+                  <a:ext uri="{FF2B5EF4-FFF2-40B4-BE49-F238E27FC236}">
+                    <a16:creationId xmlns:a16="http://schemas.microsoft.com/office/drawing/2014/main" id="{E8C276C7-2042-79A6-04AC-51EAE646B24A}"/>
+                  </a:ext>
+                </a:extLst>
+              </p:cNvPr>
+              <p:cNvCxnSpPr>
+                <a:cxnSpLocks/>
+              </p:cNvCxnSpPr>
+              <p:nvPr/>
+            </p:nvCxnSpPr>
+            <p:spPr>
+              <a:xfrm>
+                <a:off x="6096000" y="1382790"/>
+                <a:ext cx="0" cy="2255075"/>
+              </a:xfrm>
+              <a:prstGeom prst="line">
+                <a:avLst/>
+              </a:prstGeom>
+              <a:grpFill/>
+              <a:ln w="38100">
+                <a:solidFill>
+                  <a:schemeClr val="tx1">
+                    <a:lumMod val="95000"/>
+                    <a:lumOff val="5000"/>
+                  </a:schemeClr>
+                </a:solidFill>
+              </a:ln>
+            </p:spPr>
+            <p:style>
+              <a:lnRef idx="1">
+                <a:schemeClr val="accent1"/>
+              </a:lnRef>
+              <a:fillRef idx="0">
+                <a:schemeClr val="accent1"/>
+              </a:fillRef>
+              <a:effectRef idx="0">
+                <a:schemeClr val="accent1"/>
+              </a:effectRef>
+              <a:fontRef idx="minor">
+                <a:schemeClr val="tx1"/>
+              </a:fontRef>
+            </p:style>
+          </p:cxnSp>
+          <p:cxnSp>
+            <p:nvCxnSpPr>
+              <p:cNvPr id="135" name="直線コネクタ 134">
+                <a:extLst>
+                  <a:ext uri="{FF2B5EF4-FFF2-40B4-BE49-F238E27FC236}">
+                    <a16:creationId xmlns:a16="http://schemas.microsoft.com/office/drawing/2014/main" id="{EAD27C1E-342F-BB88-878A-4643A0927E89}"/>
+                  </a:ext>
+                </a:extLst>
+              </p:cNvPr>
+              <p:cNvCxnSpPr>
+                <a:cxnSpLocks/>
+              </p:cNvCxnSpPr>
+              <p:nvPr/>
+            </p:nvCxnSpPr>
+            <p:spPr>
+              <a:xfrm>
+                <a:off x="6096000" y="3637865"/>
+                <a:ext cx="1327856" cy="1837334"/>
+              </a:xfrm>
+              <a:prstGeom prst="line">
+                <a:avLst/>
+              </a:prstGeom>
+              <a:grpFill/>
+              <a:ln w="38100">
+                <a:solidFill>
+                  <a:schemeClr val="tx1">
+                    <a:lumMod val="95000"/>
+                    <a:lumOff val="5000"/>
+                  </a:schemeClr>
+                </a:solidFill>
+              </a:ln>
+            </p:spPr>
+            <p:style>
+              <a:lnRef idx="1">
+                <a:schemeClr val="accent1"/>
+              </a:lnRef>
+              <a:fillRef idx="0">
+                <a:schemeClr val="accent1"/>
+              </a:fillRef>
+              <a:effectRef idx="0">
+                <a:schemeClr val="accent1"/>
+              </a:effectRef>
+              <a:fontRef idx="minor">
+                <a:schemeClr val="tx1"/>
+              </a:fontRef>
+            </p:style>
+          </p:cxnSp>
+          <p:cxnSp>
+            <p:nvCxnSpPr>
+              <p:cNvPr id="136" name="直線コネクタ 135">
+                <a:extLst>
+                  <a:ext uri="{FF2B5EF4-FFF2-40B4-BE49-F238E27FC236}">
+                    <a16:creationId xmlns:a16="http://schemas.microsoft.com/office/drawing/2014/main" id="{3731C838-028F-FBEC-F218-0E92E8517636}"/>
+                  </a:ext>
+                </a:extLst>
+              </p:cNvPr>
+              <p:cNvCxnSpPr>
+                <a:cxnSpLocks/>
+              </p:cNvCxnSpPr>
+              <p:nvPr/>
+            </p:nvCxnSpPr>
+            <p:spPr>
+              <a:xfrm flipV="1">
+                <a:off x="4768144" y="3637865"/>
+                <a:ext cx="1327856" cy="1837334"/>
+              </a:xfrm>
+              <a:prstGeom prst="line">
+                <a:avLst/>
+              </a:prstGeom>
+              <a:grpFill/>
+              <a:ln w="38100">
+                <a:solidFill>
+                  <a:schemeClr val="tx1">
+                    <a:lumMod val="95000"/>
+                    <a:lumOff val="5000"/>
+                  </a:schemeClr>
+                </a:solidFill>
+              </a:ln>
+            </p:spPr>
+            <p:style>
+              <a:lnRef idx="1">
+                <a:schemeClr val="accent1"/>
+              </a:lnRef>
+              <a:fillRef idx="0">
+                <a:schemeClr val="accent1"/>
+              </a:fillRef>
+              <a:effectRef idx="0">
+                <a:schemeClr val="accent1"/>
+              </a:effectRef>
+              <a:fontRef idx="minor">
+                <a:schemeClr val="tx1"/>
+              </a:fontRef>
+            </p:style>
+          </p:cxnSp>
+          <p:cxnSp>
+            <p:nvCxnSpPr>
+              <p:cNvPr id="137" name="直線コネクタ 136">
+                <a:extLst>
+                  <a:ext uri="{FF2B5EF4-FFF2-40B4-BE49-F238E27FC236}">
+                    <a16:creationId xmlns:a16="http://schemas.microsoft.com/office/drawing/2014/main" id="{17DE486C-B7C7-7333-67EF-AA1014AD5CB1}"/>
+                  </a:ext>
+                </a:extLst>
+              </p:cNvPr>
+              <p:cNvCxnSpPr>
+                <a:cxnSpLocks/>
+              </p:cNvCxnSpPr>
+              <p:nvPr/>
+            </p:nvCxnSpPr>
+            <p:spPr>
+              <a:xfrm>
+                <a:off x="3947485" y="2945951"/>
+                <a:ext cx="2148515" cy="691914"/>
+              </a:xfrm>
+              <a:prstGeom prst="line">
+                <a:avLst/>
+              </a:prstGeom>
+              <a:grpFill/>
+              <a:ln w="38100">
+                <a:solidFill>
+                  <a:schemeClr val="tx1">
+                    <a:lumMod val="95000"/>
+                    <a:lumOff val="5000"/>
+                  </a:schemeClr>
+                </a:solidFill>
+              </a:ln>
+            </p:spPr>
+            <p:style>
+              <a:lnRef idx="1">
+                <a:schemeClr val="accent1"/>
+              </a:lnRef>
+              <a:fillRef idx="0">
+                <a:schemeClr val="accent1"/>
+              </a:fillRef>
+              <a:effectRef idx="0">
+                <a:schemeClr val="accent1"/>
+              </a:effectRef>
+              <a:fontRef idx="minor">
+                <a:schemeClr val="tx1"/>
+              </a:fontRef>
+            </p:style>
+          </p:cxnSp>
+          <p:sp>
+            <p:nvSpPr>
+              <p:cNvPr id="138" name="楕円 137">
+                <a:extLst>
+                  <a:ext uri="{FF2B5EF4-FFF2-40B4-BE49-F238E27FC236}">
+                    <a16:creationId xmlns:a16="http://schemas.microsoft.com/office/drawing/2014/main" id="{00A173A1-E149-5A68-3E7E-484163D12915}"/>
+                  </a:ext>
+                </a:extLst>
+              </p:cNvPr>
+              <p:cNvSpPr/>
+              <p:nvPr/>
+            </p:nvSpPr>
+            <p:spPr>
+              <a:xfrm>
+                <a:off x="5813789" y="3357294"/>
+                <a:ext cx="577578" cy="577578"/>
+              </a:xfrm>
+              <a:prstGeom prst="ellipse">
+                <a:avLst/>
+              </a:prstGeom>
+              <a:grpFill/>
+              <a:ln w="38100">
+                <a:solidFill>
+                  <a:schemeClr val="tx1">
+                    <a:lumMod val="95000"/>
+                    <a:lumOff val="5000"/>
+                  </a:schemeClr>
+                </a:solidFill>
+              </a:ln>
+            </p:spPr>
+            <p:style>
+              <a:lnRef idx="2">
+                <a:schemeClr val="accent1">
+                  <a:shade val="50000"/>
+                </a:schemeClr>
+              </a:lnRef>
+              <a:fillRef idx="1">
+                <a:schemeClr val="accent1"/>
+              </a:fillRef>
+              <a:effectRef idx="0">
+                <a:schemeClr val="accent1"/>
+              </a:effectRef>
+              <a:fontRef idx="minor">
+                <a:schemeClr val="lt1"/>
+              </a:fontRef>
+            </p:style>
+            <p:txBody>
+              <a:bodyPr rtlCol="0" anchor="ctr"/>
+              <a:lstStyle/>
+              <a:p>
+                <a:pPr algn="ctr"/>
+                <a:endParaRPr kumimoji="1" lang="ja-JP" altLang="en-US"/>
+              </a:p>
+            </p:txBody>
+          </p:sp>
+          <p:sp>
+            <p:nvSpPr>
+              <p:cNvPr id="139" name="楕円 138">
+                <a:extLst>
+                  <a:ext uri="{FF2B5EF4-FFF2-40B4-BE49-F238E27FC236}">
+                    <a16:creationId xmlns:a16="http://schemas.microsoft.com/office/drawing/2014/main" id="{92735E9B-29DB-FB1C-2FC3-E72FF31B57A0}"/>
+                  </a:ext>
+                </a:extLst>
+              </p:cNvPr>
+              <p:cNvSpPr/>
+              <p:nvPr/>
+            </p:nvSpPr>
+            <p:spPr>
+              <a:xfrm>
+                <a:off x="3658691" y="2654504"/>
+                <a:ext cx="577578" cy="577578"/>
+              </a:xfrm>
+              <a:prstGeom prst="ellipse">
+                <a:avLst/>
+              </a:prstGeom>
+              <a:grpFill/>
+              <a:ln w="38100">
+                <a:solidFill>
+                  <a:schemeClr val="tx1">
+                    <a:lumMod val="95000"/>
+                    <a:lumOff val="5000"/>
+                  </a:schemeClr>
+                </a:solidFill>
+              </a:ln>
+            </p:spPr>
+            <p:style>
+              <a:lnRef idx="2">
+                <a:schemeClr val="accent1">
+                  <a:shade val="50000"/>
+                </a:schemeClr>
+              </a:lnRef>
+              <a:fillRef idx="1">
+                <a:schemeClr val="accent1"/>
+              </a:fillRef>
+              <a:effectRef idx="0">
+                <a:schemeClr val="accent1"/>
+              </a:effectRef>
+              <a:fontRef idx="minor">
+                <a:schemeClr val="lt1"/>
+              </a:fontRef>
+            </p:style>
+            <p:txBody>
+              <a:bodyPr rtlCol="0" anchor="ctr"/>
+              <a:lstStyle/>
+              <a:p>
+                <a:pPr algn="ctr"/>
+                <a:endParaRPr kumimoji="1" lang="ja-JP" altLang="en-US"/>
+              </a:p>
+            </p:txBody>
+          </p:sp>
+          <p:sp>
+            <p:nvSpPr>
+              <p:cNvPr id="140" name="楕円 139">
+                <a:extLst>
+                  <a:ext uri="{FF2B5EF4-FFF2-40B4-BE49-F238E27FC236}">
+                    <a16:creationId xmlns:a16="http://schemas.microsoft.com/office/drawing/2014/main" id="{899A2475-2CCA-2B2B-C449-07ABF350713F}"/>
+                  </a:ext>
+                </a:extLst>
+              </p:cNvPr>
+              <p:cNvSpPr/>
+              <p:nvPr/>
+            </p:nvSpPr>
+            <p:spPr>
+              <a:xfrm>
+                <a:off x="4468932" y="5186420"/>
+                <a:ext cx="577578" cy="577578"/>
+              </a:xfrm>
+              <a:prstGeom prst="ellipse">
+                <a:avLst/>
+              </a:prstGeom>
+              <a:grpFill/>
+              <a:ln w="38100">
+                <a:solidFill>
+                  <a:schemeClr val="tx1">
+                    <a:lumMod val="95000"/>
+                    <a:lumOff val="5000"/>
+                  </a:schemeClr>
+                </a:solidFill>
+              </a:ln>
+            </p:spPr>
+            <p:style>
+              <a:lnRef idx="2">
+                <a:schemeClr val="accent1">
+                  <a:shade val="50000"/>
+                </a:schemeClr>
+              </a:lnRef>
+              <a:fillRef idx="1">
+                <a:schemeClr val="accent1"/>
+              </a:fillRef>
+              <a:effectRef idx="0">
+                <a:schemeClr val="accent1"/>
+              </a:effectRef>
+              <a:fontRef idx="minor">
+                <a:schemeClr val="lt1"/>
+              </a:fontRef>
+            </p:style>
+            <p:txBody>
+              <a:bodyPr rtlCol="0" anchor="ctr"/>
+              <a:lstStyle/>
+              <a:p>
+                <a:pPr algn="ctr"/>
+                <a:endParaRPr kumimoji="1" lang="ja-JP" altLang="en-US"/>
+              </a:p>
+            </p:txBody>
+          </p:sp>
+          <p:sp>
+            <p:nvSpPr>
+              <p:cNvPr id="141" name="楕円 140">
+                <a:extLst>
+                  <a:ext uri="{FF2B5EF4-FFF2-40B4-BE49-F238E27FC236}">
+                    <a16:creationId xmlns:a16="http://schemas.microsoft.com/office/drawing/2014/main" id="{2821C708-ADDD-2090-0A5C-C3E9CF26B3F4}"/>
+                  </a:ext>
+                </a:extLst>
+              </p:cNvPr>
+              <p:cNvSpPr/>
+              <p:nvPr/>
+            </p:nvSpPr>
+            <p:spPr>
+              <a:xfrm>
+                <a:off x="7145492" y="5186420"/>
+                <a:ext cx="577578" cy="577578"/>
+              </a:xfrm>
+              <a:prstGeom prst="ellipse">
+                <a:avLst/>
+              </a:prstGeom>
+              <a:grpFill/>
+              <a:ln w="38100">
+                <a:solidFill>
+                  <a:schemeClr val="tx1">
+                    <a:lumMod val="95000"/>
+                    <a:lumOff val="5000"/>
+                  </a:schemeClr>
+                </a:solidFill>
+              </a:ln>
+            </p:spPr>
+            <p:style>
+              <a:lnRef idx="2">
+                <a:schemeClr val="accent1">
+                  <a:shade val="50000"/>
+                </a:schemeClr>
+              </a:lnRef>
+              <a:fillRef idx="1">
+                <a:schemeClr val="accent1"/>
+              </a:fillRef>
+              <a:effectRef idx="0">
+                <a:schemeClr val="accent1"/>
+              </a:effectRef>
+              <a:fontRef idx="minor">
+                <a:schemeClr val="lt1"/>
+              </a:fontRef>
+            </p:style>
+            <p:txBody>
+              <a:bodyPr rtlCol="0" anchor="ctr"/>
+              <a:lstStyle/>
+              <a:p>
+                <a:pPr algn="ctr"/>
+                <a:endParaRPr kumimoji="1" lang="ja-JP" altLang="en-US"/>
+              </a:p>
+            </p:txBody>
+          </p:sp>
+          <p:sp>
+            <p:nvSpPr>
+              <p:cNvPr id="142" name="楕円 141">
+                <a:extLst>
+                  <a:ext uri="{FF2B5EF4-FFF2-40B4-BE49-F238E27FC236}">
+                    <a16:creationId xmlns:a16="http://schemas.microsoft.com/office/drawing/2014/main" id="{289416BA-2D55-7186-5190-1F53F46ED1DC}"/>
+                  </a:ext>
+                </a:extLst>
+              </p:cNvPr>
+              <p:cNvSpPr/>
+              <p:nvPr/>
+            </p:nvSpPr>
+            <p:spPr>
+              <a:xfrm>
+                <a:off x="7955731" y="2654504"/>
+                <a:ext cx="577578" cy="577578"/>
+              </a:xfrm>
+              <a:prstGeom prst="ellipse">
+                <a:avLst/>
+              </a:prstGeom>
+              <a:grpFill/>
+              <a:ln w="38100">
+                <a:solidFill>
+                  <a:schemeClr val="tx1">
+                    <a:lumMod val="95000"/>
+                    <a:lumOff val="5000"/>
+                  </a:schemeClr>
+                </a:solidFill>
+              </a:ln>
+            </p:spPr>
+            <p:style>
+              <a:lnRef idx="2">
+                <a:schemeClr val="accent1">
+                  <a:shade val="50000"/>
+                </a:schemeClr>
+              </a:lnRef>
+              <a:fillRef idx="1">
+                <a:schemeClr val="accent1"/>
+              </a:fillRef>
+              <a:effectRef idx="0">
+                <a:schemeClr val="accent1"/>
+              </a:effectRef>
+              <a:fontRef idx="minor">
+                <a:schemeClr val="lt1"/>
+              </a:fontRef>
+            </p:style>
+            <p:txBody>
+              <a:bodyPr rtlCol="0" anchor="ctr"/>
+              <a:lstStyle/>
+              <a:p>
+                <a:pPr algn="ctr"/>
+                <a:endParaRPr kumimoji="1" lang="ja-JP" altLang="en-US"/>
+              </a:p>
+            </p:txBody>
+          </p:sp>
+          <p:sp>
+            <p:nvSpPr>
+              <p:cNvPr id="143" name="楕円 142">
+                <a:extLst>
+                  <a:ext uri="{FF2B5EF4-FFF2-40B4-BE49-F238E27FC236}">
+                    <a16:creationId xmlns:a16="http://schemas.microsoft.com/office/drawing/2014/main" id="{68145DBB-84BA-D1B4-3EBD-4EC7E7918440}"/>
+                  </a:ext>
+                </a:extLst>
+              </p:cNvPr>
+              <p:cNvSpPr/>
+              <p:nvPr/>
+            </p:nvSpPr>
+            <p:spPr>
+              <a:xfrm>
+                <a:off x="5807211" y="1115711"/>
+                <a:ext cx="577578" cy="577578"/>
+              </a:xfrm>
+              <a:prstGeom prst="ellipse">
+                <a:avLst/>
+              </a:prstGeom>
+              <a:grpFill/>
+              <a:ln w="38100">
+                <a:solidFill>
+                  <a:schemeClr val="tx1">
+                    <a:lumMod val="95000"/>
+                    <a:lumOff val="5000"/>
+                  </a:schemeClr>
+                </a:solidFill>
+              </a:ln>
+            </p:spPr>
+            <p:style>
+              <a:lnRef idx="2">
+                <a:schemeClr val="accent1">
+                  <a:shade val="50000"/>
+                </a:schemeClr>
+              </a:lnRef>
+              <a:fillRef idx="1">
+                <a:schemeClr val="accent1"/>
+              </a:fillRef>
+              <a:effectRef idx="0">
+                <a:schemeClr val="accent1"/>
+              </a:effectRef>
+              <a:fontRef idx="minor">
+                <a:schemeClr val="lt1"/>
+              </a:fontRef>
+            </p:style>
+            <p:txBody>
+              <a:bodyPr rtlCol="0" anchor="ctr"/>
+              <a:lstStyle/>
+              <a:p>
+                <a:pPr algn="ctr"/>
+                <a:endParaRPr kumimoji="1" lang="ja-JP" altLang="en-US"/>
+              </a:p>
+            </p:txBody>
+          </p:sp>
+          <p:cxnSp>
+            <p:nvCxnSpPr>
+              <p:cNvPr id="144" name="直線コネクタ 143">
+                <a:extLst>
+                  <a:ext uri="{FF2B5EF4-FFF2-40B4-BE49-F238E27FC236}">
+                    <a16:creationId xmlns:a16="http://schemas.microsoft.com/office/drawing/2014/main" id="{2D9DBFED-04B7-CAEC-20E5-7B790B034213}"/>
+                  </a:ext>
+                </a:extLst>
+              </p:cNvPr>
+              <p:cNvCxnSpPr>
+                <a:cxnSpLocks/>
+              </p:cNvCxnSpPr>
+              <p:nvPr/>
+            </p:nvCxnSpPr>
+            <p:spPr>
+              <a:xfrm flipV="1">
+                <a:off x="6096000" y="2945951"/>
+                <a:ext cx="2146757" cy="691914"/>
+              </a:xfrm>
+              <a:prstGeom prst="line">
+                <a:avLst/>
+              </a:prstGeom>
+              <a:grpFill/>
+              <a:ln w="38100">
+                <a:solidFill>
+                  <a:schemeClr val="tx1">
+                    <a:lumMod val="95000"/>
+                    <a:lumOff val="5000"/>
+                  </a:schemeClr>
+                </a:solidFill>
+              </a:ln>
+            </p:spPr>
+            <p:style>
+              <a:lnRef idx="1">
+                <a:schemeClr val="accent1"/>
+              </a:lnRef>
+              <a:fillRef idx="0">
+                <a:schemeClr val="accent1"/>
+              </a:fillRef>
+              <a:effectRef idx="0">
+                <a:schemeClr val="accent1"/>
+              </a:effectRef>
+              <a:fontRef idx="minor">
+                <a:schemeClr val="tx1"/>
+              </a:fontRef>
+            </p:style>
+          </p:cxnSp>
+        </p:grpSp>
+      </p:grpSp>
       <p:sp>
         <p:nvSpPr>
           <p:cNvPr id="19" name="テキスト ボックス 18">
@@ -9520,7 +15142,7 @@
         <p:spPr>
           <a:xfrm>
             <a:off x="269716" y="243402"/>
-            <a:ext cx="6186309" cy="400110"/>
+            <a:ext cx="2404826" cy="400110"/>
           </a:xfrm>
           <a:prstGeom prst="rect">
             <a:avLst/>
@@ -9534,18 +15156,53 @@
           <a:lstStyle/>
           <a:p>
             <a:r>
-              <a:rPr kumimoji="1" lang="ja-JP" altLang="en-US" sz="2000"/>
-              <a:t>（紹介手法よりもっと簡単な方法があったら教えてください）</a:t>
+              <a:rPr lang="ja-JP" altLang="en-US" sz="2000"/>
+              <a:t>さらに回転したって </a:t>
             </a:r>
+            <a:r>
+              <a:rPr lang="en-US" altLang="ja-JP" sz="2000"/>
+              <a:t>…</a:t>
+            </a:r>
+            <a:endParaRPr kumimoji="1" lang="ja-JP" altLang="en-US" sz="2000"/>
           </a:p>
         </p:txBody>
       </p:sp>
+    </p:spTree>
+    <p:extLst>
+      <p:ext uri="{BB962C8B-B14F-4D97-AF65-F5344CB8AC3E}">
+        <p14:creationId xmlns:p14="http://schemas.microsoft.com/office/powerpoint/2010/main" val="3576875772"/>
+      </p:ext>
+    </p:extLst>
+  </p:cSld>
+  <p:clrMapOvr>
+    <a:masterClrMapping/>
+  </p:clrMapOvr>
+</p:sld>
+</file>
+
+<file path=ppt/slides/slide19.xml><?xml version="1.0" encoding="utf-8"?>
+<p:sld xmlns:a="http://schemas.openxmlformats.org/drawingml/2006/main" xmlns:r="http://schemas.openxmlformats.org/officeDocument/2006/relationships" xmlns:p="http://schemas.openxmlformats.org/presentationml/2006/main">
+  <p:cSld>
+    <p:spTree>
+      <p:nvGrpSpPr>
+        <p:cNvPr id="1" name=""/>
+        <p:cNvGrpSpPr/>
+        <p:nvPr/>
+      </p:nvGrpSpPr>
+      <p:grpSpPr>
+        <a:xfrm>
+          <a:off x="0" y="0"/>
+          <a:ext cx="0" cy="0"/>
+          <a:chOff x="0" y="0"/>
+          <a:chExt cx="0" cy="0"/>
+        </a:xfrm>
+      </p:grpSpPr>
       <p:grpSp>
         <p:nvGrpSpPr>
-          <p:cNvPr id="9" name="グループ化 8">
+          <p:cNvPr id="133" name="グループ化 132">
             <a:extLst>
               <a:ext uri="{FF2B5EF4-FFF2-40B4-BE49-F238E27FC236}">
-                <a16:creationId xmlns:a16="http://schemas.microsoft.com/office/drawing/2014/main" id="{C963A502-1F8F-DD7F-D7FE-AC0B3F83FD94}"/>
+                <a16:creationId xmlns:a16="http://schemas.microsoft.com/office/drawing/2014/main" id="{C7DDB4A0-5440-6796-5375-40B76E9150E4}"/>
               </a:ext>
             </a:extLst>
           </p:cNvPr>
@@ -9553,8 +15210,8 @@
           <p:nvPr/>
         </p:nvGrpSpPr>
         <p:grpSpPr>
-          <a:xfrm rot="-2400000">
-            <a:off x="3526646" y="1158856"/>
+          <a:xfrm rot="16795576">
+            <a:off x="3456929" y="1279722"/>
             <a:ext cx="4874618" cy="4648287"/>
             <a:chOff x="3658691" y="1115711"/>
             <a:chExt cx="4874618" cy="4648287"/>
@@ -9568,10 +15225,10 @@
         </p:grpSpPr>
         <p:cxnSp>
           <p:nvCxnSpPr>
-            <p:cNvPr id="10" name="直線コネクタ 9">
-              <a:extLst>
-                <a:ext uri="{FF2B5EF4-FFF2-40B4-BE49-F238E27FC236}">
-                  <a16:creationId xmlns:a16="http://schemas.microsoft.com/office/drawing/2014/main" id="{5588D786-593E-5AE7-9AAE-168E12B0B1CC}"/>
+            <p:cNvPr id="134" name="直線コネクタ 133">
+              <a:extLst>
+                <a:ext uri="{FF2B5EF4-FFF2-40B4-BE49-F238E27FC236}">
+                  <a16:creationId xmlns:a16="http://schemas.microsoft.com/office/drawing/2014/main" id="{E8C276C7-2042-79A6-04AC-51EAE646B24A}"/>
                 </a:ext>
               </a:extLst>
             </p:cNvPr>
@@ -9615,10 +15272,10 @@
         </p:cxnSp>
         <p:cxnSp>
           <p:nvCxnSpPr>
-            <p:cNvPr id="12" name="直線コネクタ 11">
-              <a:extLst>
-                <a:ext uri="{FF2B5EF4-FFF2-40B4-BE49-F238E27FC236}">
-                  <a16:creationId xmlns:a16="http://schemas.microsoft.com/office/drawing/2014/main" id="{059A44A5-503A-4F4C-1713-260C2417223D}"/>
+            <p:cNvPr id="135" name="直線コネクタ 134">
+              <a:extLst>
+                <a:ext uri="{FF2B5EF4-FFF2-40B4-BE49-F238E27FC236}">
+                  <a16:creationId xmlns:a16="http://schemas.microsoft.com/office/drawing/2014/main" id="{EAD27C1E-342F-BB88-878A-4643A0927E89}"/>
                 </a:ext>
               </a:extLst>
             </p:cNvPr>
@@ -9662,10 +15319,10 @@
         </p:cxnSp>
         <p:cxnSp>
           <p:nvCxnSpPr>
-            <p:cNvPr id="13" name="直線コネクタ 12">
-              <a:extLst>
-                <a:ext uri="{FF2B5EF4-FFF2-40B4-BE49-F238E27FC236}">
-                  <a16:creationId xmlns:a16="http://schemas.microsoft.com/office/drawing/2014/main" id="{1848FCCD-5ED4-5E96-AC41-9107A5D21C67}"/>
+            <p:cNvPr id="136" name="直線コネクタ 135">
+              <a:extLst>
+                <a:ext uri="{FF2B5EF4-FFF2-40B4-BE49-F238E27FC236}">
+                  <a16:creationId xmlns:a16="http://schemas.microsoft.com/office/drawing/2014/main" id="{3731C838-028F-FBEC-F218-0E92E8517636}"/>
                 </a:ext>
               </a:extLst>
             </p:cNvPr>
@@ -9709,10 +15366,10 @@
         </p:cxnSp>
         <p:cxnSp>
           <p:nvCxnSpPr>
-            <p:cNvPr id="15" name="直線コネクタ 14">
-              <a:extLst>
-                <a:ext uri="{FF2B5EF4-FFF2-40B4-BE49-F238E27FC236}">
-                  <a16:creationId xmlns:a16="http://schemas.microsoft.com/office/drawing/2014/main" id="{461179FF-CCA0-5D12-35D3-0024C8C46445}"/>
+            <p:cNvPr id="137" name="直線コネクタ 136">
+              <a:extLst>
+                <a:ext uri="{FF2B5EF4-FFF2-40B4-BE49-F238E27FC236}">
+                  <a16:creationId xmlns:a16="http://schemas.microsoft.com/office/drawing/2014/main" id="{17DE486C-B7C7-7333-67EF-AA1014AD5CB1}"/>
                 </a:ext>
               </a:extLst>
             </p:cNvPr>
@@ -9756,10 +15413,10 @@
         </p:cxnSp>
         <p:sp>
           <p:nvSpPr>
-            <p:cNvPr id="16" name="楕円 15">
-              <a:extLst>
-                <a:ext uri="{FF2B5EF4-FFF2-40B4-BE49-F238E27FC236}">
-                  <a16:creationId xmlns:a16="http://schemas.microsoft.com/office/drawing/2014/main" id="{7AE07E71-491A-FB3C-6D47-C44DCF41FB5D}"/>
+            <p:cNvPr id="138" name="楕円 137">
+              <a:extLst>
+                <a:ext uri="{FF2B5EF4-FFF2-40B4-BE49-F238E27FC236}">
+                  <a16:creationId xmlns:a16="http://schemas.microsoft.com/office/drawing/2014/main" id="{00A173A1-E149-5A68-3E7E-484163D12915}"/>
                 </a:ext>
               </a:extLst>
             </p:cNvPr>
@@ -9811,10 +15468,10 @@
         </p:sp>
         <p:sp>
           <p:nvSpPr>
-            <p:cNvPr id="17" name="楕円 16">
-              <a:extLst>
-                <a:ext uri="{FF2B5EF4-FFF2-40B4-BE49-F238E27FC236}">
-                  <a16:creationId xmlns:a16="http://schemas.microsoft.com/office/drawing/2014/main" id="{65D8EE5E-8E5B-A107-4E82-BAA063E827FB}"/>
+            <p:cNvPr id="139" name="楕円 138">
+              <a:extLst>
+                <a:ext uri="{FF2B5EF4-FFF2-40B4-BE49-F238E27FC236}">
+                  <a16:creationId xmlns:a16="http://schemas.microsoft.com/office/drawing/2014/main" id="{92735E9B-29DB-FB1C-2FC3-E72FF31B57A0}"/>
                 </a:ext>
               </a:extLst>
             </p:cNvPr>
@@ -9866,10 +15523,10 @@
         </p:sp>
         <p:sp>
           <p:nvSpPr>
-            <p:cNvPr id="20" name="楕円 19">
-              <a:extLst>
-                <a:ext uri="{FF2B5EF4-FFF2-40B4-BE49-F238E27FC236}">
-                  <a16:creationId xmlns:a16="http://schemas.microsoft.com/office/drawing/2014/main" id="{1E682E12-A7A5-2861-1A00-1713F7A2DE21}"/>
+            <p:cNvPr id="140" name="楕円 139">
+              <a:extLst>
+                <a:ext uri="{FF2B5EF4-FFF2-40B4-BE49-F238E27FC236}">
+                  <a16:creationId xmlns:a16="http://schemas.microsoft.com/office/drawing/2014/main" id="{899A2475-2CCA-2B2B-C449-07ABF350713F}"/>
                 </a:ext>
               </a:extLst>
             </p:cNvPr>
@@ -9921,10 +15578,10 @@
         </p:sp>
         <p:sp>
           <p:nvSpPr>
-            <p:cNvPr id="21" name="楕円 20">
-              <a:extLst>
-                <a:ext uri="{FF2B5EF4-FFF2-40B4-BE49-F238E27FC236}">
-                  <a16:creationId xmlns:a16="http://schemas.microsoft.com/office/drawing/2014/main" id="{0A401B1F-43AF-C75B-D4D9-204171DCA1CF}"/>
+            <p:cNvPr id="141" name="楕円 140">
+              <a:extLst>
+                <a:ext uri="{FF2B5EF4-FFF2-40B4-BE49-F238E27FC236}">
+                  <a16:creationId xmlns:a16="http://schemas.microsoft.com/office/drawing/2014/main" id="{2821C708-ADDD-2090-0A5C-C3E9CF26B3F4}"/>
                 </a:ext>
               </a:extLst>
             </p:cNvPr>
@@ -9976,10 +15633,10 @@
         </p:sp>
         <p:sp>
           <p:nvSpPr>
-            <p:cNvPr id="22" name="楕円 21">
-              <a:extLst>
-                <a:ext uri="{FF2B5EF4-FFF2-40B4-BE49-F238E27FC236}">
-                  <a16:creationId xmlns:a16="http://schemas.microsoft.com/office/drawing/2014/main" id="{9109D189-84B8-C704-8BF8-FEDBCFA074B3}"/>
+            <p:cNvPr id="142" name="楕円 141">
+              <a:extLst>
+                <a:ext uri="{FF2B5EF4-FFF2-40B4-BE49-F238E27FC236}">
+                  <a16:creationId xmlns:a16="http://schemas.microsoft.com/office/drawing/2014/main" id="{289416BA-2D55-7186-5190-1F53F46ED1DC}"/>
                 </a:ext>
               </a:extLst>
             </p:cNvPr>
@@ -10031,10 +15688,10 @@
         </p:sp>
         <p:sp>
           <p:nvSpPr>
-            <p:cNvPr id="23" name="楕円 22">
-              <a:extLst>
-                <a:ext uri="{FF2B5EF4-FFF2-40B4-BE49-F238E27FC236}">
-                  <a16:creationId xmlns:a16="http://schemas.microsoft.com/office/drawing/2014/main" id="{721ECDAE-F0FB-B073-8353-0DCD8113F0A3}"/>
+            <p:cNvPr id="143" name="楕円 142">
+              <a:extLst>
+                <a:ext uri="{FF2B5EF4-FFF2-40B4-BE49-F238E27FC236}">
+                  <a16:creationId xmlns:a16="http://schemas.microsoft.com/office/drawing/2014/main" id="{68145DBB-84BA-D1B4-3EBD-4EC7E7918440}"/>
                 </a:ext>
               </a:extLst>
             </p:cNvPr>
@@ -10086,10 +15743,10 @@
         </p:sp>
         <p:cxnSp>
           <p:nvCxnSpPr>
-            <p:cNvPr id="24" name="直線コネクタ 23">
-              <a:extLst>
-                <a:ext uri="{FF2B5EF4-FFF2-40B4-BE49-F238E27FC236}">
-                  <a16:creationId xmlns:a16="http://schemas.microsoft.com/office/drawing/2014/main" id="{A6BCA986-9823-D866-BC0C-443048260867}"/>
+            <p:cNvPr id="144" name="直線コネクタ 143">
+              <a:extLst>
+                <a:ext uri="{FF2B5EF4-FFF2-40B4-BE49-F238E27FC236}">
+                  <a16:creationId xmlns:a16="http://schemas.microsoft.com/office/drawing/2014/main" id="{2D9DBFED-04B7-CAEC-20E5-7B790B034213}"/>
                 </a:ext>
               </a:extLst>
             </p:cNvPr>
@@ -10132,10 +15789,46 @@
           </p:style>
         </p:cxnSp>
       </p:grpSp>
+      <p:sp>
+        <p:nvSpPr>
+          <p:cNvPr id="19" name="テキスト ボックス 18">
+            <a:extLst>
+              <a:ext uri="{FF2B5EF4-FFF2-40B4-BE49-F238E27FC236}">
+                <a16:creationId xmlns:a16="http://schemas.microsoft.com/office/drawing/2014/main" id="{0C8D762A-333D-F008-6523-BDB16C4AEC9F}"/>
+              </a:ext>
+            </a:extLst>
+          </p:cNvPr>
+          <p:cNvSpPr txBox="1"/>
+          <p:nvPr/>
+        </p:nvSpPr>
+        <p:spPr>
+          <a:xfrm>
+            <a:off x="269716" y="243402"/>
+            <a:ext cx="2989921" cy="400110"/>
+          </a:xfrm>
+          <a:prstGeom prst="rect">
+            <a:avLst/>
+          </a:prstGeom>
+          <a:noFill/>
+        </p:spPr>
+        <p:txBody>
+          <a:bodyPr wrap="none" rtlCol="0">
+            <a:spAutoFit/>
+          </a:bodyPr>
+          <a:lstStyle/>
+          <a:p>
+            <a:r>
+              <a:rPr lang="ja-JP" altLang="en-US" sz="2000"/>
+              <a:t>スマートな形を維持してる！</a:t>
+            </a:r>
+            <a:endParaRPr kumimoji="1" lang="ja-JP" altLang="en-US" sz="2000"/>
+          </a:p>
+        </p:txBody>
+      </p:sp>
     </p:spTree>
     <p:extLst>
       <p:ext uri="{BB962C8B-B14F-4D97-AF65-F5344CB8AC3E}">
-        <p14:creationId xmlns:p14="http://schemas.microsoft.com/office/powerpoint/2010/main" val="3588540520"/>
+        <p14:creationId xmlns:p14="http://schemas.microsoft.com/office/powerpoint/2010/main" val="1248431856"/>
       </p:ext>
     </p:extLst>
   </p:cSld>
@@ -10337,6 +16030,663 @@
     <p:extLst>
       <p:ext uri="{BB962C8B-B14F-4D97-AF65-F5344CB8AC3E}">
         <p14:creationId xmlns:p14="http://schemas.microsoft.com/office/powerpoint/2010/main" val="3889281131"/>
+      </p:ext>
+    </p:extLst>
+  </p:cSld>
+  <p:clrMapOvr>
+    <a:masterClrMapping/>
+  </p:clrMapOvr>
+</p:sld>
+</file>
+
+<file path=ppt/slides/slide20.xml><?xml version="1.0" encoding="utf-8"?>
+<p:sld xmlns:a="http://schemas.openxmlformats.org/drawingml/2006/main" xmlns:r="http://schemas.openxmlformats.org/officeDocument/2006/relationships" xmlns:p="http://schemas.openxmlformats.org/presentationml/2006/main">
+  <p:cSld>
+    <p:spTree>
+      <p:nvGrpSpPr>
+        <p:cNvPr id="1" name=""/>
+        <p:cNvGrpSpPr/>
+        <p:nvPr/>
+      </p:nvGrpSpPr>
+      <p:grpSpPr>
+        <a:xfrm>
+          <a:off x="0" y="0"/>
+          <a:ext cx="0" cy="0"/>
+          <a:chOff x="0" y="0"/>
+          <a:chExt cx="0" cy="0"/>
+        </a:xfrm>
+      </p:grpSpPr>
+      <p:grpSp>
+        <p:nvGrpSpPr>
+          <p:cNvPr id="133" name="グループ化 132">
+            <a:extLst>
+              <a:ext uri="{FF2B5EF4-FFF2-40B4-BE49-F238E27FC236}">
+                <a16:creationId xmlns:a16="http://schemas.microsoft.com/office/drawing/2014/main" id="{C7DDB4A0-5440-6796-5375-40B76E9150E4}"/>
+              </a:ext>
+            </a:extLst>
+          </p:cNvPr>
+          <p:cNvGrpSpPr/>
+          <p:nvPr/>
+        </p:nvGrpSpPr>
+        <p:grpSpPr>
+          <a:xfrm rot="16795576">
+            <a:off x="3456929" y="1279722"/>
+            <a:ext cx="4874618" cy="4648287"/>
+            <a:chOff x="3658691" y="1115711"/>
+            <a:chExt cx="4874618" cy="4648287"/>
+          </a:xfrm>
+          <a:solidFill>
+            <a:schemeClr val="tx1">
+              <a:lumMod val="95000"/>
+              <a:lumOff val="5000"/>
+            </a:schemeClr>
+          </a:solidFill>
+        </p:grpSpPr>
+        <p:cxnSp>
+          <p:nvCxnSpPr>
+            <p:cNvPr id="134" name="直線コネクタ 133">
+              <a:extLst>
+                <a:ext uri="{FF2B5EF4-FFF2-40B4-BE49-F238E27FC236}">
+                  <a16:creationId xmlns:a16="http://schemas.microsoft.com/office/drawing/2014/main" id="{E8C276C7-2042-79A6-04AC-51EAE646B24A}"/>
+                </a:ext>
+              </a:extLst>
+            </p:cNvPr>
+            <p:cNvCxnSpPr>
+              <a:cxnSpLocks/>
+            </p:cNvCxnSpPr>
+            <p:nvPr/>
+          </p:nvCxnSpPr>
+          <p:spPr>
+            <a:xfrm>
+              <a:off x="6096000" y="1382790"/>
+              <a:ext cx="0" cy="2255075"/>
+            </a:xfrm>
+            <a:prstGeom prst="line">
+              <a:avLst/>
+            </a:prstGeom>
+            <a:grpFill/>
+            <a:ln w="38100">
+              <a:solidFill>
+                <a:schemeClr val="tx1">
+                  <a:lumMod val="95000"/>
+                  <a:lumOff val="5000"/>
+                </a:schemeClr>
+              </a:solidFill>
+            </a:ln>
+          </p:spPr>
+          <p:style>
+            <a:lnRef idx="1">
+              <a:schemeClr val="accent1"/>
+            </a:lnRef>
+            <a:fillRef idx="0">
+              <a:schemeClr val="accent1"/>
+            </a:fillRef>
+            <a:effectRef idx="0">
+              <a:schemeClr val="accent1"/>
+            </a:effectRef>
+            <a:fontRef idx="minor">
+              <a:schemeClr val="tx1"/>
+            </a:fontRef>
+          </p:style>
+        </p:cxnSp>
+        <p:cxnSp>
+          <p:nvCxnSpPr>
+            <p:cNvPr id="135" name="直線コネクタ 134">
+              <a:extLst>
+                <a:ext uri="{FF2B5EF4-FFF2-40B4-BE49-F238E27FC236}">
+                  <a16:creationId xmlns:a16="http://schemas.microsoft.com/office/drawing/2014/main" id="{EAD27C1E-342F-BB88-878A-4643A0927E89}"/>
+                </a:ext>
+              </a:extLst>
+            </p:cNvPr>
+            <p:cNvCxnSpPr>
+              <a:cxnSpLocks/>
+            </p:cNvCxnSpPr>
+            <p:nvPr/>
+          </p:nvCxnSpPr>
+          <p:spPr>
+            <a:xfrm>
+              <a:off x="6096000" y="3637865"/>
+              <a:ext cx="1327856" cy="1837334"/>
+            </a:xfrm>
+            <a:prstGeom prst="line">
+              <a:avLst/>
+            </a:prstGeom>
+            <a:grpFill/>
+            <a:ln w="38100">
+              <a:solidFill>
+                <a:schemeClr val="tx1">
+                  <a:lumMod val="95000"/>
+                  <a:lumOff val="5000"/>
+                </a:schemeClr>
+              </a:solidFill>
+            </a:ln>
+          </p:spPr>
+          <p:style>
+            <a:lnRef idx="1">
+              <a:schemeClr val="accent1"/>
+            </a:lnRef>
+            <a:fillRef idx="0">
+              <a:schemeClr val="accent1"/>
+            </a:fillRef>
+            <a:effectRef idx="0">
+              <a:schemeClr val="accent1"/>
+            </a:effectRef>
+            <a:fontRef idx="minor">
+              <a:schemeClr val="tx1"/>
+            </a:fontRef>
+          </p:style>
+        </p:cxnSp>
+        <p:cxnSp>
+          <p:nvCxnSpPr>
+            <p:cNvPr id="136" name="直線コネクタ 135">
+              <a:extLst>
+                <a:ext uri="{FF2B5EF4-FFF2-40B4-BE49-F238E27FC236}">
+                  <a16:creationId xmlns:a16="http://schemas.microsoft.com/office/drawing/2014/main" id="{3731C838-028F-FBEC-F218-0E92E8517636}"/>
+                </a:ext>
+              </a:extLst>
+            </p:cNvPr>
+            <p:cNvCxnSpPr>
+              <a:cxnSpLocks/>
+            </p:cNvCxnSpPr>
+            <p:nvPr/>
+          </p:nvCxnSpPr>
+          <p:spPr>
+            <a:xfrm flipV="1">
+              <a:off x="4768144" y="3637865"/>
+              <a:ext cx="1327856" cy="1837334"/>
+            </a:xfrm>
+            <a:prstGeom prst="line">
+              <a:avLst/>
+            </a:prstGeom>
+            <a:grpFill/>
+            <a:ln w="38100">
+              <a:solidFill>
+                <a:schemeClr val="tx1">
+                  <a:lumMod val="95000"/>
+                  <a:lumOff val="5000"/>
+                </a:schemeClr>
+              </a:solidFill>
+            </a:ln>
+          </p:spPr>
+          <p:style>
+            <a:lnRef idx="1">
+              <a:schemeClr val="accent1"/>
+            </a:lnRef>
+            <a:fillRef idx="0">
+              <a:schemeClr val="accent1"/>
+            </a:fillRef>
+            <a:effectRef idx="0">
+              <a:schemeClr val="accent1"/>
+            </a:effectRef>
+            <a:fontRef idx="minor">
+              <a:schemeClr val="tx1"/>
+            </a:fontRef>
+          </p:style>
+        </p:cxnSp>
+        <p:cxnSp>
+          <p:nvCxnSpPr>
+            <p:cNvPr id="137" name="直線コネクタ 136">
+              <a:extLst>
+                <a:ext uri="{FF2B5EF4-FFF2-40B4-BE49-F238E27FC236}">
+                  <a16:creationId xmlns:a16="http://schemas.microsoft.com/office/drawing/2014/main" id="{17DE486C-B7C7-7333-67EF-AA1014AD5CB1}"/>
+                </a:ext>
+              </a:extLst>
+            </p:cNvPr>
+            <p:cNvCxnSpPr>
+              <a:cxnSpLocks/>
+            </p:cNvCxnSpPr>
+            <p:nvPr/>
+          </p:nvCxnSpPr>
+          <p:spPr>
+            <a:xfrm>
+              <a:off x="3947485" y="2945951"/>
+              <a:ext cx="2148515" cy="691914"/>
+            </a:xfrm>
+            <a:prstGeom prst="line">
+              <a:avLst/>
+            </a:prstGeom>
+            <a:grpFill/>
+            <a:ln w="38100">
+              <a:solidFill>
+                <a:schemeClr val="tx1">
+                  <a:lumMod val="95000"/>
+                  <a:lumOff val="5000"/>
+                </a:schemeClr>
+              </a:solidFill>
+            </a:ln>
+          </p:spPr>
+          <p:style>
+            <a:lnRef idx="1">
+              <a:schemeClr val="accent1"/>
+            </a:lnRef>
+            <a:fillRef idx="0">
+              <a:schemeClr val="accent1"/>
+            </a:fillRef>
+            <a:effectRef idx="0">
+              <a:schemeClr val="accent1"/>
+            </a:effectRef>
+            <a:fontRef idx="minor">
+              <a:schemeClr val="tx1"/>
+            </a:fontRef>
+          </p:style>
+        </p:cxnSp>
+        <p:sp>
+          <p:nvSpPr>
+            <p:cNvPr id="138" name="楕円 137">
+              <a:extLst>
+                <a:ext uri="{FF2B5EF4-FFF2-40B4-BE49-F238E27FC236}">
+                  <a16:creationId xmlns:a16="http://schemas.microsoft.com/office/drawing/2014/main" id="{00A173A1-E149-5A68-3E7E-484163D12915}"/>
+                </a:ext>
+              </a:extLst>
+            </p:cNvPr>
+            <p:cNvSpPr/>
+            <p:nvPr/>
+          </p:nvSpPr>
+          <p:spPr>
+            <a:xfrm>
+              <a:off x="5813789" y="3357294"/>
+              <a:ext cx="577578" cy="577578"/>
+            </a:xfrm>
+            <a:prstGeom prst="ellipse">
+              <a:avLst/>
+            </a:prstGeom>
+            <a:grpFill/>
+            <a:ln w="38100">
+              <a:solidFill>
+                <a:schemeClr val="tx1">
+                  <a:lumMod val="95000"/>
+                  <a:lumOff val="5000"/>
+                </a:schemeClr>
+              </a:solidFill>
+            </a:ln>
+          </p:spPr>
+          <p:style>
+            <a:lnRef idx="2">
+              <a:schemeClr val="accent1">
+                <a:shade val="50000"/>
+              </a:schemeClr>
+            </a:lnRef>
+            <a:fillRef idx="1">
+              <a:schemeClr val="accent1"/>
+            </a:fillRef>
+            <a:effectRef idx="0">
+              <a:schemeClr val="accent1"/>
+            </a:effectRef>
+            <a:fontRef idx="minor">
+              <a:schemeClr val="lt1"/>
+            </a:fontRef>
+          </p:style>
+          <p:txBody>
+            <a:bodyPr rtlCol="0" anchor="ctr"/>
+            <a:lstStyle/>
+            <a:p>
+              <a:pPr algn="ctr"/>
+              <a:endParaRPr kumimoji="1" lang="ja-JP" altLang="en-US"/>
+            </a:p>
+          </p:txBody>
+        </p:sp>
+        <p:sp>
+          <p:nvSpPr>
+            <p:cNvPr id="139" name="楕円 138">
+              <a:extLst>
+                <a:ext uri="{FF2B5EF4-FFF2-40B4-BE49-F238E27FC236}">
+                  <a16:creationId xmlns:a16="http://schemas.microsoft.com/office/drawing/2014/main" id="{92735E9B-29DB-FB1C-2FC3-E72FF31B57A0}"/>
+                </a:ext>
+              </a:extLst>
+            </p:cNvPr>
+            <p:cNvSpPr/>
+            <p:nvPr/>
+          </p:nvSpPr>
+          <p:spPr>
+            <a:xfrm>
+              <a:off x="3658691" y="2654504"/>
+              <a:ext cx="577578" cy="577578"/>
+            </a:xfrm>
+            <a:prstGeom prst="ellipse">
+              <a:avLst/>
+            </a:prstGeom>
+            <a:grpFill/>
+            <a:ln w="38100">
+              <a:solidFill>
+                <a:schemeClr val="tx1">
+                  <a:lumMod val="95000"/>
+                  <a:lumOff val="5000"/>
+                </a:schemeClr>
+              </a:solidFill>
+            </a:ln>
+          </p:spPr>
+          <p:style>
+            <a:lnRef idx="2">
+              <a:schemeClr val="accent1">
+                <a:shade val="50000"/>
+              </a:schemeClr>
+            </a:lnRef>
+            <a:fillRef idx="1">
+              <a:schemeClr val="accent1"/>
+            </a:fillRef>
+            <a:effectRef idx="0">
+              <a:schemeClr val="accent1"/>
+            </a:effectRef>
+            <a:fontRef idx="minor">
+              <a:schemeClr val="lt1"/>
+            </a:fontRef>
+          </p:style>
+          <p:txBody>
+            <a:bodyPr rtlCol="0" anchor="ctr"/>
+            <a:lstStyle/>
+            <a:p>
+              <a:pPr algn="ctr"/>
+              <a:endParaRPr kumimoji="1" lang="ja-JP" altLang="en-US"/>
+            </a:p>
+          </p:txBody>
+        </p:sp>
+        <p:sp>
+          <p:nvSpPr>
+            <p:cNvPr id="140" name="楕円 139">
+              <a:extLst>
+                <a:ext uri="{FF2B5EF4-FFF2-40B4-BE49-F238E27FC236}">
+                  <a16:creationId xmlns:a16="http://schemas.microsoft.com/office/drawing/2014/main" id="{899A2475-2CCA-2B2B-C449-07ABF350713F}"/>
+                </a:ext>
+              </a:extLst>
+            </p:cNvPr>
+            <p:cNvSpPr/>
+            <p:nvPr/>
+          </p:nvSpPr>
+          <p:spPr>
+            <a:xfrm>
+              <a:off x="4468932" y="5186420"/>
+              <a:ext cx="577578" cy="577578"/>
+            </a:xfrm>
+            <a:prstGeom prst="ellipse">
+              <a:avLst/>
+            </a:prstGeom>
+            <a:grpFill/>
+            <a:ln w="38100">
+              <a:solidFill>
+                <a:schemeClr val="tx1">
+                  <a:lumMod val="95000"/>
+                  <a:lumOff val="5000"/>
+                </a:schemeClr>
+              </a:solidFill>
+            </a:ln>
+          </p:spPr>
+          <p:style>
+            <a:lnRef idx="2">
+              <a:schemeClr val="accent1">
+                <a:shade val="50000"/>
+              </a:schemeClr>
+            </a:lnRef>
+            <a:fillRef idx="1">
+              <a:schemeClr val="accent1"/>
+            </a:fillRef>
+            <a:effectRef idx="0">
+              <a:schemeClr val="accent1"/>
+            </a:effectRef>
+            <a:fontRef idx="minor">
+              <a:schemeClr val="lt1"/>
+            </a:fontRef>
+          </p:style>
+          <p:txBody>
+            <a:bodyPr rtlCol="0" anchor="ctr"/>
+            <a:lstStyle/>
+            <a:p>
+              <a:pPr algn="ctr"/>
+              <a:endParaRPr kumimoji="1" lang="ja-JP" altLang="en-US"/>
+            </a:p>
+          </p:txBody>
+        </p:sp>
+        <p:sp>
+          <p:nvSpPr>
+            <p:cNvPr id="141" name="楕円 140">
+              <a:extLst>
+                <a:ext uri="{FF2B5EF4-FFF2-40B4-BE49-F238E27FC236}">
+                  <a16:creationId xmlns:a16="http://schemas.microsoft.com/office/drawing/2014/main" id="{2821C708-ADDD-2090-0A5C-C3E9CF26B3F4}"/>
+                </a:ext>
+              </a:extLst>
+            </p:cNvPr>
+            <p:cNvSpPr/>
+            <p:nvPr/>
+          </p:nvSpPr>
+          <p:spPr>
+            <a:xfrm>
+              <a:off x="7145492" y="5186420"/>
+              <a:ext cx="577578" cy="577578"/>
+            </a:xfrm>
+            <a:prstGeom prst="ellipse">
+              <a:avLst/>
+            </a:prstGeom>
+            <a:grpFill/>
+            <a:ln w="38100">
+              <a:solidFill>
+                <a:schemeClr val="tx1">
+                  <a:lumMod val="95000"/>
+                  <a:lumOff val="5000"/>
+                </a:schemeClr>
+              </a:solidFill>
+            </a:ln>
+          </p:spPr>
+          <p:style>
+            <a:lnRef idx="2">
+              <a:schemeClr val="accent1">
+                <a:shade val="50000"/>
+              </a:schemeClr>
+            </a:lnRef>
+            <a:fillRef idx="1">
+              <a:schemeClr val="accent1"/>
+            </a:fillRef>
+            <a:effectRef idx="0">
+              <a:schemeClr val="accent1"/>
+            </a:effectRef>
+            <a:fontRef idx="minor">
+              <a:schemeClr val="lt1"/>
+            </a:fontRef>
+          </p:style>
+          <p:txBody>
+            <a:bodyPr rtlCol="0" anchor="ctr"/>
+            <a:lstStyle/>
+            <a:p>
+              <a:pPr algn="ctr"/>
+              <a:endParaRPr kumimoji="1" lang="ja-JP" altLang="en-US"/>
+            </a:p>
+          </p:txBody>
+        </p:sp>
+        <p:sp>
+          <p:nvSpPr>
+            <p:cNvPr id="142" name="楕円 141">
+              <a:extLst>
+                <a:ext uri="{FF2B5EF4-FFF2-40B4-BE49-F238E27FC236}">
+                  <a16:creationId xmlns:a16="http://schemas.microsoft.com/office/drawing/2014/main" id="{289416BA-2D55-7186-5190-1F53F46ED1DC}"/>
+                </a:ext>
+              </a:extLst>
+            </p:cNvPr>
+            <p:cNvSpPr/>
+            <p:nvPr/>
+          </p:nvSpPr>
+          <p:spPr>
+            <a:xfrm>
+              <a:off x="7955731" y="2654504"/>
+              <a:ext cx="577578" cy="577578"/>
+            </a:xfrm>
+            <a:prstGeom prst="ellipse">
+              <a:avLst/>
+            </a:prstGeom>
+            <a:grpFill/>
+            <a:ln w="38100">
+              <a:solidFill>
+                <a:schemeClr val="tx1">
+                  <a:lumMod val="95000"/>
+                  <a:lumOff val="5000"/>
+                </a:schemeClr>
+              </a:solidFill>
+            </a:ln>
+          </p:spPr>
+          <p:style>
+            <a:lnRef idx="2">
+              <a:schemeClr val="accent1">
+                <a:shade val="50000"/>
+              </a:schemeClr>
+            </a:lnRef>
+            <a:fillRef idx="1">
+              <a:schemeClr val="accent1"/>
+            </a:fillRef>
+            <a:effectRef idx="0">
+              <a:schemeClr val="accent1"/>
+            </a:effectRef>
+            <a:fontRef idx="minor">
+              <a:schemeClr val="lt1"/>
+            </a:fontRef>
+          </p:style>
+          <p:txBody>
+            <a:bodyPr rtlCol="0" anchor="ctr"/>
+            <a:lstStyle/>
+            <a:p>
+              <a:pPr algn="ctr"/>
+              <a:endParaRPr kumimoji="1" lang="ja-JP" altLang="en-US"/>
+            </a:p>
+          </p:txBody>
+        </p:sp>
+        <p:sp>
+          <p:nvSpPr>
+            <p:cNvPr id="143" name="楕円 142">
+              <a:extLst>
+                <a:ext uri="{FF2B5EF4-FFF2-40B4-BE49-F238E27FC236}">
+                  <a16:creationId xmlns:a16="http://schemas.microsoft.com/office/drawing/2014/main" id="{68145DBB-84BA-D1B4-3EBD-4EC7E7918440}"/>
+                </a:ext>
+              </a:extLst>
+            </p:cNvPr>
+            <p:cNvSpPr/>
+            <p:nvPr/>
+          </p:nvSpPr>
+          <p:spPr>
+            <a:xfrm>
+              <a:off x="5807211" y="1115711"/>
+              <a:ext cx="577578" cy="577578"/>
+            </a:xfrm>
+            <a:prstGeom prst="ellipse">
+              <a:avLst/>
+            </a:prstGeom>
+            <a:grpFill/>
+            <a:ln w="38100">
+              <a:solidFill>
+                <a:schemeClr val="tx1">
+                  <a:lumMod val="95000"/>
+                  <a:lumOff val="5000"/>
+                </a:schemeClr>
+              </a:solidFill>
+            </a:ln>
+          </p:spPr>
+          <p:style>
+            <a:lnRef idx="2">
+              <a:schemeClr val="accent1">
+                <a:shade val="50000"/>
+              </a:schemeClr>
+            </a:lnRef>
+            <a:fillRef idx="1">
+              <a:schemeClr val="accent1"/>
+            </a:fillRef>
+            <a:effectRef idx="0">
+              <a:schemeClr val="accent1"/>
+            </a:effectRef>
+            <a:fontRef idx="minor">
+              <a:schemeClr val="lt1"/>
+            </a:fontRef>
+          </p:style>
+          <p:txBody>
+            <a:bodyPr rtlCol="0" anchor="ctr"/>
+            <a:lstStyle/>
+            <a:p>
+              <a:pPr algn="ctr"/>
+              <a:endParaRPr kumimoji="1" lang="ja-JP" altLang="en-US"/>
+            </a:p>
+          </p:txBody>
+        </p:sp>
+        <p:cxnSp>
+          <p:nvCxnSpPr>
+            <p:cNvPr id="144" name="直線コネクタ 143">
+              <a:extLst>
+                <a:ext uri="{FF2B5EF4-FFF2-40B4-BE49-F238E27FC236}">
+                  <a16:creationId xmlns:a16="http://schemas.microsoft.com/office/drawing/2014/main" id="{2D9DBFED-04B7-CAEC-20E5-7B790B034213}"/>
+                </a:ext>
+              </a:extLst>
+            </p:cNvPr>
+            <p:cNvCxnSpPr>
+              <a:cxnSpLocks/>
+            </p:cNvCxnSpPr>
+            <p:nvPr/>
+          </p:nvCxnSpPr>
+          <p:spPr>
+            <a:xfrm flipV="1">
+              <a:off x="6096000" y="2945951"/>
+              <a:ext cx="2146757" cy="691914"/>
+            </a:xfrm>
+            <a:prstGeom prst="line">
+              <a:avLst/>
+            </a:prstGeom>
+            <a:grpFill/>
+            <a:ln w="38100">
+              <a:solidFill>
+                <a:schemeClr val="tx1">
+                  <a:lumMod val="95000"/>
+                  <a:lumOff val="5000"/>
+                </a:schemeClr>
+              </a:solidFill>
+            </a:ln>
+          </p:spPr>
+          <p:style>
+            <a:lnRef idx="1">
+              <a:schemeClr val="accent1"/>
+            </a:lnRef>
+            <a:fillRef idx="0">
+              <a:schemeClr val="accent1"/>
+            </a:fillRef>
+            <a:effectRef idx="0">
+              <a:schemeClr val="accent1"/>
+            </a:effectRef>
+            <a:fontRef idx="minor">
+              <a:schemeClr val="tx1"/>
+            </a:fontRef>
+          </p:style>
+        </p:cxnSp>
+      </p:grpSp>
+      <p:sp>
+        <p:nvSpPr>
+          <p:cNvPr id="19" name="テキスト ボックス 18">
+            <a:extLst>
+              <a:ext uri="{FF2B5EF4-FFF2-40B4-BE49-F238E27FC236}">
+                <a16:creationId xmlns:a16="http://schemas.microsoft.com/office/drawing/2014/main" id="{0C8D762A-333D-F008-6523-BDB16C4AEC9F}"/>
+              </a:ext>
+            </a:extLst>
+          </p:cNvPr>
+          <p:cNvSpPr txBox="1"/>
+          <p:nvPr/>
+        </p:nvSpPr>
+        <p:spPr>
+          <a:xfrm>
+            <a:off x="269716" y="243402"/>
+            <a:ext cx="6186309" cy="400110"/>
+          </a:xfrm>
+          <a:prstGeom prst="rect">
+            <a:avLst/>
+          </a:prstGeom>
+          <a:noFill/>
+        </p:spPr>
+        <p:txBody>
+          <a:bodyPr wrap="none" rtlCol="0">
+            <a:spAutoFit/>
+          </a:bodyPr>
+          <a:lstStyle/>
+          <a:p>
+            <a:r>
+              <a:rPr kumimoji="1" lang="ja-JP" altLang="en-US" sz="2000"/>
+              <a:t>（紹介手法よりもっと簡単な方法があったら教えてください）</a:t>
+            </a:r>
+          </a:p>
+        </p:txBody>
+      </p:sp>
+    </p:spTree>
+    <p:extLst>
+      <p:ext uri="{BB962C8B-B14F-4D97-AF65-F5344CB8AC3E}">
+        <p14:creationId xmlns:p14="http://schemas.microsoft.com/office/powerpoint/2010/main" val="3091676753"/>
       </p:ext>
     </p:extLst>
   </p:cSld>
@@ -18213,6 +24563,114 @@
           </a:p>
         </p:txBody>
       </p:sp>
+      <p:sp>
+        <p:nvSpPr>
+          <p:cNvPr id="4" name="楕円 3">
+            <a:extLst>
+              <a:ext uri="{FF2B5EF4-FFF2-40B4-BE49-F238E27FC236}">
+                <a16:creationId xmlns:a16="http://schemas.microsoft.com/office/drawing/2014/main" id="{3F2B7697-A89F-14DA-020B-311BE40406FF}"/>
+              </a:ext>
+            </a:extLst>
+          </p:cNvPr>
+          <p:cNvSpPr/>
+          <p:nvPr/>
+        </p:nvSpPr>
+        <p:spPr>
+          <a:xfrm>
+            <a:off x="6053328" y="1334022"/>
+            <a:ext cx="97536" cy="97536"/>
+          </a:xfrm>
+          <a:prstGeom prst="ellipse">
+            <a:avLst/>
+          </a:prstGeom>
+          <a:solidFill>
+            <a:srgbClr val="FFFF00"/>
+          </a:solidFill>
+          <a:ln>
+            <a:solidFill>
+              <a:schemeClr val="tx1"/>
+            </a:solidFill>
+          </a:ln>
+        </p:spPr>
+        <p:style>
+          <a:lnRef idx="2">
+            <a:schemeClr val="accent1">
+              <a:shade val="50000"/>
+            </a:schemeClr>
+          </a:lnRef>
+          <a:fillRef idx="1">
+            <a:schemeClr val="accent1"/>
+          </a:fillRef>
+          <a:effectRef idx="0">
+            <a:schemeClr val="accent1"/>
+          </a:effectRef>
+          <a:fontRef idx="minor">
+            <a:schemeClr val="lt1"/>
+          </a:fontRef>
+        </p:style>
+        <p:txBody>
+          <a:bodyPr rtlCol="0" anchor="ctr"/>
+          <a:lstStyle/>
+          <a:p>
+            <a:pPr algn="ctr"/>
+            <a:endParaRPr kumimoji="1" lang="ja-JP" altLang="en-US"/>
+          </a:p>
+        </p:txBody>
+      </p:sp>
+      <p:sp>
+        <p:nvSpPr>
+          <p:cNvPr id="5" name="楕円 4">
+            <a:extLst>
+              <a:ext uri="{FF2B5EF4-FFF2-40B4-BE49-F238E27FC236}">
+                <a16:creationId xmlns:a16="http://schemas.microsoft.com/office/drawing/2014/main" id="{E2157A7C-D50E-5880-4A7F-FD6B85A4BEA5}"/>
+              </a:ext>
+            </a:extLst>
+          </p:cNvPr>
+          <p:cNvSpPr/>
+          <p:nvPr/>
+        </p:nvSpPr>
+        <p:spPr>
+          <a:xfrm>
+            <a:off x="6053328" y="5426441"/>
+            <a:ext cx="97536" cy="97536"/>
+          </a:xfrm>
+          <a:prstGeom prst="ellipse">
+            <a:avLst/>
+          </a:prstGeom>
+          <a:solidFill>
+            <a:srgbClr val="FFFF00"/>
+          </a:solidFill>
+          <a:ln>
+            <a:solidFill>
+              <a:schemeClr val="tx1"/>
+            </a:solidFill>
+          </a:ln>
+        </p:spPr>
+        <p:style>
+          <a:lnRef idx="2">
+            <a:schemeClr val="accent1">
+              <a:shade val="50000"/>
+            </a:schemeClr>
+          </a:lnRef>
+          <a:fillRef idx="1">
+            <a:schemeClr val="accent1"/>
+          </a:fillRef>
+          <a:effectRef idx="0">
+            <a:schemeClr val="accent1"/>
+          </a:effectRef>
+          <a:fontRef idx="minor">
+            <a:schemeClr val="lt1"/>
+          </a:fontRef>
+        </p:style>
+        <p:txBody>
+          <a:bodyPr rtlCol="0" anchor="ctr"/>
+          <a:lstStyle/>
+          <a:p>
+            <a:pPr algn="ctr"/>
+            <a:endParaRPr kumimoji="1" lang="ja-JP" altLang="en-US"/>
+          </a:p>
+        </p:txBody>
+      </p:sp>
     </p:spTree>
     <p:extLst>
       <p:ext uri="{BB962C8B-B14F-4D97-AF65-F5344CB8AC3E}">

--- a/pptx/pentagon.pptx
+++ b/pptx/pentagon.pptx
@@ -260,7 +260,7 @@
           <a:p>
             <a:fld id="{7C646FE5-4C54-49A0-A728-7E280FF13932}" type="datetimeFigureOut">
               <a:rPr kumimoji="1" lang="ja-JP" altLang="en-US" smtClean="0"/>
-              <a:t>2023/2/27</a:t>
+              <a:t>2023/2/28</a:t>
             </a:fld>
             <a:endParaRPr kumimoji="1" lang="ja-JP" altLang="en-US"/>
           </a:p>
@@ -460,7 +460,7 @@
           <a:p>
             <a:fld id="{7C646FE5-4C54-49A0-A728-7E280FF13932}" type="datetimeFigureOut">
               <a:rPr kumimoji="1" lang="ja-JP" altLang="en-US" smtClean="0"/>
-              <a:t>2023/2/27</a:t>
+              <a:t>2023/2/28</a:t>
             </a:fld>
             <a:endParaRPr kumimoji="1" lang="ja-JP" altLang="en-US"/>
           </a:p>
@@ -703,7 +703,7 @@
           <a:p>
             <a:fld id="{7C646FE5-4C54-49A0-A728-7E280FF13932}" type="datetimeFigureOut">
               <a:rPr kumimoji="1" lang="ja-JP" altLang="en-US" smtClean="0"/>
-              <a:t>2023/2/27</a:t>
+              <a:t>2023/2/28</a:t>
             </a:fld>
             <a:endParaRPr kumimoji="1" lang="ja-JP" altLang="en-US"/>
           </a:p>
@@ -2050,50 +2050,6 @@
           </a:fontRef>
         </p:style>
       </p:cxnSp>
-      <p:cxnSp>
-        <p:nvCxnSpPr>
-          <p:cNvPr id="25" name="直線コネクタ 24">
-            <a:extLst>
-              <a:ext uri="{FF2B5EF4-FFF2-40B4-BE49-F238E27FC236}">
-                <a16:creationId xmlns:a16="http://schemas.microsoft.com/office/drawing/2014/main" id="{30642E74-5D30-7D90-3F23-32D2B8503433}"/>
-              </a:ext>
-            </a:extLst>
-          </p:cNvPr>
-          <p:cNvCxnSpPr>
-            <a:cxnSpLocks/>
-            <a:stCxn id="2" idx="1"/>
-          </p:cNvCxnSpPr>
-          <p:nvPr/>
-        </p:nvCxnSpPr>
-        <p:spPr>
-          <a:xfrm>
-            <a:off x="3947485" y="2945951"/>
-            <a:ext cx="6334581" cy="2047068"/>
-          </a:xfrm>
-          <a:prstGeom prst="line">
-            <a:avLst/>
-          </a:prstGeom>
-          <a:ln>
-            <a:solidFill>
-              <a:schemeClr val="tx1"/>
-            </a:solidFill>
-          </a:ln>
-        </p:spPr>
-        <p:style>
-          <a:lnRef idx="1">
-            <a:schemeClr val="accent1"/>
-          </a:lnRef>
-          <a:fillRef idx="0">
-            <a:schemeClr val="accent1"/>
-          </a:fillRef>
-          <a:effectRef idx="0">
-            <a:schemeClr val="accent1"/>
-          </a:effectRef>
-          <a:fontRef idx="minor">
-            <a:schemeClr val="tx1"/>
-          </a:fontRef>
-        </p:style>
-      </p:cxnSp>
       <p:sp>
         <p:nvSpPr>
           <p:cNvPr id="32" name="テキスト ボックス 31">
@@ -2130,29 +2086,125 @@
           </a:p>
         </p:txBody>
       </p:sp>
-      <p:sp>
-        <p:nvSpPr>
-          <p:cNvPr id="3" name="楕円 2">
+      <p:cxnSp>
+        <p:nvCxnSpPr>
+          <p:cNvPr id="5" name="直線コネクタ 4">
             <a:extLst>
               <a:ext uri="{FF2B5EF4-FFF2-40B4-BE49-F238E27FC236}">
-                <a16:creationId xmlns:a16="http://schemas.microsoft.com/office/drawing/2014/main" id="{19E18E10-EE0C-5723-4A34-593C3B3C7E66}"/>
+                <a16:creationId xmlns:a16="http://schemas.microsoft.com/office/drawing/2014/main" id="{BA00A2B3-FC45-A5CE-750C-94254D8841CA}"/>
               </a:ext>
             </a:extLst>
           </p:cNvPr>
-          <p:cNvSpPr/>
+          <p:cNvCxnSpPr>
+            <a:cxnSpLocks/>
+            <a:stCxn id="2" idx="1"/>
+          </p:cNvCxnSpPr>
           <p:nvPr/>
-        </p:nvSpPr>
+        </p:nvCxnSpPr>
         <p:spPr>
           <a:xfrm>
-            <a:off x="3898712" y="2897183"/>
-            <a:ext cx="97536" cy="97536"/>
+            <a:off x="3947485" y="2945951"/>
+            <a:ext cx="6268285" cy="2254636"/>
           </a:xfrm>
-          <a:prstGeom prst="ellipse">
+          <a:prstGeom prst="line">
             <a:avLst/>
           </a:prstGeom>
-          <a:solidFill>
-            <a:srgbClr val="FFFF00"/>
-          </a:solidFill>
+          <a:ln>
+            <a:solidFill>
+              <a:schemeClr val="tx1">
+                <a:lumMod val="50000"/>
+                <a:lumOff val="50000"/>
+              </a:schemeClr>
+            </a:solidFill>
+            <a:prstDash val="dash"/>
+          </a:ln>
+        </p:spPr>
+        <p:style>
+          <a:lnRef idx="1">
+            <a:schemeClr val="accent1"/>
+          </a:lnRef>
+          <a:fillRef idx="0">
+            <a:schemeClr val="accent1"/>
+          </a:fillRef>
+          <a:effectRef idx="0">
+            <a:schemeClr val="accent1"/>
+          </a:effectRef>
+          <a:fontRef idx="minor">
+            <a:schemeClr val="tx1"/>
+          </a:fontRef>
+        </p:style>
+      </p:cxnSp>
+      <p:cxnSp>
+        <p:nvCxnSpPr>
+          <p:cNvPr id="8" name="直線コネクタ 7">
+            <a:extLst>
+              <a:ext uri="{FF2B5EF4-FFF2-40B4-BE49-F238E27FC236}">
+                <a16:creationId xmlns:a16="http://schemas.microsoft.com/office/drawing/2014/main" id="{84945928-CD06-61C9-6A89-9D9EFB58BA8F}"/>
+              </a:ext>
+            </a:extLst>
+          </p:cNvPr>
+          <p:cNvCxnSpPr>
+            <a:cxnSpLocks/>
+            <a:stCxn id="2" idx="1"/>
+          </p:cNvCxnSpPr>
+          <p:nvPr/>
+        </p:nvCxnSpPr>
+        <p:spPr>
+          <a:xfrm>
+            <a:off x="3947485" y="2945951"/>
+            <a:ext cx="6415944" cy="1818011"/>
+          </a:xfrm>
+          <a:prstGeom prst="line">
+            <a:avLst/>
+          </a:prstGeom>
+          <a:ln>
+            <a:solidFill>
+              <a:schemeClr val="tx1">
+                <a:lumMod val="50000"/>
+                <a:lumOff val="50000"/>
+              </a:schemeClr>
+            </a:solidFill>
+            <a:prstDash val="dash"/>
+          </a:ln>
+        </p:spPr>
+        <p:style>
+          <a:lnRef idx="1">
+            <a:schemeClr val="accent1"/>
+          </a:lnRef>
+          <a:fillRef idx="0">
+            <a:schemeClr val="accent1"/>
+          </a:fillRef>
+          <a:effectRef idx="0">
+            <a:schemeClr val="accent1"/>
+          </a:effectRef>
+          <a:fontRef idx="minor">
+            <a:schemeClr val="tx1"/>
+          </a:fontRef>
+        </p:style>
+      </p:cxnSp>
+      <p:cxnSp>
+        <p:nvCxnSpPr>
+          <p:cNvPr id="25" name="直線コネクタ 24">
+            <a:extLst>
+              <a:ext uri="{FF2B5EF4-FFF2-40B4-BE49-F238E27FC236}">
+                <a16:creationId xmlns:a16="http://schemas.microsoft.com/office/drawing/2014/main" id="{30642E74-5D30-7D90-3F23-32D2B8503433}"/>
+              </a:ext>
+            </a:extLst>
+          </p:cNvPr>
+          <p:cNvCxnSpPr>
+            <a:cxnSpLocks/>
+            <a:stCxn id="2" idx="1"/>
+          </p:cNvCxnSpPr>
+          <p:nvPr/>
+        </p:nvCxnSpPr>
+        <p:spPr>
+          <a:xfrm>
+            <a:off x="3947485" y="2945951"/>
+            <a:ext cx="6339264" cy="2043317"/>
+          </a:xfrm>
+          <a:prstGeom prst="line">
+            <a:avLst/>
+          </a:prstGeom>
           <a:ln>
             <a:solidFill>
               <a:schemeClr val="tx1"/>
@@ -2160,36 +2212,26 @@
           </a:ln>
         </p:spPr>
         <p:style>
-          <a:lnRef idx="2">
-            <a:schemeClr val="accent1">
-              <a:shade val="50000"/>
-            </a:schemeClr>
+          <a:lnRef idx="1">
+            <a:schemeClr val="accent1"/>
           </a:lnRef>
-          <a:fillRef idx="1">
+          <a:fillRef idx="0">
             <a:schemeClr val="accent1"/>
           </a:fillRef>
           <a:effectRef idx="0">
             <a:schemeClr val="accent1"/>
           </a:effectRef>
           <a:fontRef idx="minor">
-            <a:schemeClr val="lt1"/>
+            <a:schemeClr val="tx1"/>
           </a:fontRef>
         </p:style>
-        <p:txBody>
-          <a:bodyPr rtlCol="0" anchor="ctr"/>
-          <a:lstStyle/>
-          <a:p>
-            <a:pPr algn="ctr"/>
-            <a:endParaRPr kumimoji="1" lang="ja-JP" altLang="en-US"/>
-          </a:p>
-        </p:txBody>
-      </p:sp>
+      </p:cxnSp>
       <p:sp>
         <p:nvSpPr>
-          <p:cNvPr id="4" name="矢印: 上下 3">
+          <p:cNvPr id="41" name="矢印: 上下 40">
             <a:extLst>
               <a:ext uri="{FF2B5EF4-FFF2-40B4-BE49-F238E27FC236}">
-                <a16:creationId xmlns:a16="http://schemas.microsoft.com/office/drawing/2014/main" id="{70664566-5D86-B52B-8C84-7543B0FFDC97}"/>
+                <a16:creationId xmlns:a16="http://schemas.microsoft.com/office/drawing/2014/main" id="{B6B803F9-6F3A-F221-715C-21DDEE96DE4F}"/>
               </a:ext>
             </a:extLst>
           </p:cNvPr>
@@ -2219,6 +2261,60 @@
               </a:prstClr>
             </a:outerShdw>
           </a:effectLst>
+        </p:spPr>
+        <p:style>
+          <a:lnRef idx="2">
+            <a:schemeClr val="accent1">
+              <a:shade val="50000"/>
+            </a:schemeClr>
+          </a:lnRef>
+          <a:fillRef idx="1">
+            <a:schemeClr val="accent1"/>
+          </a:fillRef>
+          <a:effectRef idx="0">
+            <a:schemeClr val="accent1"/>
+          </a:effectRef>
+          <a:fontRef idx="minor">
+            <a:schemeClr val="lt1"/>
+          </a:fontRef>
+        </p:style>
+        <p:txBody>
+          <a:bodyPr rtlCol="0" anchor="ctr"/>
+          <a:lstStyle/>
+          <a:p>
+            <a:pPr algn="ctr"/>
+            <a:endParaRPr kumimoji="1" lang="ja-JP" altLang="en-US"/>
+          </a:p>
+        </p:txBody>
+      </p:sp>
+      <p:sp>
+        <p:nvSpPr>
+          <p:cNvPr id="40" name="楕円 39">
+            <a:extLst>
+              <a:ext uri="{FF2B5EF4-FFF2-40B4-BE49-F238E27FC236}">
+                <a16:creationId xmlns:a16="http://schemas.microsoft.com/office/drawing/2014/main" id="{05164E5D-2369-EB4E-BB42-2A61EA048A87}"/>
+              </a:ext>
+            </a:extLst>
+          </p:cNvPr>
+          <p:cNvSpPr/>
+          <p:nvPr/>
+        </p:nvSpPr>
+        <p:spPr>
+          <a:xfrm>
+            <a:off x="3898712" y="2897183"/>
+            <a:ext cx="97536" cy="97536"/>
+          </a:xfrm>
+          <a:prstGeom prst="ellipse">
+            <a:avLst/>
+          </a:prstGeom>
+          <a:solidFill>
+            <a:srgbClr val="FFFF00"/>
+          </a:solidFill>
+          <a:ln>
+            <a:solidFill>
+              <a:schemeClr val="tx1"/>
+            </a:solidFill>
+          </a:ln>
         </p:spPr>
         <p:style>
           <a:lnRef idx="2">
